--- a/docs/part_2/production_2.pptx
+++ b/docs/part_2/production_2.pptx
@@ -5,7 +5,7 @@
     <p:sldMasterId id="2147484296" r:id="rId1"/>
   </p:sldMasterIdLst>
   <p:notesMasterIdLst>
-    <p:notesMasterId r:id="rId42"/>
+    <p:notesMasterId r:id="rId46"/>
   </p:notesMasterIdLst>
   <p:sldIdLst>
     <p:sldId id="256" r:id="rId2"/>
@@ -48,6 +48,10 @@
     <p:sldId id="293" r:id="rId39"/>
     <p:sldId id="294" r:id="rId40"/>
     <p:sldId id="295" r:id="rId41"/>
+    <p:sldId id="296" r:id="rId42"/>
+    <p:sldId id="297" r:id="rId43"/>
+    <p:sldId id="298" r:id="rId44"/>
+    <p:sldId id="299" r:id="rId45"/>
   </p:sldIdLst>
   <p:sldSz cx="12192000" cy="6858000"/>
   <p:notesSz cx="6858000" cy="9144000"/>
@@ -234,9 +238,9 @@
             </a:lvl1pPr>
           </a:lstStyle>
           <a:p>
-            <a:fld id="{EB652A86-4A25-423D-8118-D8F384918F4F}" type="datetimeFigureOut">
+            <a:fld id="{2ED251D2-F965-47BF-993E-D00CAAA0EDEE}" type="datetimeFigureOut">
               <a:rPr lang="en-CA" smtClean="0"/>
-              <a:t>2024-02-08</a:t>
+              <a:t>2024-02-19</a:t>
             </a:fld>
             <a:endParaRPr lang="en-CA"/>
           </a:p>
@@ -393,7 +397,7 @@
             </a:lvl1pPr>
           </a:lstStyle>
           <a:p>
-            <a:fld id="{E57F5B51-84A7-495D-9C71-E1446FA75487}" type="slidenum">
+            <a:fld id="{8FBCA55B-25F3-48CE-A52D-96F00E3B8C08}" type="slidenum">
               <a:rPr lang="en-CA" smtClean="0"/>
               <a:t>‹#›</a:t>
             </a:fld>
@@ -404,7 +408,7 @@
     </p:spTree>
     <p:extLst>
       <p:ext uri="{BB962C8B-B14F-4D97-AF65-F5344CB8AC3E}">
-        <p14:creationId xmlns:p14="http://schemas.microsoft.com/office/powerpoint/2010/main" val="561115746"/>
+        <p14:creationId xmlns:p14="http://schemas.microsoft.com/office/powerpoint/2010/main" val="3499176715"/>
       </p:ext>
     </p:extLst>
   </p:cSld>
@@ -733,10 +737,9 @@
           </a:lstStyle>
           <a:p>
             <a:r>
-              <a:rPr lang="en-US"/>
-              <a:t>Production 2 - Data Engineering Fundamentals</a:t>
-            </a:r>
-            <a:endParaRPr lang="en-CA"/>
+              <a:rPr lang="en-CA"/>
+              <a:t>Production 2 - Data Engineering</a:t>
+            </a:r>
           </a:p>
         </p:txBody>
       </p:sp>
@@ -916,10 +919,9 @@
           <a:lstStyle/>
           <a:p>
             <a:r>
-              <a:rPr lang="en-US"/>
-              <a:t>Production 2 - Data Engineering Fundamentals</a:t>
-            </a:r>
-            <a:endParaRPr lang="en-CA"/>
+              <a:rPr lang="en-CA"/>
+              <a:t>Production 2 - Data Engineering</a:t>
+            </a:r>
           </a:p>
         </p:txBody>
       </p:sp>
@@ -1099,10 +1101,9 @@
           <a:lstStyle/>
           <a:p>
             <a:r>
-              <a:rPr lang="en-US"/>
-              <a:t>Production 2 - Data Engineering Fundamentals</a:t>
-            </a:r>
-            <a:endParaRPr lang="en-CA"/>
+              <a:rPr lang="en-CA"/>
+              <a:t>Production 2 - Data Engineering</a:t>
+            </a:r>
           </a:p>
         </p:txBody>
       </p:sp>
@@ -1272,10 +1273,9 @@
           <a:lstStyle/>
           <a:p>
             <a:r>
-              <a:rPr lang="en-US"/>
-              <a:t>Production 2 - Data Engineering Fundamentals</a:t>
-            </a:r>
-            <a:endParaRPr lang="en-CA"/>
+              <a:rPr lang="en-CA"/>
+              <a:t>Production 2 - Data Engineering</a:t>
+            </a:r>
           </a:p>
         </p:txBody>
       </p:sp>
@@ -1531,10 +1531,9 @@
           <a:lstStyle/>
           <a:p>
             <a:r>
-              <a:rPr lang="en-US"/>
-              <a:t>Production 2 - Data Engineering Fundamentals</a:t>
-            </a:r>
-            <a:endParaRPr lang="en-CA"/>
+              <a:rPr lang="en-CA"/>
+              <a:t>Production 2 - Data Engineering</a:t>
+            </a:r>
           </a:p>
         </p:txBody>
       </p:sp>
@@ -1822,10 +1821,9 @@
           <a:lstStyle/>
           <a:p>
             <a:r>
-              <a:rPr lang="en-US"/>
-              <a:t>Production 2 - Data Engineering Fundamentals</a:t>
-            </a:r>
-            <a:endParaRPr lang="en-CA"/>
+              <a:rPr lang="en-CA"/>
+              <a:t>Production 2 - Data Engineering</a:t>
+            </a:r>
           </a:p>
         </p:txBody>
       </p:sp>
@@ -2263,10 +2261,9 @@
           <a:lstStyle/>
           <a:p>
             <a:r>
-              <a:rPr lang="en-US"/>
-              <a:t>Production 2 - Data Engineering Fundamentals</a:t>
-            </a:r>
-            <a:endParaRPr lang="en-CA"/>
+              <a:rPr lang="en-CA"/>
+              <a:t>Production 2 - Data Engineering</a:t>
+            </a:r>
           </a:p>
         </p:txBody>
       </p:sp>
@@ -2384,10 +2381,9 @@
           <a:lstStyle/>
           <a:p>
             <a:r>
-              <a:rPr lang="en-US"/>
-              <a:t>Production 2 - Data Engineering Fundamentals</a:t>
-            </a:r>
-            <a:endParaRPr lang="en-CA"/>
+              <a:rPr lang="en-CA"/>
+              <a:t>Production 2 - Data Engineering</a:t>
+            </a:r>
           </a:p>
         </p:txBody>
       </p:sp>
@@ -2482,10 +2478,9 @@
           <a:lstStyle/>
           <a:p>
             <a:r>
-              <a:rPr lang="en-US"/>
-              <a:t>Production 2 - Data Engineering Fundamentals</a:t>
-            </a:r>
-            <a:endParaRPr lang="en-CA"/>
+              <a:rPr lang="en-CA"/>
+              <a:t>Production 2 - Data Engineering</a:t>
+            </a:r>
           </a:p>
         </p:txBody>
       </p:sp>
@@ -2841,10 +2836,9 @@
           <a:lstStyle/>
           <a:p>
             <a:r>
-              <a:rPr lang="en-US"/>
-              <a:t>Production 2 - Data Engineering Fundamentals</a:t>
-            </a:r>
-            <a:endParaRPr lang="en-CA"/>
+              <a:rPr lang="en-CA"/>
+              <a:t>Production 2 - Data Engineering</a:t>
+            </a:r>
           </a:p>
         </p:txBody>
       </p:sp>
@@ -3170,10 +3164,9 @@
           </a:lstStyle>
           <a:p>
             <a:r>
-              <a:rPr lang="en-US"/>
-              <a:t>Production 2 - Data Engineering Fundamentals</a:t>
-            </a:r>
-            <a:endParaRPr lang="en-CA"/>
+              <a:rPr lang="en-CA"/>
+              <a:t>Production 2 - Data Engineering</a:t>
+            </a:r>
           </a:p>
         </p:txBody>
       </p:sp>
@@ -3412,10 +3405,9 @@
           </a:lstStyle>
           <a:p>
             <a:r>
-              <a:rPr lang="en-US"/>
-              <a:t>Production 2 - Data Engineering Fundamentals</a:t>
-            </a:r>
-            <a:endParaRPr lang="en-CA"/>
+              <a:rPr lang="en-CA"/>
+              <a:t>Production 2 - Data Engineering</a:t>
+            </a:r>
           </a:p>
         </p:txBody>
       </p:sp>
@@ -3911,6 +3903,398 @@
             <p:ph type="title"/>
           </p:nvPr>
         </p:nvSpPr>
+        <p:spPr>
+          <a:xfrm>
+            <a:off x="603504" y="767419"/>
+            <a:ext cx="10780776" cy="3355848"/>
+          </a:xfrm>
+        </p:spPr>
+        <p:txBody>
+          <a:bodyPr/>
+          <a:lstStyle/>
+          <a:p>
+            <a:pPr marL="0" lvl="0" indent="0">
+              <a:buNone/>
+            </a:pPr>
+            <a:r>
+              <a:t>Data Formats</a:t>
+            </a:r>
+          </a:p>
+        </p:txBody>
+      </p:sp>
+      <p:sp>
+        <p:nvSpPr>
+          <p:cNvPr id="3" name="Date Placeholder 2">
+            <a:extLst>
+              <a:ext uri="{FF2B5EF4-FFF2-40B4-BE49-F238E27FC236}">
+                <a16:creationId xmlns:a16="http://schemas.microsoft.com/office/drawing/2014/main" id="{95250205-B6A5-F116-2F1C-CA5DC1AA3CA4}"/>
+              </a:ext>
+            </a:extLst>
+          </p:cNvPr>
+          <p:cNvSpPr>
+            <a:spLocks noGrp="1"/>
+          </p:cNvSpPr>
+          <p:nvPr>
+            <p:ph type="dt" sz="half" idx="10"/>
+          </p:nvPr>
+        </p:nvSpPr>
+        <p:spPr/>
+        <p:txBody>
+          <a:bodyPr/>
+          <a:lstStyle/>
+          <a:p>
+            <a:r>
+              <a:rPr lang="en-CA"/>
+              <a:t>February 2024</a:t>
+            </a:r>
+          </a:p>
+        </p:txBody>
+      </p:sp>
+      <p:sp>
+        <p:nvSpPr>
+          <p:cNvPr id="4" name="Footer Placeholder 3">
+            <a:extLst>
+              <a:ext uri="{FF2B5EF4-FFF2-40B4-BE49-F238E27FC236}">
+                <a16:creationId xmlns:a16="http://schemas.microsoft.com/office/drawing/2014/main" id="{D62A23A0-13F5-E00E-586F-5D0C4984B21C}"/>
+              </a:ext>
+            </a:extLst>
+          </p:cNvPr>
+          <p:cNvSpPr>
+            <a:spLocks noGrp="1"/>
+          </p:cNvSpPr>
+          <p:nvPr>
+            <p:ph type="ftr" sz="quarter" idx="11"/>
+          </p:nvPr>
+        </p:nvSpPr>
+        <p:spPr/>
+        <p:txBody>
+          <a:bodyPr/>
+          <a:lstStyle/>
+          <a:p>
+            <a:r>
+              <a:rPr lang="en-CA"/>
+              <a:t>Production 2 - Data Engineering</a:t>
+            </a:r>
+          </a:p>
+        </p:txBody>
+      </p:sp>
+      <p:sp>
+        <p:nvSpPr>
+          <p:cNvPr id="5" name="Slide Number Placeholder 4">
+            <a:extLst>
+              <a:ext uri="{FF2B5EF4-FFF2-40B4-BE49-F238E27FC236}">
+                <a16:creationId xmlns:a16="http://schemas.microsoft.com/office/drawing/2014/main" id="{4BA6A922-A1A8-AD0D-7BE0-8957E561C879}"/>
+              </a:ext>
+            </a:extLst>
+          </p:cNvPr>
+          <p:cNvSpPr>
+            <a:spLocks noGrp="1"/>
+          </p:cNvSpPr>
+          <p:nvPr>
+            <p:ph type="sldNum" sz="quarter" idx="12"/>
+          </p:nvPr>
+        </p:nvSpPr>
+        <p:spPr/>
+        <p:txBody>
+          <a:bodyPr/>
+          <a:lstStyle/>
+          <a:p>
+            <a:fld id="{4F4BDF5D-830C-4829-B676-EE421164B1C8}" type="slidenum">
+              <a:rPr lang="en-CA" smtClean="0"/>
+              <a:t>10</a:t>
+            </a:fld>
+            <a:endParaRPr lang="en-CA"/>
+          </a:p>
+        </p:txBody>
+      </p:sp>
+    </p:spTree>
+  </p:cSld>
+  <p:clrMapOvr>
+    <a:masterClrMapping/>
+  </p:clrMapOvr>
+</p:sld>
+</file>
+
+<file path=ppt/slides/slide11.xml><?xml version="1.0" encoding="utf-8"?>
+<p:sld xmlns:a="http://schemas.openxmlformats.org/drawingml/2006/main" xmlns:r="http://schemas.openxmlformats.org/officeDocument/2006/relationships" xmlns:p="http://schemas.openxmlformats.org/presentationml/2006/main">
+  <p:cSld>
+    <p:spTree>
+      <p:nvGrpSpPr>
+        <p:cNvPr id="1" name=""/>
+        <p:cNvGrpSpPr/>
+        <p:nvPr/>
+      </p:nvGrpSpPr>
+      <p:grpSpPr>
+        <a:xfrm>
+          <a:off x="0" y="0"/>
+          <a:ext cx="0" cy="0"/>
+          <a:chOff x="0" y="0"/>
+          <a:chExt cx="0" cy="0"/>
+        </a:xfrm>
+      </p:grpSpPr>
+      <p:sp>
+        <p:nvSpPr>
+          <p:cNvPr id="2" name="Title 1"/>
+          <p:cNvSpPr>
+            <a:spLocks noGrp="1"/>
+          </p:cNvSpPr>
+          <p:nvPr>
+            <p:ph type="title"/>
+          </p:nvPr>
+        </p:nvSpPr>
+        <p:spPr/>
+        <p:txBody>
+          <a:bodyPr/>
+          <a:lstStyle/>
+          <a:p>
+            <a:pPr marL="0" lvl="0" indent="0">
+              <a:buNone/>
+            </a:pPr>
+            <a:r>
+              <a:t>Data Formats</a:t>
+            </a:r>
+          </a:p>
+        </p:txBody>
+      </p:sp>
+      <p:sp>
+        <p:nvSpPr>
+          <p:cNvPr id="3" name="Content Placeholder 2"/>
+          <p:cNvSpPr>
+            <a:spLocks noGrp="1"/>
+          </p:cNvSpPr>
+          <p:nvPr>
+            <p:ph sz="half" idx="1"/>
+          </p:nvPr>
+        </p:nvSpPr>
+        <p:spPr/>
+        <p:txBody>
+          <a:bodyPr>
+            <a:normAutofit fontScale="85000" lnSpcReduction="20000"/>
+          </a:bodyPr>
+          <a:lstStyle/>
+          <a:p>
+            <a:pPr lvl="0"/>
+            <a:r>
+              <a:t>Data storage is a fundamental component in any ML system:</a:t>
+            </a:r>
+          </a:p>
+          <a:p>
+            <a:pPr lvl="1"/>
+            <a:r>
+              <a:t>Store raw input data.</a:t>
+            </a:r>
+          </a:p>
+          <a:p>
+            <a:pPr lvl="1"/>
+            <a:r>
+              <a:t>Store pre-computed features.</a:t>
+            </a:r>
+          </a:p>
+          <a:p>
+            <a:pPr lvl="1"/>
+            <a:r>
+              <a:t>Store model performance metrics and other model-related information.</a:t>
+            </a:r>
+          </a:p>
+          <a:p>
+            <a:pPr lvl="1"/>
+            <a:r>
+              <a:t>Store logs for monitoring and debugging.</a:t>
+            </a:r>
+          </a:p>
+          <a:p>
+            <a:pPr lvl="0"/>
+            <a:r>
+              <a:t>Multiple storage types can be combined with data transformation procedures to create </a:t>
+            </a:r>
+            <a:r>
+              <a:rPr i="1"/>
+              <a:t>pipelines</a:t>
+            </a:r>
+            <a:r>
+              <a:t>.</a:t>
+            </a:r>
+          </a:p>
+        </p:txBody>
+      </p:sp>
+      <p:sp>
+        <p:nvSpPr>
+          <p:cNvPr id="4" name="Content Placeholder 3"/>
+          <p:cNvSpPr>
+            <a:spLocks noGrp="1"/>
+          </p:cNvSpPr>
+          <p:nvPr>
+            <p:ph sz="half" idx="2"/>
+          </p:nvPr>
+        </p:nvSpPr>
+        <p:spPr/>
+        <p:txBody>
+          <a:bodyPr>
+            <a:normAutofit fontScale="85000" lnSpcReduction="20000"/>
+          </a:bodyPr>
+          <a:lstStyle/>
+          <a:p>
+            <a:pPr lvl="0"/>
+            <a:r>
+              <a:t>Selecting the right data format for storing can be beneficial in terms of performance and costs.</a:t>
+            </a:r>
+          </a:p>
+          <a:p>
+            <a:pPr lvl="0"/>
+            <a:r>
+              <a:rPr i="1"/>
+              <a:t>Data serialization</a:t>
+            </a:r>
+            <a:r>
+              <a:t> is converting a data structure or object state into a format that can be stored, transmitted, and reconstructed later.</a:t>
+            </a:r>
+          </a:p>
+          <a:p>
+            <a:pPr lvl="0"/>
+            <a:r>
+              <a:t>Data formats can be:</a:t>
+            </a:r>
+          </a:p>
+          <a:p>
+            <a:pPr lvl="1"/>
+            <a:r>
+              <a:t>Text or binary-based.</a:t>
+            </a:r>
+          </a:p>
+          <a:p>
+            <a:pPr lvl="1"/>
+            <a:r>
+              <a:t>Human readable.</a:t>
+            </a:r>
+          </a:p>
+          <a:p>
+            <a:pPr lvl="1"/>
+            <a:r>
+              <a:t>Row-major or column-major.</a:t>
+            </a:r>
+          </a:p>
+        </p:txBody>
+      </p:sp>
+      <p:sp>
+        <p:nvSpPr>
+          <p:cNvPr id="5" name="Date Placeholder 4">
+            <a:extLst>
+              <a:ext uri="{FF2B5EF4-FFF2-40B4-BE49-F238E27FC236}">
+                <a16:creationId xmlns:a16="http://schemas.microsoft.com/office/drawing/2014/main" id="{880DCA34-F1AC-21F7-6DB1-CB95C3E53D4D}"/>
+              </a:ext>
+            </a:extLst>
+          </p:cNvPr>
+          <p:cNvSpPr>
+            <a:spLocks noGrp="1"/>
+          </p:cNvSpPr>
+          <p:nvPr>
+            <p:ph type="dt" sz="half" idx="10"/>
+          </p:nvPr>
+        </p:nvSpPr>
+        <p:spPr/>
+        <p:txBody>
+          <a:bodyPr/>
+          <a:lstStyle/>
+          <a:p>
+            <a:r>
+              <a:rPr lang="en-CA"/>
+              <a:t>February 2024</a:t>
+            </a:r>
+          </a:p>
+        </p:txBody>
+      </p:sp>
+      <p:sp>
+        <p:nvSpPr>
+          <p:cNvPr id="6" name="Footer Placeholder 5">
+            <a:extLst>
+              <a:ext uri="{FF2B5EF4-FFF2-40B4-BE49-F238E27FC236}">
+                <a16:creationId xmlns:a16="http://schemas.microsoft.com/office/drawing/2014/main" id="{1562E48B-9418-4B5E-3AF5-B3860ED2E55B}"/>
+              </a:ext>
+            </a:extLst>
+          </p:cNvPr>
+          <p:cNvSpPr>
+            <a:spLocks noGrp="1"/>
+          </p:cNvSpPr>
+          <p:nvPr>
+            <p:ph type="ftr" sz="quarter" idx="11"/>
+          </p:nvPr>
+        </p:nvSpPr>
+        <p:spPr/>
+        <p:txBody>
+          <a:bodyPr/>
+          <a:lstStyle/>
+          <a:p>
+            <a:r>
+              <a:rPr lang="en-CA"/>
+              <a:t>Production 2 - Data Engineering</a:t>
+            </a:r>
+          </a:p>
+        </p:txBody>
+      </p:sp>
+      <p:sp>
+        <p:nvSpPr>
+          <p:cNvPr id="7" name="Slide Number Placeholder 6">
+            <a:extLst>
+              <a:ext uri="{FF2B5EF4-FFF2-40B4-BE49-F238E27FC236}">
+                <a16:creationId xmlns:a16="http://schemas.microsoft.com/office/drawing/2014/main" id="{01E53AE6-7EB4-FDD5-14E1-B596A2DF5933}"/>
+              </a:ext>
+            </a:extLst>
+          </p:cNvPr>
+          <p:cNvSpPr>
+            <a:spLocks noGrp="1"/>
+          </p:cNvSpPr>
+          <p:nvPr>
+            <p:ph type="sldNum" sz="quarter" idx="12"/>
+          </p:nvPr>
+        </p:nvSpPr>
+        <p:spPr/>
+        <p:txBody>
+          <a:bodyPr/>
+          <a:lstStyle/>
+          <a:p>
+            <a:fld id="{4F4BDF5D-830C-4829-B676-EE421164B1C8}" type="slidenum">
+              <a:rPr lang="en-CA" smtClean="0"/>
+              <a:t>11</a:t>
+            </a:fld>
+            <a:endParaRPr lang="en-CA"/>
+          </a:p>
+        </p:txBody>
+      </p:sp>
+    </p:spTree>
+  </p:cSld>
+  <p:clrMapOvr>
+    <a:masterClrMapping/>
+  </p:clrMapOvr>
+</p:sld>
+</file>
+
+<file path=ppt/slides/slide12.xml><?xml version="1.0" encoding="utf-8"?>
+<p:sld xmlns:a="http://schemas.openxmlformats.org/drawingml/2006/main" xmlns:r="http://schemas.openxmlformats.org/officeDocument/2006/relationships" xmlns:p="http://schemas.openxmlformats.org/presentationml/2006/main">
+  <p:cSld>
+    <p:spTree>
+      <p:nvGrpSpPr>
+        <p:cNvPr id="1" name=""/>
+        <p:cNvGrpSpPr/>
+        <p:nvPr/>
+      </p:nvGrpSpPr>
+      <p:grpSpPr>
+        <a:xfrm>
+          <a:off x="0" y="0"/>
+          <a:ext cx="0" cy="0"/>
+          <a:chOff x="0" y="0"/>
+          <a:chExt cx="0" cy="0"/>
+        </a:xfrm>
+      </p:grpSpPr>
+      <p:sp>
+        <p:nvSpPr>
+          <p:cNvPr id="2" name="Title 1"/>
+          <p:cNvSpPr>
+            <a:spLocks noGrp="1"/>
+          </p:cNvSpPr>
+          <p:nvPr>
+            <p:ph type="title"/>
+          </p:nvPr>
+        </p:nvSpPr>
         <p:spPr/>
         <p:txBody>
           <a:bodyPr/>
@@ -3937,7 +4321,7 @@
         </p:nvGraphicFramePr>
         <p:xfrm>
           <a:off x="673100" y="2006600"/>
-          <a:ext cx="10744200" cy="3759200"/>
+          <a:ext cx="10718800" cy="3108960"/>
         </p:xfrm>
         <a:graphic>
           <a:graphicData uri="http://schemas.openxmlformats.org/drawingml/2006/table">
@@ -4453,7 +4837,7 @@
           <p:cNvPr id="3" name="Date Placeholder 2">
             <a:extLst>
               <a:ext uri="{FF2B5EF4-FFF2-40B4-BE49-F238E27FC236}">
-                <a16:creationId xmlns:a16="http://schemas.microsoft.com/office/drawing/2014/main" id="{1C628D71-C94E-78D0-931B-4279F93877FA}"/>
+                <a16:creationId xmlns:a16="http://schemas.microsoft.com/office/drawing/2014/main" id="{8E5B4494-4DC7-5058-743A-ED691B8CC4B5}"/>
               </a:ext>
             </a:extLst>
           </p:cNvPr>
@@ -4481,7 +4865,7 @@
           <p:cNvPr id="4" name="Footer Placeholder 3">
             <a:extLst>
               <a:ext uri="{FF2B5EF4-FFF2-40B4-BE49-F238E27FC236}">
-                <a16:creationId xmlns:a16="http://schemas.microsoft.com/office/drawing/2014/main" id="{687DB3D1-7D79-C143-B138-B70ECA591403}"/>
+                <a16:creationId xmlns:a16="http://schemas.microsoft.com/office/drawing/2014/main" id="{AFB9D138-3594-A774-DA8D-5F7A9074517D}"/>
               </a:ext>
             </a:extLst>
           </p:cNvPr>
@@ -4498,10 +4882,9 @@
           <a:lstStyle/>
           <a:p>
             <a:r>
-              <a:rPr lang="en-US"/>
-              <a:t>Production 2 - Data Engineering Fundamentals</a:t>
-            </a:r>
-            <a:endParaRPr lang="en-CA"/>
+              <a:rPr lang="en-CA"/>
+              <a:t>Production 2 - Data Engineering</a:t>
+            </a:r>
           </a:p>
         </p:txBody>
       </p:sp>
@@ -4510,472 +4893,7 @@
           <p:cNvPr id="5" name="Slide Number Placeholder 4">
             <a:extLst>
               <a:ext uri="{FF2B5EF4-FFF2-40B4-BE49-F238E27FC236}">
-                <a16:creationId xmlns:a16="http://schemas.microsoft.com/office/drawing/2014/main" id="{28806661-6513-5B43-BE1F-EA2BC244EF2F}"/>
-              </a:ext>
-            </a:extLst>
-          </p:cNvPr>
-          <p:cNvSpPr>
-            <a:spLocks noGrp="1"/>
-          </p:cNvSpPr>
-          <p:nvPr>
-            <p:ph type="sldNum" sz="quarter" idx="12"/>
-          </p:nvPr>
-        </p:nvSpPr>
-        <p:spPr/>
-        <p:txBody>
-          <a:bodyPr/>
-          <a:lstStyle/>
-          <a:p>
-            <a:fld id="{4F4BDF5D-830C-4829-B676-EE421164B1C8}" type="slidenum">
-              <a:rPr lang="en-CA" smtClean="0"/>
-              <a:t>10</a:t>
-            </a:fld>
-            <a:endParaRPr lang="en-CA"/>
-          </a:p>
-        </p:txBody>
-      </p:sp>
-    </p:spTree>
-  </p:cSld>
-  <p:clrMapOvr>
-    <a:masterClrMapping/>
-  </p:clrMapOvr>
-</p:sld>
-</file>
-
-<file path=ppt/slides/slide11.xml><?xml version="1.0" encoding="utf-8"?>
-<p:sld xmlns:a="http://schemas.openxmlformats.org/drawingml/2006/main" xmlns:r="http://schemas.openxmlformats.org/officeDocument/2006/relationships" xmlns:p="http://schemas.openxmlformats.org/presentationml/2006/main">
-  <p:cSld>
-    <p:spTree>
-      <p:nvGrpSpPr>
-        <p:cNvPr id="1" name=""/>
-        <p:cNvGrpSpPr/>
-        <p:nvPr/>
-      </p:nvGrpSpPr>
-      <p:grpSpPr>
-        <a:xfrm>
-          <a:off x="0" y="0"/>
-          <a:ext cx="0" cy="0"/>
-          <a:chOff x="0" y="0"/>
-          <a:chExt cx="0" cy="0"/>
-        </a:xfrm>
-      </p:grpSpPr>
-      <p:sp>
-        <p:nvSpPr>
-          <p:cNvPr id="2" name="Title 1"/>
-          <p:cNvSpPr>
-            <a:spLocks noGrp="1"/>
-          </p:cNvSpPr>
-          <p:nvPr>
-            <p:ph type="title"/>
-          </p:nvPr>
-        </p:nvSpPr>
-        <p:spPr/>
-        <p:txBody>
-          <a:bodyPr/>
-          <a:lstStyle/>
-          <a:p>
-            <a:pPr marL="0" lvl="0" indent="0">
-              <a:buNone/>
-            </a:pPr>
-            <a:r>
-              <a:t>JSON</a:t>
-            </a:r>
-          </a:p>
-        </p:txBody>
-      </p:sp>
-      <p:sp>
-        <p:nvSpPr>
-          <p:cNvPr id="3" name="Content Placeholder 2"/>
-          <p:cNvSpPr>
-            <a:spLocks noGrp="1"/>
-          </p:cNvSpPr>
-          <p:nvPr>
-            <p:ph sz="half" idx="1"/>
-          </p:nvPr>
-        </p:nvSpPr>
-        <p:spPr/>
-        <p:txBody>
-          <a:bodyPr/>
-          <a:lstStyle/>
-          <a:p>
-            <a:pPr lvl="0"/>
-            <a:r>
-              <a:t>JavaScript Object Notation.</a:t>
-            </a:r>
-          </a:p>
-          <a:p>
-            <a:pPr lvl="0"/>
-            <a:r>
-              <a:t>Human-readable.</a:t>
-            </a:r>
-          </a:p>
-          <a:p>
-            <a:pPr lvl="0"/>
-            <a:r>
-              <a:t>Implements a key-value pair paradigm that can handle different levels of structured-ness.</a:t>
-            </a:r>
-          </a:p>
-          <a:p>
-            <a:pPr lvl="0"/>
-            <a:r>
-              <a:t>A popular format.</a:t>
-            </a:r>
-          </a:p>
-        </p:txBody>
-      </p:sp>
-      <p:pic>
-        <p:nvPicPr>
-          <p:cNvPr id="4" name="Picture 1" descr="./img/json_object.png"/>
-          <p:cNvPicPr>
-            <a:picLocks noGrp="1" noChangeAspect="1"/>
-          </p:cNvPicPr>
-          <p:nvPr/>
-        </p:nvPicPr>
-        <p:blipFill>
-          <a:blip r:embed="rId2"/>
-          <a:stretch>
-            <a:fillRect/>
-          </a:stretch>
-        </p:blipFill>
-        <p:spPr bwMode="auto">
-          <a:xfrm>
-            <a:off x="6007100" y="2527300"/>
-            <a:ext cx="4660900" cy="2171700"/>
-          </a:xfrm>
-          <a:prstGeom prst="rect">
-            <a:avLst/>
-          </a:prstGeom>
-          <a:noFill/>
-          <a:ln w="9525">
-            <a:noFill/>
-            <a:headEnd/>
-            <a:tailEnd/>
-          </a:ln>
-        </p:spPr>
-      </p:pic>
-      <p:sp>
-        <p:nvSpPr>
-          <p:cNvPr id="5" name="TextBox 3"/>
-          <p:cNvSpPr txBox="1"/>
-          <p:nvPr/>
-        </p:nvSpPr>
-        <p:spPr>
-          <a:xfrm>
-            <a:off x="6007100" y="5245100"/>
-            <a:ext cx="4660900" cy="508000"/>
-          </a:xfrm>
-          <a:prstGeom prst="rect">
-            <a:avLst/>
-          </a:prstGeom>
-          <a:noFill/>
-        </p:spPr>
-        <p:txBody>
-          <a:bodyPr/>
-          <a:lstStyle/>
-          <a:p>
-            <a:pPr marL="0" lvl="0" indent="0" algn="ctr">
-              <a:buNone/>
-            </a:pPr>
-            <a:r>
-              <a:t>An illustration of an object in JSON (</a:t>
-            </a:r>
-            <a:r>
-              <a:rPr>
-                <a:hlinkClick r:id="rId3"/>
-              </a:rPr>
-              <a:t>json.org, 2024</a:t>
-            </a:r>
-            <a:r>
-              <a:t>)</a:t>
-            </a:r>
-          </a:p>
-        </p:txBody>
-      </p:sp>
-      <p:sp>
-        <p:nvSpPr>
-          <p:cNvPr id="6" name="Date Placeholder 5">
-            <a:extLst>
-              <a:ext uri="{FF2B5EF4-FFF2-40B4-BE49-F238E27FC236}">
-                <a16:creationId xmlns:a16="http://schemas.microsoft.com/office/drawing/2014/main" id="{0B924F8D-B71D-18CB-9E7F-0F7D54BF2C81}"/>
-              </a:ext>
-            </a:extLst>
-          </p:cNvPr>
-          <p:cNvSpPr>
-            <a:spLocks noGrp="1"/>
-          </p:cNvSpPr>
-          <p:nvPr>
-            <p:ph type="dt" sz="half" idx="10"/>
-          </p:nvPr>
-        </p:nvSpPr>
-        <p:spPr/>
-        <p:txBody>
-          <a:bodyPr/>
-          <a:lstStyle/>
-          <a:p>
-            <a:r>
-              <a:rPr lang="en-CA"/>
-              <a:t>February 2024</a:t>
-            </a:r>
-          </a:p>
-        </p:txBody>
-      </p:sp>
-      <p:sp>
-        <p:nvSpPr>
-          <p:cNvPr id="7" name="Footer Placeholder 6">
-            <a:extLst>
-              <a:ext uri="{FF2B5EF4-FFF2-40B4-BE49-F238E27FC236}">
-                <a16:creationId xmlns:a16="http://schemas.microsoft.com/office/drawing/2014/main" id="{8BA28FF9-FEC8-97AD-0532-630B3A0D0C88}"/>
-              </a:ext>
-            </a:extLst>
-          </p:cNvPr>
-          <p:cNvSpPr>
-            <a:spLocks noGrp="1"/>
-          </p:cNvSpPr>
-          <p:nvPr>
-            <p:ph type="ftr" sz="quarter" idx="11"/>
-          </p:nvPr>
-        </p:nvSpPr>
-        <p:spPr/>
-        <p:txBody>
-          <a:bodyPr/>
-          <a:lstStyle/>
-          <a:p>
-            <a:r>
-              <a:rPr lang="en-US"/>
-              <a:t>Production 2 - Data Engineering Fundamentals</a:t>
-            </a:r>
-            <a:endParaRPr lang="en-CA"/>
-          </a:p>
-        </p:txBody>
-      </p:sp>
-      <p:sp>
-        <p:nvSpPr>
-          <p:cNvPr id="8" name="Slide Number Placeholder 7">
-            <a:extLst>
-              <a:ext uri="{FF2B5EF4-FFF2-40B4-BE49-F238E27FC236}">
-                <a16:creationId xmlns:a16="http://schemas.microsoft.com/office/drawing/2014/main" id="{3B2E2189-D06A-A7AB-E0BB-1EE4B24D0B85}"/>
-              </a:ext>
-            </a:extLst>
-          </p:cNvPr>
-          <p:cNvSpPr>
-            <a:spLocks noGrp="1"/>
-          </p:cNvSpPr>
-          <p:nvPr>
-            <p:ph type="sldNum" sz="quarter" idx="12"/>
-          </p:nvPr>
-        </p:nvSpPr>
-        <p:spPr/>
-        <p:txBody>
-          <a:bodyPr/>
-          <a:lstStyle/>
-          <a:p>
-            <a:fld id="{4F4BDF5D-830C-4829-B676-EE421164B1C8}" type="slidenum">
-              <a:rPr lang="en-CA" smtClean="0"/>
-              <a:t>11</a:t>
-            </a:fld>
-            <a:endParaRPr lang="en-CA"/>
-          </a:p>
-        </p:txBody>
-      </p:sp>
-    </p:spTree>
-  </p:cSld>
-  <p:clrMapOvr>
-    <a:masterClrMapping/>
-  </p:clrMapOvr>
-</p:sld>
-</file>
-
-<file path=ppt/slides/slide12.xml><?xml version="1.0" encoding="utf-8"?>
-<p:sld xmlns:a="http://schemas.openxmlformats.org/drawingml/2006/main" xmlns:r="http://schemas.openxmlformats.org/officeDocument/2006/relationships" xmlns:p="http://schemas.openxmlformats.org/presentationml/2006/main">
-  <p:cSld>
-    <p:spTree>
-      <p:nvGrpSpPr>
-        <p:cNvPr id="1" name=""/>
-        <p:cNvGrpSpPr/>
-        <p:nvPr/>
-      </p:nvGrpSpPr>
-      <p:grpSpPr>
-        <a:xfrm>
-          <a:off x="0" y="0"/>
-          <a:ext cx="0" cy="0"/>
-          <a:chOff x="0" y="0"/>
-          <a:chExt cx="0" cy="0"/>
-        </a:xfrm>
-      </p:grpSpPr>
-      <p:sp>
-        <p:nvSpPr>
-          <p:cNvPr id="2" name="Title 1"/>
-          <p:cNvSpPr>
-            <a:spLocks noGrp="1"/>
-          </p:cNvSpPr>
-          <p:nvPr>
-            <p:ph type="title"/>
-          </p:nvPr>
-        </p:nvSpPr>
-        <p:spPr/>
-        <p:txBody>
-          <a:bodyPr/>
-          <a:lstStyle/>
-          <a:p>
-            <a:pPr marL="0" lvl="0" indent="0">
-              <a:buNone/>
-            </a:pPr>
-            <a:r>
-              <a:t>JSON is Flexible</a:t>
-            </a:r>
-          </a:p>
-        </p:txBody>
-      </p:sp>
-      <p:sp>
-        <p:nvSpPr>
-          <p:cNvPr id="3" name="Content Placeholder 2"/>
-          <p:cNvSpPr>
-            <a:spLocks noGrp="1"/>
-          </p:cNvSpPr>
-          <p:nvPr>
-            <p:ph sz="half" idx="1"/>
-          </p:nvPr>
-        </p:nvSpPr>
-        <p:spPr/>
-        <p:txBody>
-          <a:bodyPr>
-            <a:normAutofit fontScale="40000" lnSpcReduction="20000"/>
-          </a:bodyPr>
-          <a:lstStyle/>
-          <a:p>
-            <a:pPr marL="0" lvl="0" indent="0">
-              <a:buNone/>
-            </a:pPr>
-            <a:r>
-              <a:t>Consider the record below.</a:t>
-            </a:r>
-          </a:p>
-          <a:p>
-            <a:pPr lvl="0" indent="0">
-              <a:buNone/>
-            </a:pPr>
-            <a:r>
-              <a:rPr>
-                <a:latin typeface="Courier"/>
-              </a:rPr>
-              <a:t>{
-  "firstName": "Boatie",
-  "lastName": "McBoatFace",
-  "isVibing": true,
-  "age": 12,
-  "address": {
-    "streetAddress": "12 Ocean Drive",
-    "city": "Port Royal",
-    "postalCode": "10021-3100"
-  }
-}</a:t>
-            </a:r>
-          </a:p>
-        </p:txBody>
-      </p:sp>
-      <p:sp>
-        <p:nvSpPr>
-          <p:cNvPr id="4" name="Content Placeholder 3"/>
-          <p:cNvSpPr>
-            <a:spLocks noGrp="1"/>
-          </p:cNvSpPr>
-          <p:nvPr>
-            <p:ph sz="half" idx="2"/>
-          </p:nvPr>
-        </p:nvSpPr>
-        <p:spPr/>
-        <p:txBody>
-          <a:bodyPr>
-            <a:normAutofit fontScale="40000" lnSpcReduction="20000"/>
-          </a:bodyPr>
-          <a:lstStyle/>
-          <a:p>
-            <a:pPr marL="0" lvl="0" indent="0">
-              <a:buNone/>
-            </a:pPr>
-            <a:r>
-              <a:t>The data can also be represented with less structure.</a:t>
-            </a:r>
-          </a:p>
-          <a:p>
-            <a:pPr lvl="0" indent="0">
-              <a:buNone/>
-            </a:pPr>
-            <a:r>
-              <a:rPr>
-                <a:latin typeface="Courier"/>
-              </a:rPr>
-              <a:t>{
-  "text": "Boatie McBoatFace, aged 12, is vibing, at 12 Ocean Drive, Port Royal, 
-           10021-3100"
-}</a:t>
-            </a:r>
-          </a:p>
-        </p:txBody>
-      </p:sp>
-      <p:sp>
-        <p:nvSpPr>
-          <p:cNvPr id="5" name="Date Placeholder 4">
-            <a:extLst>
-              <a:ext uri="{FF2B5EF4-FFF2-40B4-BE49-F238E27FC236}">
-                <a16:creationId xmlns:a16="http://schemas.microsoft.com/office/drawing/2014/main" id="{8AFA32F1-D52A-DADD-B769-A6A33079113D}"/>
-              </a:ext>
-            </a:extLst>
-          </p:cNvPr>
-          <p:cNvSpPr>
-            <a:spLocks noGrp="1"/>
-          </p:cNvSpPr>
-          <p:nvPr>
-            <p:ph type="dt" sz="half" idx="10"/>
-          </p:nvPr>
-        </p:nvSpPr>
-        <p:spPr/>
-        <p:txBody>
-          <a:bodyPr/>
-          <a:lstStyle/>
-          <a:p>
-            <a:r>
-              <a:rPr lang="en-CA"/>
-              <a:t>February 2024</a:t>
-            </a:r>
-          </a:p>
-        </p:txBody>
-      </p:sp>
-      <p:sp>
-        <p:nvSpPr>
-          <p:cNvPr id="6" name="Footer Placeholder 5">
-            <a:extLst>
-              <a:ext uri="{FF2B5EF4-FFF2-40B4-BE49-F238E27FC236}">
-                <a16:creationId xmlns:a16="http://schemas.microsoft.com/office/drawing/2014/main" id="{11764EE8-A7FD-DC77-44A4-C00F7B0AB1AC}"/>
-              </a:ext>
-            </a:extLst>
-          </p:cNvPr>
-          <p:cNvSpPr>
-            <a:spLocks noGrp="1"/>
-          </p:cNvSpPr>
-          <p:nvPr>
-            <p:ph type="ftr" sz="quarter" idx="11"/>
-          </p:nvPr>
-        </p:nvSpPr>
-        <p:spPr/>
-        <p:txBody>
-          <a:bodyPr/>
-          <a:lstStyle/>
-          <a:p>
-            <a:r>
-              <a:rPr lang="en-US"/>
-              <a:t>Production 2 - Data Engineering Fundamentals</a:t>
-            </a:r>
-            <a:endParaRPr lang="en-CA"/>
-          </a:p>
-        </p:txBody>
-      </p:sp>
-      <p:sp>
-        <p:nvSpPr>
-          <p:cNvPr id="7" name="Slide Number Placeholder 6">
-            <a:extLst>
-              <a:ext uri="{FF2B5EF4-FFF2-40B4-BE49-F238E27FC236}">
-                <a16:creationId xmlns:a16="http://schemas.microsoft.com/office/drawing/2014/main" id="{B37B32E6-0FFF-7D20-793D-440396CFA0A9}"/>
+                <a16:creationId xmlns:a16="http://schemas.microsoft.com/office/drawing/2014/main" id="{B205D72D-CB74-251F-72EC-B19B9C1F5708}"/>
               </a:ext>
             </a:extLst>
           </p:cNvPr>
@@ -5043,7 +4961,7 @@
               <a:buNone/>
             </a:pPr>
             <a:r>
-              <a:t>Row-Major vs Column-Major Formats</a:t>
+              <a:t>JSON</a:t>
             </a:r>
           </a:p>
         </p:txBody>
@@ -5060,102 +4978,110 @@
         </p:nvSpPr>
         <p:spPr/>
         <p:txBody>
-          <a:bodyPr>
-            <a:normAutofit fontScale="92500" lnSpcReduction="10000"/>
-          </a:bodyPr>
-          <a:lstStyle/>
-          <a:p>
-            <a:pPr marL="0" lvl="0" indent="0">
+          <a:bodyPr/>
+          <a:lstStyle/>
+          <a:p>
+            <a:pPr lvl="0"/>
+            <a:r>
+              <a:t>JavaScript Object Notation.</a:t>
+            </a:r>
+          </a:p>
+          <a:p>
+            <a:pPr lvl="0"/>
+            <a:r>
+              <a:t>Human-readable.</a:t>
+            </a:r>
+          </a:p>
+          <a:p>
+            <a:pPr lvl="0"/>
+            <a:r>
+              <a:t>Implements a key-value pair paradigm that can handle different levels of structured-ness.</a:t>
+            </a:r>
+          </a:p>
+          <a:p>
+            <a:pPr lvl="0"/>
+            <a:r>
+              <a:t>A popular format.</a:t>
+            </a:r>
+          </a:p>
+        </p:txBody>
+      </p:sp>
+      <p:pic>
+        <p:nvPicPr>
+          <p:cNvPr id="4" name="Picture 1" descr="./img/json_object.png"/>
+          <p:cNvPicPr>
+            <a:picLocks noGrp="1" noChangeAspect="1"/>
+          </p:cNvPicPr>
+          <p:nvPr/>
+        </p:nvPicPr>
+        <p:blipFill>
+          <a:blip r:embed="rId2"/>
+          <a:stretch>
+            <a:fillRect/>
+          </a:stretch>
+        </p:blipFill>
+        <p:spPr bwMode="auto">
+          <a:xfrm>
+            <a:off x="5633404" y="1962301"/>
+            <a:ext cx="5796595" cy="2700866"/>
+          </a:xfrm>
+          <a:prstGeom prst="rect">
+            <a:avLst/>
+          </a:prstGeom>
+          <a:noFill/>
+          <a:ln w="9525">
+            <a:noFill/>
+            <a:headEnd/>
+            <a:tailEnd/>
+          </a:ln>
+        </p:spPr>
+      </p:pic>
+      <p:sp>
+        <p:nvSpPr>
+          <p:cNvPr id="5" name="TextBox 3"/>
+          <p:cNvSpPr txBox="1"/>
+          <p:nvPr/>
+        </p:nvSpPr>
+        <p:spPr>
+          <a:xfrm>
+            <a:off x="6007100" y="5245100"/>
+            <a:ext cx="4660900" cy="508000"/>
+          </a:xfrm>
+          <a:prstGeom prst="rect">
+            <a:avLst/>
+          </a:prstGeom>
+          <a:noFill/>
+        </p:spPr>
+        <p:txBody>
+          <a:bodyPr/>
+          <a:lstStyle/>
+          <a:p>
+            <a:pPr marL="0" lvl="0" indent="0" algn="ctr">
               <a:buNone/>
             </a:pPr>
             <a:r>
-              <a:rPr b="1"/>
-              <a:t>Row-Major Format</a:t>
-            </a:r>
-          </a:p>
-          <a:p>
-            <a:pPr lvl="0"/>
-            <a:r>
-              <a:t>Consecutive elements in a row are stored next to each other.</a:t>
-            </a:r>
-          </a:p>
-          <a:p>
-            <a:pPr lvl="0"/>
-            <a:r>
-              <a:t>Example: CSV (Comma-Separated Values in a text file).</a:t>
-            </a:r>
-          </a:p>
-          <a:p>
-            <a:pPr lvl="0"/>
-            <a:r>
-              <a:t>Accessing rows will tend to be faster than accessing columns.</a:t>
-            </a:r>
-          </a:p>
-          <a:p>
-            <a:pPr lvl="0"/>
-            <a:r>
-              <a:t>Faster for writing additional records.</a:t>
-            </a:r>
-          </a:p>
-        </p:txBody>
-      </p:sp>
-      <p:sp>
-        <p:nvSpPr>
-          <p:cNvPr id="4" name="Content Placeholder 3"/>
-          <p:cNvSpPr>
-            <a:spLocks noGrp="1"/>
-          </p:cNvSpPr>
-          <p:nvPr>
-            <p:ph sz="half" idx="2"/>
-          </p:nvPr>
-        </p:nvSpPr>
-        <p:spPr/>
-        <p:txBody>
-          <a:bodyPr>
-            <a:normAutofit fontScale="92500" lnSpcReduction="10000"/>
-          </a:bodyPr>
-          <a:lstStyle/>
-          <a:p>
-            <a:pPr marL="0" lvl="0" indent="0">
-              <a:buNone/>
-            </a:pPr>
-            <a:r>
-              <a:rPr b="1"/>
-              <a:t>Column-Major Format</a:t>
-            </a:r>
-          </a:p>
-          <a:p>
-            <a:pPr lvl="0"/>
-            <a:r>
-              <a:t>Consecutive elements in a column are stored next to each other.</a:t>
-            </a:r>
-          </a:p>
-          <a:p>
-            <a:pPr lvl="0"/>
-            <a:r>
-              <a:t>Example: parquet.</a:t>
-            </a:r>
-          </a:p>
-          <a:p>
-            <a:pPr lvl="0"/>
-            <a:r>
-              <a:t>Accessing columns will be faster than accessing columns.</a:t>
-            </a:r>
-          </a:p>
-          <a:p>
-            <a:pPr lvl="0"/>
-            <a:r>
-              <a:t>Faster for retrieving columns.</a:t>
-            </a:r>
-          </a:p>
-        </p:txBody>
-      </p:sp>
-      <p:sp>
-        <p:nvSpPr>
-          <p:cNvPr id="5" name="Date Placeholder 4">
+              <a:rPr sz="1100" dirty="0"/>
+              <a:t>An illustration of an object in JSON (</a:t>
+            </a:r>
+            <a:r>
+              <a:rPr sz="1100" dirty="0">
+                <a:hlinkClick r:id="rId3"/>
+              </a:rPr>
+              <a:t>json.org, 2024</a:t>
+            </a:r>
+            <a:r>
+              <a:rPr sz="1100" dirty="0"/>
+              <a:t>)</a:t>
+            </a:r>
+          </a:p>
+        </p:txBody>
+      </p:sp>
+      <p:sp>
+        <p:nvSpPr>
+          <p:cNvPr id="6" name="Date Placeholder 5">
             <a:extLst>
               <a:ext uri="{FF2B5EF4-FFF2-40B4-BE49-F238E27FC236}">
-                <a16:creationId xmlns:a16="http://schemas.microsoft.com/office/drawing/2014/main" id="{552AEBC6-19EB-8B1E-3734-B0183F98C13D}"/>
+                <a16:creationId xmlns:a16="http://schemas.microsoft.com/office/drawing/2014/main" id="{890FF560-1A0C-BFCB-EAD7-11EE5FED2266}"/>
               </a:ext>
             </a:extLst>
           </p:cNvPr>
@@ -5180,10 +5106,10 @@
       </p:sp>
       <p:sp>
         <p:nvSpPr>
-          <p:cNvPr id="6" name="Footer Placeholder 5">
+          <p:cNvPr id="7" name="Footer Placeholder 6">
             <a:extLst>
               <a:ext uri="{FF2B5EF4-FFF2-40B4-BE49-F238E27FC236}">
-                <a16:creationId xmlns:a16="http://schemas.microsoft.com/office/drawing/2014/main" id="{F57FF68B-9588-2C86-5092-52509AD8A063}"/>
+                <a16:creationId xmlns:a16="http://schemas.microsoft.com/office/drawing/2014/main" id="{7246C0E2-A7E0-4A21-093A-056E456EA842}"/>
               </a:ext>
             </a:extLst>
           </p:cNvPr>
@@ -5200,19 +5126,18 @@
           <a:lstStyle/>
           <a:p>
             <a:r>
-              <a:rPr lang="en-US"/>
-              <a:t>Production 2 - Data Engineering Fundamentals</a:t>
-            </a:r>
-            <a:endParaRPr lang="en-CA"/>
-          </a:p>
-        </p:txBody>
-      </p:sp>
-      <p:sp>
-        <p:nvSpPr>
-          <p:cNvPr id="7" name="Slide Number Placeholder 6">
+              <a:rPr lang="en-CA"/>
+              <a:t>Production 2 - Data Engineering</a:t>
+            </a:r>
+          </a:p>
+        </p:txBody>
+      </p:sp>
+      <p:sp>
+        <p:nvSpPr>
+          <p:cNvPr id="8" name="Slide Number Placeholder 7">
             <a:extLst>
               <a:ext uri="{FF2B5EF4-FFF2-40B4-BE49-F238E27FC236}">
-                <a16:creationId xmlns:a16="http://schemas.microsoft.com/office/drawing/2014/main" id="{B7D81A43-B227-533D-EF56-65153AD4F195}"/>
+                <a16:creationId xmlns:a16="http://schemas.microsoft.com/office/drawing/2014/main" id="{3D763C19-23CF-B24A-AF02-8118A3ACC2DA}"/>
               </a:ext>
             </a:extLst>
           </p:cNvPr>
@@ -5245,6 +5170,573 @@
 </file>
 
 <file path=ppt/slides/slide14.xml><?xml version="1.0" encoding="utf-8"?>
+<p:sld xmlns:a="http://schemas.openxmlformats.org/drawingml/2006/main" xmlns:r="http://schemas.openxmlformats.org/officeDocument/2006/relationships" xmlns:p="http://schemas.openxmlformats.org/presentationml/2006/main">
+  <p:cSld>
+    <p:spTree>
+      <p:nvGrpSpPr>
+        <p:cNvPr id="1" name=""/>
+        <p:cNvGrpSpPr/>
+        <p:nvPr/>
+      </p:nvGrpSpPr>
+      <p:grpSpPr>
+        <a:xfrm>
+          <a:off x="0" y="0"/>
+          <a:ext cx="0" cy="0"/>
+          <a:chOff x="0" y="0"/>
+          <a:chExt cx="0" cy="0"/>
+        </a:xfrm>
+      </p:grpSpPr>
+      <p:sp>
+        <p:nvSpPr>
+          <p:cNvPr id="2" name="Title 1"/>
+          <p:cNvSpPr>
+            <a:spLocks noGrp="1"/>
+          </p:cNvSpPr>
+          <p:nvPr>
+            <p:ph type="title"/>
+          </p:nvPr>
+        </p:nvSpPr>
+        <p:spPr/>
+        <p:txBody>
+          <a:bodyPr/>
+          <a:lstStyle/>
+          <a:p>
+            <a:pPr marL="0" lvl="0" indent="0">
+              <a:buNone/>
+            </a:pPr>
+            <a:r>
+              <a:t>JSON is Flexible</a:t>
+            </a:r>
+          </a:p>
+        </p:txBody>
+      </p:sp>
+      <p:sp>
+        <p:nvSpPr>
+          <p:cNvPr id="3" name="Content Placeholder 2"/>
+          <p:cNvSpPr>
+            <a:spLocks noGrp="1"/>
+          </p:cNvSpPr>
+          <p:nvPr>
+            <p:ph sz="half" idx="1"/>
+          </p:nvPr>
+        </p:nvSpPr>
+        <p:spPr/>
+        <p:txBody>
+          <a:bodyPr>
+            <a:normAutofit fontScale="40000" lnSpcReduction="20000"/>
+          </a:bodyPr>
+          <a:lstStyle/>
+          <a:p>
+            <a:pPr marL="0" lvl="0" indent="0">
+              <a:buNone/>
+            </a:pPr>
+            <a:r>
+              <a:rPr sz="4000" dirty="0"/>
+              <a:t>Consider the record below.</a:t>
+            </a:r>
+          </a:p>
+          <a:p>
+            <a:pPr lvl="0" indent="0">
+              <a:buNone/>
+            </a:pPr>
+            <a:r>
+              <a:rPr dirty="0">
+                <a:latin typeface="Courier"/>
+              </a:rPr>
+              <a:t>{
+  "</a:t>
+            </a:r>
+            <a:r>
+              <a:rPr dirty="0" err="1">
+                <a:latin typeface="Courier"/>
+              </a:rPr>
+              <a:t>firstName</a:t>
+            </a:r>
+            <a:r>
+              <a:rPr dirty="0">
+                <a:latin typeface="Courier"/>
+              </a:rPr>
+              <a:t>": "</a:t>
+            </a:r>
+            <a:r>
+              <a:rPr dirty="0" err="1">
+                <a:latin typeface="Courier"/>
+              </a:rPr>
+              <a:t>Boatie</a:t>
+            </a:r>
+            <a:r>
+              <a:rPr dirty="0">
+                <a:latin typeface="Courier"/>
+              </a:rPr>
+              <a:t>",
+  "</a:t>
+            </a:r>
+            <a:r>
+              <a:rPr dirty="0" err="1">
+                <a:latin typeface="Courier"/>
+              </a:rPr>
+              <a:t>lastName</a:t>
+            </a:r>
+            <a:r>
+              <a:rPr dirty="0">
+                <a:latin typeface="Courier"/>
+              </a:rPr>
+              <a:t>": "</a:t>
+            </a:r>
+            <a:r>
+              <a:rPr dirty="0" err="1">
+                <a:latin typeface="Courier"/>
+              </a:rPr>
+              <a:t>McBoatFace</a:t>
+            </a:r>
+            <a:r>
+              <a:rPr dirty="0">
+                <a:latin typeface="Courier"/>
+              </a:rPr>
+              <a:t>",
+  "</a:t>
+            </a:r>
+            <a:r>
+              <a:rPr dirty="0" err="1">
+                <a:latin typeface="Courier"/>
+              </a:rPr>
+              <a:t>isVibing</a:t>
+            </a:r>
+            <a:r>
+              <a:rPr dirty="0">
+                <a:latin typeface="Courier"/>
+              </a:rPr>
+              <a:t>": true,
+  "age": 12,
+  "address": {
+    "</a:t>
+            </a:r>
+            <a:r>
+              <a:rPr dirty="0" err="1">
+                <a:latin typeface="Courier"/>
+              </a:rPr>
+              <a:t>streetAddress</a:t>
+            </a:r>
+            <a:r>
+              <a:rPr dirty="0">
+                <a:latin typeface="Courier"/>
+              </a:rPr>
+              <a:t>": "12 Ocean Drive",
+    "city": "Port Royal",
+    "</a:t>
+            </a:r>
+            <a:r>
+              <a:rPr dirty="0" err="1">
+                <a:latin typeface="Courier"/>
+              </a:rPr>
+              <a:t>postalCode</a:t>
+            </a:r>
+            <a:r>
+              <a:rPr dirty="0">
+                <a:latin typeface="Courier"/>
+              </a:rPr>
+              <a:t>": "10021-3100"
+  }
+}</a:t>
+            </a:r>
+          </a:p>
+        </p:txBody>
+      </p:sp>
+      <p:sp>
+        <p:nvSpPr>
+          <p:cNvPr id="4" name="Content Placeholder 3"/>
+          <p:cNvSpPr>
+            <a:spLocks noGrp="1"/>
+          </p:cNvSpPr>
+          <p:nvPr>
+            <p:ph sz="half" idx="2"/>
+          </p:nvPr>
+        </p:nvSpPr>
+        <p:spPr/>
+        <p:txBody>
+          <a:bodyPr>
+            <a:normAutofit fontScale="40000" lnSpcReduction="20000"/>
+          </a:bodyPr>
+          <a:lstStyle/>
+          <a:p>
+            <a:pPr marL="0" lvl="0" indent="0">
+              <a:buNone/>
+            </a:pPr>
+            <a:r>
+              <a:rPr sz="3500" dirty="0"/>
+              <a:t>The data can also be represented with less structure.</a:t>
+            </a:r>
+          </a:p>
+          <a:p>
+            <a:pPr lvl="0" indent="0">
+              <a:buNone/>
+            </a:pPr>
+            <a:r>
+              <a:rPr dirty="0">
+                <a:latin typeface="Courier"/>
+              </a:rPr>
+              <a:t>{
+  "text": "</a:t>
+            </a:r>
+            <a:r>
+              <a:rPr dirty="0" err="1">
+                <a:latin typeface="Courier"/>
+              </a:rPr>
+              <a:t>Boatie</a:t>
+            </a:r>
+            <a:r>
+              <a:rPr dirty="0">
+                <a:latin typeface="Courier"/>
+              </a:rPr>
+              <a:t> </a:t>
+            </a:r>
+            <a:r>
+              <a:rPr dirty="0" err="1">
+                <a:latin typeface="Courier"/>
+              </a:rPr>
+              <a:t>McBoatFace</a:t>
+            </a:r>
+            <a:r>
+              <a:rPr dirty="0">
+                <a:latin typeface="Courier"/>
+              </a:rPr>
+              <a:t>, aged 12, is vibing, at 12 Ocean Drive, Port Royal, 
+           10021-3100"
+}</a:t>
+            </a:r>
+          </a:p>
+        </p:txBody>
+      </p:sp>
+      <p:sp>
+        <p:nvSpPr>
+          <p:cNvPr id="5" name="Date Placeholder 4">
+            <a:extLst>
+              <a:ext uri="{FF2B5EF4-FFF2-40B4-BE49-F238E27FC236}">
+                <a16:creationId xmlns:a16="http://schemas.microsoft.com/office/drawing/2014/main" id="{7B602644-7CE2-E4BD-9064-154C2F337266}"/>
+              </a:ext>
+            </a:extLst>
+          </p:cNvPr>
+          <p:cNvSpPr>
+            <a:spLocks noGrp="1"/>
+          </p:cNvSpPr>
+          <p:nvPr>
+            <p:ph type="dt" sz="half" idx="10"/>
+          </p:nvPr>
+        </p:nvSpPr>
+        <p:spPr/>
+        <p:txBody>
+          <a:bodyPr/>
+          <a:lstStyle/>
+          <a:p>
+            <a:r>
+              <a:rPr lang="en-CA"/>
+              <a:t>February 2024</a:t>
+            </a:r>
+          </a:p>
+        </p:txBody>
+      </p:sp>
+      <p:sp>
+        <p:nvSpPr>
+          <p:cNvPr id="6" name="Footer Placeholder 5">
+            <a:extLst>
+              <a:ext uri="{FF2B5EF4-FFF2-40B4-BE49-F238E27FC236}">
+                <a16:creationId xmlns:a16="http://schemas.microsoft.com/office/drawing/2014/main" id="{E4877DC8-0398-AD1B-0002-49C7687F33F3}"/>
+              </a:ext>
+            </a:extLst>
+          </p:cNvPr>
+          <p:cNvSpPr>
+            <a:spLocks noGrp="1"/>
+          </p:cNvSpPr>
+          <p:nvPr>
+            <p:ph type="ftr" sz="quarter" idx="11"/>
+          </p:nvPr>
+        </p:nvSpPr>
+        <p:spPr/>
+        <p:txBody>
+          <a:bodyPr/>
+          <a:lstStyle/>
+          <a:p>
+            <a:r>
+              <a:rPr lang="en-CA"/>
+              <a:t>Production 2 - Data Engineering</a:t>
+            </a:r>
+          </a:p>
+        </p:txBody>
+      </p:sp>
+      <p:sp>
+        <p:nvSpPr>
+          <p:cNvPr id="7" name="Slide Number Placeholder 6">
+            <a:extLst>
+              <a:ext uri="{FF2B5EF4-FFF2-40B4-BE49-F238E27FC236}">
+                <a16:creationId xmlns:a16="http://schemas.microsoft.com/office/drawing/2014/main" id="{421B44D2-4A8D-671F-73CA-416EBC8FF5C6}"/>
+              </a:ext>
+            </a:extLst>
+          </p:cNvPr>
+          <p:cNvSpPr>
+            <a:spLocks noGrp="1"/>
+          </p:cNvSpPr>
+          <p:nvPr>
+            <p:ph type="sldNum" sz="quarter" idx="12"/>
+          </p:nvPr>
+        </p:nvSpPr>
+        <p:spPr/>
+        <p:txBody>
+          <a:bodyPr/>
+          <a:lstStyle/>
+          <a:p>
+            <a:fld id="{4F4BDF5D-830C-4829-B676-EE421164B1C8}" type="slidenum">
+              <a:rPr lang="en-CA" smtClean="0"/>
+              <a:t>14</a:t>
+            </a:fld>
+            <a:endParaRPr lang="en-CA"/>
+          </a:p>
+        </p:txBody>
+      </p:sp>
+    </p:spTree>
+  </p:cSld>
+  <p:clrMapOvr>
+    <a:masterClrMapping/>
+  </p:clrMapOvr>
+</p:sld>
+</file>
+
+<file path=ppt/slides/slide15.xml><?xml version="1.0" encoding="utf-8"?>
+<p:sld xmlns:a="http://schemas.openxmlformats.org/drawingml/2006/main" xmlns:r="http://schemas.openxmlformats.org/officeDocument/2006/relationships" xmlns:p="http://schemas.openxmlformats.org/presentationml/2006/main">
+  <p:cSld>
+    <p:spTree>
+      <p:nvGrpSpPr>
+        <p:cNvPr id="1" name=""/>
+        <p:cNvGrpSpPr/>
+        <p:nvPr/>
+      </p:nvGrpSpPr>
+      <p:grpSpPr>
+        <a:xfrm>
+          <a:off x="0" y="0"/>
+          <a:ext cx="0" cy="0"/>
+          <a:chOff x="0" y="0"/>
+          <a:chExt cx="0" cy="0"/>
+        </a:xfrm>
+      </p:grpSpPr>
+      <p:sp>
+        <p:nvSpPr>
+          <p:cNvPr id="2" name="Title 1"/>
+          <p:cNvSpPr>
+            <a:spLocks noGrp="1"/>
+          </p:cNvSpPr>
+          <p:nvPr>
+            <p:ph type="title"/>
+          </p:nvPr>
+        </p:nvSpPr>
+        <p:spPr/>
+        <p:txBody>
+          <a:bodyPr/>
+          <a:lstStyle/>
+          <a:p>
+            <a:pPr marL="0" lvl="0" indent="0">
+              <a:buNone/>
+            </a:pPr>
+            <a:r>
+              <a:t>Row-Major vs Column-Major Formats</a:t>
+            </a:r>
+          </a:p>
+        </p:txBody>
+      </p:sp>
+      <p:sp>
+        <p:nvSpPr>
+          <p:cNvPr id="3" name="Content Placeholder 2"/>
+          <p:cNvSpPr>
+            <a:spLocks noGrp="1"/>
+          </p:cNvSpPr>
+          <p:nvPr>
+            <p:ph sz="half" idx="1"/>
+          </p:nvPr>
+        </p:nvSpPr>
+        <p:spPr/>
+        <p:txBody>
+          <a:bodyPr>
+            <a:normAutofit fontScale="92500" lnSpcReduction="10000"/>
+          </a:bodyPr>
+          <a:lstStyle/>
+          <a:p>
+            <a:pPr marL="0" lvl="0" indent="0">
+              <a:buNone/>
+            </a:pPr>
+            <a:r>
+              <a:rPr b="1"/>
+              <a:t>Row-Major Format</a:t>
+            </a:r>
+          </a:p>
+          <a:p>
+            <a:pPr lvl="0"/>
+            <a:r>
+              <a:t>Consecutive elements in a row are stored next to each other.</a:t>
+            </a:r>
+          </a:p>
+          <a:p>
+            <a:pPr lvl="0"/>
+            <a:r>
+              <a:t>Example: CSV (Comma-Separated Values in a text file).</a:t>
+            </a:r>
+          </a:p>
+          <a:p>
+            <a:pPr lvl="0"/>
+            <a:r>
+              <a:t>Accessing rows will tend to be faster than accessing columns.</a:t>
+            </a:r>
+          </a:p>
+          <a:p>
+            <a:pPr lvl="0"/>
+            <a:r>
+              <a:t>Faster for writing additional records.</a:t>
+            </a:r>
+          </a:p>
+        </p:txBody>
+      </p:sp>
+      <p:sp>
+        <p:nvSpPr>
+          <p:cNvPr id="4" name="Content Placeholder 3"/>
+          <p:cNvSpPr>
+            <a:spLocks noGrp="1"/>
+          </p:cNvSpPr>
+          <p:nvPr>
+            <p:ph sz="half" idx="2"/>
+          </p:nvPr>
+        </p:nvSpPr>
+        <p:spPr/>
+        <p:txBody>
+          <a:bodyPr>
+            <a:normAutofit fontScale="92500" lnSpcReduction="10000"/>
+          </a:bodyPr>
+          <a:lstStyle/>
+          <a:p>
+            <a:pPr marL="0" lvl="0" indent="0">
+              <a:buNone/>
+            </a:pPr>
+            <a:r>
+              <a:rPr b="1"/>
+              <a:t>Column-Major Format</a:t>
+            </a:r>
+          </a:p>
+          <a:p>
+            <a:pPr lvl="0"/>
+            <a:r>
+              <a:t>Consecutive elements in a column are stored next to each other.</a:t>
+            </a:r>
+          </a:p>
+          <a:p>
+            <a:pPr lvl="0"/>
+            <a:r>
+              <a:t>Example: parquet.</a:t>
+            </a:r>
+          </a:p>
+          <a:p>
+            <a:pPr lvl="0"/>
+            <a:r>
+              <a:t>Accessing columns will be faster than accessing columns.</a:t>
+            </a:r>
+          </a:p>
+          <a:p>
+            <a:pPr lvl="0"/>
+            <a:r>
+              <a:t>Faster for retrieving columns.</a:t>
+            </a:r>
+          </a:p>
+        </p:txBody>
+      </p:sp>
+      <p:sp>
+        <p:nvSpPr>
+          <p:cNvPr id="5" name="Date Placeholder 4">
+            <a:extLst>
+              <a:ext uri="{FF2B5EF4-FFF2-40B4-BE49-F238E27FC236}">
+                <a16:creationId xmlns:a16="http://schemas.microsoft.com/office/drawing/2014/main" id="{D50B7DD6-74BF-D003-6205-A2B0E2B61349}"/>
+              </a:ext>
+            </a:extLst>
+          </p:cNvPr>
+          <p:cNvSpPr>
+            <a:spLocks noGrp="1"/>
+          </p:cNvSpPr>
+          <p:nvPr>
+            <p:ph type="dt" sz="half" idx="10"/>
+          </p:nvPr>
+        </p:nvSpPr>
+        <p:spPr/>
+        <p:txBody>
+          <a:bodyPr/>
+          <a:lstStyle/>
+          <a:p>
+            <a:r>
+              <a:rPr lang="en-CA"/>
+              <a:t>February 2024</a:t>
+            </a:r>
+          </a:p>
+        </p:txBody>
+      </p:sp>
+      <p:sp>
+        <p:nvSpPr>
+          <p:cNvPr id="6" name="Footer Placeholder 5">
+            <a:extLst>
+              <a:ext uri="{FF2B5EF4-FFF2-40B4-BE49-F238E27FC236}">
+                <a16:creationId xmlns:a16="http://schemas.microsoft.com/office/drawing/2014/main" id="{38453FD9-4969-7832-423F-8190D2EE3F0F}"/>
+              </a:ext>
+            </a:extLst>
+          </p:cNvPr>
+          <p:cNvSpPr>
+            <a:spLocks noGrp="1"/>
+          </p:cNvSpPr>
+          <p:nvPr>
+            <p:ph type="ftr" sz="quarter" idx="11"/>
+          </p:nvPr>
+        </p:nvSpPr>
+        <p:spPr/>
+        <p:txBody>
+          <a:bodyPr/>
+          <a:lstStyle/>
+          <a:p>
+            <a:r>
+              <a:rPr lang="en-CA"/>
+              <a:t>Production 2 - Data Engineering</a:t>
+            </a:r>
+          </a:p>
+        </p:txBody>
+      </p:sp>
+      <p:sp>
+        <p:nvSpPr>
+          <p:cNvPr id="7" name="Slide Number Placeholder 6">
+            <a:extLst>
+              <a:ext uri="{FF2B5EF4-FFF2-40B4-BE49-F238E27FC236}">
+                <a16:creationId xmlns:a16="http://schemas.microsoft.com/office/drawing/2014/main" id="{D4E9944B-0410-120C-956A-0C2184A4C8A0}"/>
+              </a:ext>
+            </a:extLst>
+          </p:cNvPr>
+          <p:cNvSpPr>
+            <a:spLocks noGrp="1"/>
+          </p:cNvSpPr>
+          <p:nvPr>
+            <p:ph type="sldNum" sz="quarter" idx="12"/>
+          </p:nvPr>
+        </p:nvSpPr>
+        <p:spPr/>
+        <p:txBody>
+          <a:bodyPr/>
+          <a:lstStyle/>
+          <a:p>
+            <a:fld id="{4F4BDF5D-830C-4829-B676-EE421164B1C8}" type="slidenum">
+              <a:rPr lang="en-CA" smtClean="0"/>
+              <a:t>15</a:t>
+            </a:fld>
+            <a:endParaRPr lang="en-CA"/>
+          </a:p>
+        </p:txBody>
+      </p:sp>
+    </p:spTree>
+  </p:cSld>
+  <p:clrMapOvr>
+    <a:masterClrMapping/>
+  </p:clrMapOvr>
+</p:sld>
+</file>
+
+<file path=ppt/slides/slide16.xml><?xml version="1.0" encoding="utf-8"?>
 <p:sld xmlns:a="http://schemas.openxmlformats.org/drawingml/2006/main" xmlns:r="http://schemas.openxmlformats.org/officeDocument/2006/relationships" xmlns:p="http://schemas.openxmlformats.org/presentationml/2006/main">
   <p:cSld>
     <p:spTree>
@@ -5323,8 +5815,8 @@
         </p:nvSpPr>
         <p:spPr>
           <a:xfrm>
-            <a:off x="673100" y="5257800"/>
-            <a:ext cx="10744200" cy="508000"/>
+            <a:off x="8572500" y="5257800"/>
+            <a:ext cx="2844800" cy="508000"/>
           </a:xfrm>
           <a:prstGeom prst="rect">
             <a:avLst/>
@@ -5339,7 +5831,16 @@
               <a:buNone/>
             </a:pPr>
             <a:r>
-              <a:t>(Huyen, 2022)</a:t>
+              <a:rPr sz="1100" dirty="0"/>
+              <a:t>(</a:t>
+            </a:r>
+            <a:r>
+              <a:rPr sz="1100" dirty="0" err="1"/>
+              <a:t>Huyen</a:t>
+            </a:r>
+            <a:r>
+              <a:rPr sz="1100" dirty="0"/>
+              <a:t>, 2022)</a:t>
             </a:r>
           </a:p>
         </p:txBody>
@@ -5349,7 +5850,7 @@
           <p:cNvPr id="5" name="Date Placeholder 4">
             <a:extLst>
               <a:ext uri="{FF2B5EF4-FFF2-40B4-BE49-F238E27FC236}">
-                <a16:creationId xmlns:a16="http://schemas.microsoft.com/office/drawing/2014/main" id="{3D698B17-0C90-2B16-A8E0-D96575542BFF}"/>
+                <a16:creationId xmlns:a16="http://schemas.microsoft.com/office/drawing/2014/main" id="{4412DACB-65D9-CD24-8319-04D6849B3BBF}"/>
               </a:ext>
             </a:extLst>
           </p:cNvPr>
@@ -5377,7 +5878,7 @@
           <p:cNvPr id="6" name="Footer Placeholder 5">
             <a:extLst>
               <a:ext uri="{FF2B5EF4-FFF2-40B4-BE49-F238E27FC236}">
-                <a16:creationId xmlns:a16="http://schemas.microsoft.com/office/drawing/2014/main" id="{7A301C85-5B61-9E2E-26E1-34E339636394}"/>
+                <a16:creationId xmlns:a16="http://schemas.microsoft.com/office/drawing/2014/main" id="{AE7F621F-26DE-4B57-ABB0-9F084E5870E0}"/>
               </a:ext>
             </a:extLst>
           </p:cNvPr>
@@ -5394,10 +5895,9 @@
           <a:lstStyle/>
           <a:p>
             <a:r>
-              <a:rPr lang="en-US"/>
-              <a:t>Production 2 - Data Engineering Fundamentals</a:t>
-            </a:r>
-            <a:endParaRPr lang="en-CA"/>
+              <a:rPr lang="en-CA"/>
+              <a:t>Production 2 - Data Engineering</a:t>
+            </a:r>
           </a:p>
         </p:txBody>
       </p:sp>
@@ -5406,7 +5906,7 @@
           <p:cNvPr id="7" name="Slide Number Placeholder 6">
             <a:extLst>
               <a:ext uri="{FF2B5EF4-FFF2-40B4-BE49-F238E27FC236}">
-                <a16:creationId xmlns:a16="http://schemas.microsoft.com/office/drawing/2014/main" id="{3218EED6-973E-7B58-8364-36A3BDACD773}"/>
+                <a16:creationId xmlns:a16="http://schemas.microsoft.com/office/drawing/2014/main" id="{F69BCE4B-376E-1722-4089-40813AD54A3A}"/>
               </a:ext>
             </a:extLst>
           </p:cNvPr>
@@ -5424,7 +5924,7 @@
           <a:p>
             <a:fld id="{4F4BDF5D-830C-4829-B676-EE421164B1C8}" type="slidenum">
               <a:rPr lang="en-CA" smtClean="0"/>
-              <a:t>14</a:t>
+              <a:t>16</a:t>
             </a:fld>
             <a:endParaRPr lang="en-CA"/>
           </a:p>
@@ -5438,7 +5938,7 @@
 </p:sld>
 </file>
 
-<file path=ppt/slides/slide15.xml><?xml version="1.0" encoding="utf-8"?>
+<file path=ppt/slides/slide17.xml><?xml version="1.0" encoding="utf-8"?>
 <p:sld xmlns:a="http://schemas.openxmlformats.org/drawingml/2006/main" xmlns:r="http://schemas.openxmlformats.org/officeDocument/2006/relationships" xmlns:p="http://schemas.openxmlformats.org/presentationml/2006/main">
   <p:cSld>
     <p:spTree>
@@ -5553,7 +6053,7 @@
           <p:cNvPr id="5" name="Date Placeholder 4">
             <a:extLst>
               <a:ext uri="{FF2B5EF4-FFF2-40B4-BE49-F238E27FC236}">
-                <a16:creationId xmlns:a16="http://schemas.microsoft.com/office/drawing/2014/main" id="{DEB38626-F400-918F-52D8-5FEAE813779A}"/>
+                <a16:creationId xmlns:a16="http://schemas.microsoft.com/office/drawing/2014/main" id="{5813819D-2B85-2535-528E-A238B98DC6A1}"/>
               </a:ext>
             </a:extLst>
           </p:cNvPr>
@@ -5581,7 +6081,7 @@
           <p:cNvPr id="6" name="Footer Placeholder 5">
             <a:extLst>
               <a:ext uri="{FF2B5EF4-FFF2-40B4-BE49-F238E27FC236}">
-                <a16:creationId xmlns:a16="http://schemas.microsoft.com/office/drawing/2014/main" id="{46466A91-31F7-D3CE-C30B-92A997086DAB}"/>
+                <a16:creationId xmlns:a16="http://schemas.microsoft.com/office/drawing/2014/main" id="{E9213D08-EC59-F32B-8140-431D19E4D4F8}"/>
               </a:ext>
             </a:extLst>
           </p:cNvPr>
@@ -5598,10 +6098,9 @@
           <a:lstStyle/>
           <a:p>
             <a:r>
-              <a:rPr lang="en-US"/>
-              <a:t>Production 2 - Data Engineering Fundamentals</a:t>
-            </a:r>
-            <a:endParaRPr lang="en-CA"/>
+              <a:rPr lang="en-CA"/>
+              <a:t>Production 2 - Data Engineering</a:t>
+            </a:r>
           </a:p>
         </p:txBody>
       </p:sp>
@@ -5610,7 +6109,7 @@
           <p:cNvPr id="7" name="Slide Number Placeholder 6">
             <a:extLst>
               <a:ext uri="{FF2B5EF4-FFF2-40B4-BE49-F238E27FC236}">
-                <a16:creationId xmlns:a16="http://schemas.microsoft.com/office/drawing/2014/main" id="{4D61E17F-3EA6-10DA-A94A-495DC2E01B45}"/>
+                <a16:creationId xmlns:a16="http://schemas.microsoft.com/office/drawing/2014/main" id="{DB1EE975-7773-FAF7-33CE-8B14FC75E2C3}"/>
               </a:ext>
             </a:extLst>
           </p:cNvPr>
@@ -5628,7 +6127,7 @@
           <a:p>
             <a:fld id="{4F4BDF5D-830C-4829-B676-EE421164B1C8}" type="slidenum">
               <a:rPr lang="en-CA" smtClean="0"/>
-              <a:t>15</a:t>
+              <a:t>17</a:t>
             </a:fld>
             <a:endParaRPr lang="en-CA"/>
           </a:p>
@@ -5642,7 +6141,7 @@
 </p:sld>
 </file>
 
-<file path=ppt/slides/slide16.xml><?xml version="1.0" encoding="utf-8"?>
+<file path=ppt/slides/slide18.xml><?xml version="1.0" encoding="utf-8"?>
 <p:sld xmlns:a="http://schemas.openxmlformats.org/drawingml/2006/main" xmlns:r="http://schemas.openxmlformats.org/officeDocument/2006/relationships" xmlns:p="http://schemas.openxmlformats.org/presentationml/2006/main">
   <p:cSld>
     <p:spTree>
@@ -5693,7 +6192,7 @@
           <p:cNvPr id="3" name="Date Placeholder 2">
             <a:extLst>
               <a:ext uri="{FF2B5EF4-FFF2-40B4-BE49-F238E27FC236}">
-                <a16:creationId xmlns:a16="http://schemas.microsoft.com/office/drawing/2014/main" id="{C15C1CB6-66D7-77FC-6FF5-272C9FA0B473}"/>
+                <a16:creationId xmlns:a16="http://schemas.microsoft.com/office/drawing/2014/main" id="{79848ED8-FFDD-90A6-CC54-51174D63CF06}"/>
               </a:ext>
             </a:extLst>
           </p:cNvPr>
@@ -5721,7 +6220,7 @@
           <p:cNvPr id="4" name="Footer Placeholder 3">
             <a:extLst>
               <a:ext uri="{FF2B5EF4-FFF2-40B4-BE49-F238E27FC236}">
-                <a16:creationId xmlns:a16="http://schemas.microsoft.com/office/drawing/2014/main" id="{5E841193-F786-A9A4-7F67-9406F616DB16}"/>
+                <a16:creationId xmlns:a16="http://schemas.microsoft.com/office/drawing/2014/main" id="{6D001E0D-E466-EB08-F64A-6F295F1C117F}"/>
               </a:ext>
             </a:extLst>
           </p:cNvPr>
@@ -5738,10 +6237,9 @@
           <a:lstStyle/>
           <a:p>
             <a:r>
-              <a:rPr lang="en-US"/>
-              <a:t>Production 2 - Data Engineering Fundamentals</a:t>
-            </a:r>
-            <a:endParaRPr lang="en-CA"/>
+              <a:rPr lang="en-CA"/>
+              <a:t>Production 2 - Data Engineering</a:t>
+            </a:r>
           </a:p>
         </p:txBody>
       </p:sp>
@@ -5750,7 +6248,7 @@
           <p:cNvPr id="5" name="Slide Number Placeholder 4">
             <a:extLst>
               <a:ext uri="{FF2B5EF4-FFF2-40B4-BE49-F238E27FC236}">
-                <a16:creationId xmlns:a16="http://schemas.microsoft.com/office/drawing/2014/main" id="{AA434459-E167-469C-DD67-95108FE46C97}"/>
+                <a16:creationId xmlns:a16="http://schemas.microsoft.com/office/drawing/2014/main" id="{D1423FD5-2F18-2190-3FBC-EF74CE778D18}"/>
               </a:ext>
             </a:extLst>
           </p:cNvPr>
@@ -5768,7 +6266,7 @@
           <a:p>
             <a:fld id="{4F4BDF5D-830C-4829-B676-EE421164B1C8}" type="slidenum">
               <a:rPr lang="en-CA" smtClean="0"/>
-              <a:t>16</a:t>
+              <a:t>18</a:t>
             </a:fld>
             <a:endParaRPr lang="en-CA"/>
           </a:p>
@@ -5782,7 +6280,7 @@
 </p:sld>
 </file>
 
-<file path=ppt/slides/slide17.xml><?xml version="1.0" encoding="utf-8"?>
+<file path=ppt/slides/slide19.xml><?xml version="1.0" encoding="utf-8"?>
 <p:sld xmlns:a="http://schemas.openxmlformats.org/drawingml/2006/main" xmlns:r="http://schemas.openxmlformats.org/officeDocument/2006/relationships" xmlns:p="http://schemas.openxmlformats.org/presentationml/2006/main">
   <p:cSld>
     <p:spTree>
@@ -5872,36 +6370,42 @@
           <a:p>
             <a:pPr lvl="0"/>
             <a:r>
+              <a:rPr dirty="0"/>
               <a:t>Invented by Edgar F. Codd in 1970 in “A Relational Model of Data for Large Shared Data Banks”</a:t>
             </a:r>
           </a:p>
           <a:p>
             <a:pPr lvl="0"/>
             <a:r>
+              <a:rPr dirty="0"/>
               <a:t>Data is organized into relations.</a:t>
             </a:r>
           </a:p>
           <a:p>
             <a:pPr lvl="0"/>
             <a:r>
+              <a:rPr dirty="0"/>
               <a:t>Each relation is a set of tuples.</a:t>
             </a:r>
           </a:p>
           <a:p>
             <a:pPr lvl="0"/>
             <a:r>
+              <a:rPr dirty="0"/>
               <a:t>A table is a visual representation of a relation: each relation is a set of tuples.</a:t>
             </a:r>
           </a:p>
           <a:p>
             <a:pPr lvl="0"/>
             <a:r>
+              <a:rPr dirty="0"/>
               <a:t>Relations are unordered: we can shuffle rows or columns while retaining the relation.</a:t>
             </a:r>
           </a:p>
           <a:p>
             <a:pPr lvl="0"/>
             <a:r>
+              <a:rPr dirty="0"/>
               <a:t>Data following the relational model are usually stored using CSV, parquet, and (some types of) databases.</a:t>
             </a:r>
           </a:p>
@@ -5912,7 +6416,7 @@
           <p:cNvPr id="5" name="Date Placeholder 4">
             <a:extLst>
               <a:ext uri="{FF2B5EF4-FFF2-40B4-BE49-F238E27FC236}">
-                <a16:creationId xmlns:a16="http://schemas.microsoft.com/office/drawing/2014/main" id="{CC554C5B-A63B-9341-E1C2-7966379F3C72}"/>
+                <a16:creationId xmlns:a16="http://schemas.microsoft.com/office/drawing/2014/main" id="{6B2C8A7E-C27B-446D-874C-C167D90B3B94}"/>
               </a:ext>
             </a:extLst>
           </p:cNvPr>
@@ -5940,7 +6444,7 @@
           <p:cNvPr id="6" name="Footer Placeholder 5">
             <a:extLst>
               <a:ext uri="{FF2B5EF4-FFF2-40B4-BE49-F238E27FC236}">
-                <a16:creationId xmlns:a16="http://schemas.microsoft.com/office/drawing/2014/main" id="{B9B6AD7F-28C2-768E-D233-A0C838B5E724}"/>
+                <a16:creationId xmlns:a16="http://schemas.microsoft.com/office/drawing/2014/main" id="{159EDDBB-0DF3-CC6F-4C88-7B7B647FA7DB}"/>
               </a:ext>
             </a:extLst>
           </p:cNvPr>
@@ -5957,10 +6461,9 @@
           <a:lstStyle/>
           <a:p>
             <a:r>
-              <a:rPr lang="en-US"/>
-              <a:t>Production 2 - Data Engineering Fundamentals</a:t>
-            </a:r>
-            <a:endParaRPr lang="en-CA"/>
+              <a:rPr lang="en-CA"/>
+              <a:t>Production 2 - Data Engineering</a:t>
+            </a:r>
           </a:p>
         </p:txBody>
       </p:sp>
@@ -5969,476 +6472,7 @@
           <p:cNvPr id="7" name="Slide Number Placeholder 6">
             <a:extLst>
               <a:ext uri="{FF2B5EF4-FFF2-40B4-BE49-F238E27FC236}">
-                <a16:creationId xmlns:a16="http://schemas.microsoft.com/office/drawing/2014/main" id="{9CF9DEC1-6175-12B7-E213-101ACC7A74F1}"/>
-              </a:ext>
-            </a:extLst>
-          </p:cNvPr>
-          <p:cNvSpPr>
-            <a:spLocks noGrp="1"/>
-          </p:cNvSpPr>
-          <p:nvPr>
-            <p:ph type="sldNum" sz="quarter" idx="12"/>
-          </p:nvPr>
-        </p:nvSpPr>
-        <p:spPr/>
-        <p:txBody>
-          <a:bodyPr/>
-          <a:lstStyle/>
-          <a:p>
-            <a:fld id="{4F4BDF5D-830C-4829-B676-EE421164B1C8}" type="slidenum">
-              <a:rPr lang="en-CA" smtClean="0"/>
-              <a:t>17</a:t>
-            </a:fld>
-            <a:endParaRPr lang="en-CA"/>
-          </a:p>
-        </p:txBody>
-      </p:sp>
-    </p:spTree>
-  </p:cSld>
-  <p:clrMapOvr>
-    <a:masterClrMapping/>
-  </p:clrMapOvr>
-</p:sld>
-</file>
-
-<file path=ppt/slides/slide18.xml><?xml version="1.0" encoding="utf-8"?>
-<p:sld xmlns:a="http://schemas.openxmlformats.org/drawingml/2006/main" xmlns:r="http://schemas.openxmlformats.org/officeDocument/2006/relationships" xmlns:p="http://schemas.openxmlformats.org/presentationml/2006/main">
-  <p:cSld>
-    <p:spTree>
-      <p:nvGrpSpPr>
-        <p:cNvPr id="1" name=""/>
-        <p:cNvGrpSpPr/>
-        <p:nvPr/>
-      </p:nvGrpSpPr>
-      <p:grpSpPr>
-        <a:xfrm>
-          <a:off x="0" y="0"/>
-          <a:ext cx="0" cy="0"/>
-          <a:chOff x="0" y="0"/>
-          <a:chExt cx="0" cy="0"/>
-        </a:xfrm>
-      </p:grpSpPr>
-      <p:sp>
-        <p:nvSpPr>
-          <p:cNvPr id="2" name="Title 1"/>
-          <p:cNvSpPr>
-            <a:spLocks noGrp="1"/>
-          </p:cNvSpPr>
-          <p:nvPr>
-            <p:ph type="title"/>
-          </p:nvPr>
-        </p:nvSpPr>
-        <p:spPr/>
-        <p:txBody>
-          <a:bodyPr/>
-          <a:lstStyle/>
-          <a:p>
-            <a:pPr marL="0" lvl="0" indent="0">
-              <a:buNone/>
-            </a:pPr>
-            <a:r>
-              <a:t>Normalization</a:t>
-            </a:r>
-          </a:p>
-        </p:txBody>
-      </p:sp>
-      <p:pic>
-        <p:nvPicPr>
-          <p:cNvPr id="3" name="Picture 1" descr="./img/normalisation.png"/>
-          <p:cNvPicPr>
-            <a:picLocks noGrp="1" noChangeAspect="1"/>
-          </p:cNvPicPr>
-          <p:nvPr/>
-        </p:nvPicPr>
-        <p:blipFill>
-          <a:blip r:embed="rId2"/>
-          <a:stretch>
-            <a:fillRect/>
-          </a:stretch>
-        </p:blipFill>
-        <p:spPr bwMode="auto">
-          <a:xfrm>
-            <a:off x="673100" y="2806700"/>
-            <a:ext cx="4660900" cy="1612900"/>
-          </a:xfrm>
-          <a:prstGeom prst="rect">
-            <a:avLst/>
-          </a:prstGeom>
-          <a:noFill/>
-          <a:ln w="9525">
-            <a:noFill/>
-            <a:headEnd/>
-            <a:tailEnd/>
-          </a:ln>
-        </p:spPr>
-      </p:pic>
-      <p:sp>
-        <p:nvSpPr>
-          <p:cNvPr id="5" name="TextBox 3"/>
-          <p:cNvSpPr txBox="1"/>
-          <p:nvPr/>
-        </p:nvSpPr>
-        <p:spPr>
-          <a:xfrm>
-            <a:off x="673100" y="5245100"/>
-            <a:ext cx="4660900" cy="508000"/>
-          </a:xfrm>
-          <a:prstGeom prst="rect">
-            <a:avLst/>
-          </a:prstGeom>
-          <a:noFill/>
-        </p:spPr>
-        <p:txBody>
-          <a:bodyPr/>
-          <a:lstStyle/>
-          <a:p>
-            <a:pPr marL="0" lvl="0" indent="0" algn="ctr">
-              <a:buNone/>
-            </a:pPr>
-            <a:r>
-              <a:t>(Adapted from Huyen, 2022)</a:t>
-            </a:r>
-          </a:p>
-        </p:txBody>
-      </p:sp>
-      <p:sp>
-        <p:nvSpPr>
-          <p:cNvPr id="4" name="Content Placeholder 3"/>
-          <p:cNvSpPr>
-            <a:spLocks noGrp="1"/>
-          </p:cNvSpPr>
-          <p:nvPr>
-            <p:ph sz="half" idx="2"/>
-          </p:nvPr>
-        </p:nvSpPr>
-        <p:spPr/>
-        <p:txBody>
-          <a:bodyPr>
-            <a:normAutofit fontScale="70000" lnSpcReduction="20000"/>
-          </a:bodyPr>
-          <a:lstStyle/>
-          <a:p>
-            <a:pPr lvl="0"/>
-            <a:r>
-              <a:t>Normalization is determining how much redundancy exists in a table and reducing it, as required.</a:t>
-            </a:r>
-          </a:p>
-          <a:p>
-            <a:pPr lvl="0"/>
-            <a:r>
-              <a:t>The goals of normalization are to:</a:t>
-            </a:r>
-          </a:p>
-          <a:p>
-            <a:pPr lvl="1"/>
-            <a:r>
-              <a:t>Be able to characterize the level of redundancy in a relational schema.</a:t>
-            </a:r>
-          </a:p>
-          <a:p>
-            <a:pPr lvl="1"/>
-            <a:r>
-              <a:t>Provide mechanisms for transforming schemas to remove redundancy</a:t>
-            </a:r>
-          </a:p>
-          <a:p>
-            <a:pPr lvl="0"/>
-            <a:r>
-              <a:t>Generally, we want to minimize the redundancy of primary and foreign keys.</a:t>
-            </a:r>
-          </a:p>
-          <a:p>
-            <a:pPr lvl="0"/>
-            <a:r>
-              <a:t>One disadvantage of normalizing data is that it becomes spread out in different tables.</a:t>
-            </a:r>
-          </a:p>
-        </p:txBody>
-      </p:sp>
-      <p:sp>
-        <p:nvSpPr>
-          <p:cNvPr id="6" name="Date Placeholder 5">
-            <a:extLst>
-              <a:ext uri="{FF2B5EF4-FFF2-40B4-BE49-F238E27FC236}">
-                <a16:creationId xmlns:a16="http://schemas.microsoft.com/office/drawing/2014/main" id="{C347E783-C28B-3703-B975-598E44FAD8FC}"/>
-              </a:ext>
-            </a:extLst>
-          </p:cNvPr>
-          <p:cNvSpPr>
-            <a:spLocks noGrp="1"/>
-          </p:cNvSpPr>
-          <p:nvPr>
-            <p:ph type="dt" sz="half" idx="10"/>
-          </p:nvPr>
-        </p:nvSpPr>
-        <p:spPr/>
-        <p:txBody>
-          <a:bodyPr/>
-          <a:lstStyle/>
-          <a:p>
-            <a:r>
-              <a:rPr lang="en-CA"/>
-              <a:t>February 2024</a:t>
-            </a:r>
-          </a:p>
-        </p:txBody>
-      </p:sp>
-      <p:sp>
-        <p:nvSpPr>
-          <p:cNvPr id="7" name="Footer Placeholder 6">
-            <a:extLst>
-              <a:ext uri="{FF2B5EF4-FFF2-40B4-BE49-F238E27FC236}">
-                <a16:creationId xmlns:a16="http://schemas.microsoft.com/office/drawing/2014/main" id="{79C089EA-ED60-6417-00E2-B95826E5F51E}"/>
-              </a:ext>
-            </a:extLst>
-          </p:cNvPr>
-          <p:cNvSpPr>
-            <a:spLocks noGrp="1"/>
-          </p:cNvSpPr>
-          <p:nvPr>
-            <p:ph type="ftr" sz="quarter" idx="11"/>
-          </p:nvPr>
-        </p:nvSpPr>
-        <p:spPr/>
-        <p:txBody>
-          <a:bodyPr/>
-          <a:lstStyle/>
-          <a:p>
-            <a:r>
-              <a:rPr lang="en-US"/>
-              <a:t>Production 2 - Data Engineering Fundamentals</a:t>
-            </a:r>
-            <a:endParaRPr lang="en-CA"/>
-          </a:p>
-        </p:txBody>
-      </p:sp>
-      <p:sp>
-        <p:nvSpPr>
-          <p:cNvPr id="8" name="Slide Number Placeholder 7">
-            <a:extLst>
-              <a:ext uri="{FF2B5EF4-FFF2-40B4-BE49-F238E27FC236}">
-                <a16:creationId xmlns:a16="http://schemas.microsoft.com/office/drawing/2014/main" id="{2A7780F1-F973-F2FF-A008-49314332F126}"/>
-              </a:ext>
-            </a:extLst>
-          </p:cNvPr>
-          <p:cNvSpPr>
-            <a:spLocks noGrp="1"/>
-          </p:cNvSpPr>
-          <p:nvPr>
-            <p:ph type="sldNum" sz="quarter" idx="12"/>
-          </p:nvPr>
-        </p:nvSpPr>
-        <p:spPr/>
-        <p:txBody>
-          <a:bodyPr/>
-          <a:lstStyle/>
-          <a:p>
-            <a:fld id="{4F4BDF5D-830C-4829-B676-EE421164B1C8}" type="slidenum">
-              <a:rPr lang="en-CA" smtClean="0"/>
-              <a:t>18</a:t>
-            </a:fld>
-            <a:endParaRPr lang="en-CA"/>
-          </a:p>
-        </p:txBody>
-      </p:sp>
-    </p:spTree>
-  </p:cSld>
-  <p:clrMapOvr>
-    <a:masterClrMapping/>
-  </p:clrMapOvr>
-</p:sld>
-</file>
-
-<file path=ppt/slides/slide19.xml><?xml version="1.0" encoding="utf-8"?>
-<p:sld xmlns:a="http://schemas.openxmlformats.org/drawingml/2006/main" xmlns:r="http://schemas.openxmlformats.org/officeDocument/2006/relationships" xmlns:p="http://schemas.openxmlformats.org/presentationml/2006/main">
-  <p:cSld>
-    <p:spTree>
-      <p:nvGrpSpPr>
-        <p:cNvPr id="1" name=""/>
-        <p:cNvGrpSpPr/>
-        <p:nvPr/>
-      </p:nvGrpSpPr>
-      <p:grpSpPr>
-        <a:xfrm>
-          <a:off x="0" y="0"/>
-          <a:ext cx="0" cy="0"/>
-          <a:chOff x="0" y="0"/>
-          <a:chExt cx="0" cy="0"/>
-        </a:xfrm>
-      </p:grpSpPr>
-      <p:sp>
-        <p:nvSpPr>
-          <p:cNvPr id="2" name="Title 1"/>
-          <p:cNvSpPr>
-            <a:spLocks noGrp="1"/>
-          </p:cNvSpPr>
-          <p:nvPr>
-            <p:ph type="title"/>
-          </p:nvPr>
-        </p:nvSpPr>
-        <p:spPr/>
-        <p:txBody>
-          <a:bodyPr/>
-          <a:lstStyle/>
-          <a:p>
-            <a:pPr marL="0" lvl="0" indent="0">
-              <a:buNone/>
-            </a:pPr>
-            <a:r>
-              <a:t>Query Language</a:t>
-            </a:r>
-          </a:p>
-        </p:txBody>
-      </p:sp>
-      <p:sp>
-        <p:nvSpPr>
-          <p:cNvPr id="3" name="Content Placeholder 2"/>
-          <p:cNvSpPr>
-            <a:spLocks noGrp="1"/>
-          </p:cNvSpPr>
-          <p:nvPr>
-            <p:ph sz="half" idx="1"/>
-          </p:nvPr>
-        </p:nvSpPr>
-        <p:spPr/>
-        <p:txBody>
-          <a:bodyPr>
-            <a:normAutofit lnSpcReduction="10000"/>
-          </a:bodyPr>
-          <a:lstStyle/>
-          <a:p>
-            <a:pPr lvl="0"/>
-            <a:r>
-              <a:t>A query language can be used to specify the data that you want from a database.</a:t>
-            </a:r>
-          </a:p>
-          <a:p>
-            <a:pPr lvl="0"/>
-            <a:r>
-              <a:t>SQL is the most popular query language.</a:t>
-            </a:r>
-          </a:p>
-          <a:p>
-            <a:pPr lvl="0"/>
-            <a:r>
-              <a:t>SQL is a declarative language.</a:t>
-            </a:r>
-          </a:p>
-          <a:p>
-            <a:pPr lvl="0"/>
-            <a:r>
-              <a:t>Optimizing queries is the hardest part.</a:t>
-            </a:r>
-          </a:p>
-        </p:txBody>
-      </p:sp>
-      <p:sp>
-        <p:nvSpPr>
-          <p:cNvPr id="4" name="Content Placeholder 3"/>
-          <p:cNvSpPr>
-            <a:spLocks noGrp="1"/>
-          </p:cNvSpPr>
-          <p:nvPr>
-            <p:ph sz="half" idx="2"/>
-          </p:nvPr>
-        </p:nvSpPr>
-        <p:spPr/>
-        <p:txBody>
-          <a:bodyPr>
-            <a:normAutofit lnSpcReduction="10000"/>
-          </a:bodyPr>
-          <a:lstStyle/>
-          <a:p>
-            <a:pPr lvl="0"/>
-            <a:r>
-              <a:t>An </a:t>
-            </a:r>
-            <a:r>
-              <a:rPr i="1"/>
-              <a:t>imperative language</a:t>
-            </a:r>
-            <a:r>
-              <a:t> requires the programmer to determine the steps that the program should follow. For example, Python.</a:t>
-            </a:r>
-          </a:p>
-          <a:p>
-            <a:pPr lvl="0"/>
-            <a:r>
-              <a:t>A </a:t>
-            </a:r>
-            <a:r>
-              <a:rPr i="1"/>
-              <a:t>declarative language</a:t>
-            </a:r>
-            <a:r>
-              <a:t> requires the programmer to specify the output and the computer figures out the steps needed to get the queried outputs.</a:t>
-            </a:r>
-          </a:p>
-        </p:txBody>
-      </p:sp>
-      <p:sp>
-        <p:nvSpPr>
-          <p:cNvPr id="5" name="Date Placeholder 4">
-            <a:extLst>
-              <a:ext uri="{FF2B5EF4-FFF2-40B4-BE49-F238E27FC236}">
-                <a16:creationId xmlns:a16="http://schemas.microsoft.com/office/drawing/2014/main" id="{D0D68E84-5250-956F-D7A4-6C2BD54453E8}"/>
-              </a:ext>
-            </a:extLst>
-          </p:cNvPr>
-          <p:cNvSpPr>
-            <a:spLocks noGrp="1"/>
-          </p:cNvSpPr>
-          <p:nvPr>
-            <p:ph type="dt" sz="half" idx="10"/>
-          </p:nvPr>
-        </p:nvSpPr>
-        <p:spPr/>
-        <p:txBody>
-          <a:bodyPr/>
-          <a:lstStyle/>
-          <a:p>
-            <a:r>
-              <a:rPr lang="en-CA"/>
-              <a:t>February 2024</a:t>
-            </a:r>
-          </a:p>
-        </p:txBody>
-      </p:sp>
-      <p:sp>
-        <p:nvSpPr>
-          <p:cNvPr id="6" name="Footer Placeholder 5">
-            <a:extLst>
-              <a:ext uri="{FF2B5EF4-FFF2-40B4-BE49-F238E27FC236}">
-                <a16:creationId xmlns:a16="http://schemas.microsoft.com/office/drawing/2014/main" id="{9E734F28-1666-F444-07FD-BE2818D82A85}"/>
-              </a:ext>
-            </a:extLst>
-          </p:cNvPr>
-          <p:cNvSpPr>
-            <a:spLocks noGrp="1"/>
-          </p:cNvSpPr>
-          <p:nvPr>
-            <p:ph type="ftr" sz="quarter" idx="11"/>
-          </p:nvPr>
-        </p:nvSpPr>
-        <p:spPr/>
-        <p:txBody>
-          <a:bodyPr/>
-          <a:lstStyle/>
-          <a:p>
-            <a:r>
-              <a:rPr lang="en-US"/>
-              <a:t>Production 2 - Data Engineering Fundamentals</a:t>
-            </a:r>
-            <a:endParaRPr lang="en-CA"/>
-          </a:p>
-        </p:txBody>
-      </p:sp>
-      <p:sp>
-        <p:nvSpPr>
-          <p:cNvPr id="7" name="Slide Number Placeholder 6">
-            <a:extLst>
-              <a:ext uri="{FF2B5EF4-FFF2-40B4-BE49-F238E27FC236}">
-                <a16:creationId xmlns:a16="http://schemas.microsoft.com/office/drawing/2014/main" id="{DA7ABF8B-8B3C-37C4-C0F3-E0800A1105CE}"/>
+                <a16:creationId xmlns:a16="http://schemas.microsoft.com/office/drawing/2014/main" id="{90181DEE-E959-8E04-B8AD-CB16B8840E00}"/>
               </a:ext>
             </a:extLst>
           </p:cNvPr>
@@ -6521,7 +6555,7 @@
           <p:cNvPr id="3" name="Date Placeholder 2">
             <a:extLst>
               <a:ext uri="{FF2B5EF4-FFF2-40B4-BE49-F238E27FC236}">
-                <a16:creationId xmlns:a16="http://schemas.microsoft.com/office/drawing/2014/main" id="{0B3C3175-8906-7654-C141-903E9AD8BFCA}"/>
+                <a16:creationId xmlns:a16="http://schemas.microsoft.com/office/drawing/2014/main" id="{67183BB5-B195-6018-C8FA-92EDA3980536}"/>
               </a:ext>
             </a:extLst>
           </p:cNvPr>
@@ -6549,7 +6583,7 @@
           <p:cNvPr id="4" name="Footer Placeholder 3">
             <a:extLst>
               <a:ext uri="{FF2B5EF4-FFF2-40B4-BE49-F238E27FC236}">
-                <a16:creationId xmlns:a16="http://schemas.microsoft.com/office/drawing/2014/main" id="{0B66E7B1-2A12-E4DC-272B-098561A58072}"/>
+                <a16:creationId xmlns:a16="http://schemas.microsoft.com/office/drawing/2014/main" id="{F5E8EC87-DBDA-E55D-3981-1C3C673AEDFD}"/>
               </a:ext>
             </a:extLst>
           </p:cNvPr>
@@ -6566,10 +6600,9 @@
           <a:lstStyle/>
           <a:p>
             <a:r>
-              <a:rPr lang="en-US"/>
-              <a:t>Production 2 - Data Engineering Fundamentals</a:t>
-            </a:r>
-            <a:endParaRPr lang="en-CA"/>
+              <a:rPr lang="en-CA"/>
+              <a:t>Production 2 - Data Engineering</a:t>
+            </a:r>
           </a:p>
         </p:txBody>
       </p:sp>
@@ -6578,7 +6611,7 @@
           <p:cNvPr id="5" name="Slide Number Placeholder 4">
             <a:extLst>
               <a:ext uri="{FF2B5EF4-FFF2-40B4-BE49-F238E27FC236}">
-                <a16:creationId xmlns:a16="http://schemas.microsoft.com/office/drawing/2014/main" id="{49614393-4ED0-E482-F138-1CA9D6AC0F74}"/>
+                <a16:creationId xmlns:a16="http://schemas.microsoft.com/office/drawing/2014/main" id="{436F2919-C719-2DCB-AAFD-B9B04706780E}"/>
               </a:ext>
             </a:extLst>
           </p:cNvPr>
@@ -6646,95 +6679,150 @@
               <a:buNone/>
             </a:pPr>
             <a:r>
-              <a:t>No SQL</a:t>
-            </a:r>
-          </a:p>
-        </p:txBody>
-      </p:sp>
-      <p:sp>
-        <p:nvSpPr>
-          <p:cNvPr id="3" name="Content Placeholder 2"/>
-          <p:cNvSpPr>
-            <a:spLocks noGrp="1"/>
-          </p:cNvSpPr>
-          <p:nvPr>
-            <p:ph sz="half" idx="1"/>
-          </p:nvPr>
-        </p:nvSpPr>
-        <p:spPr/>
+              <a:t>Normalization</a:t>
+            </a:r>
+          </a:p>
+        </p:txBody>
+      </p:sp>
+      <p:pic>
+        <p:nvPicPr>
+          <p:cNvPr id="3" name="Picture 1" descr="./img/normalisation.png"/>
+          <p:cNvPicPr>
+            <a:picLocks noGrp="1" noChangeAspect="1"/>
+          </p:cNvPicPr>
+          <p:nvPr/>
+        </p:nvPicPr>
+        <p:blipFill>
+          <a:blip r:embed="rId2"/>
+          <a:stretch>
+            <a:fillRect/>
+          </a:stretch>
+        </p:blipFill>
+        <p:spPr bwMode="auto">
+          <a:xfrm>
+            <a:off x="350871" y="1730829"/>
+            <a:ext cx="8207692" cy="2840264"/>
+          </a:xfrm>
+          <a:prstGeom prst="rect">
+            <a:avLst/>
+          </a:prstGeom>
+          <a:noFill/>
+          <a:ln w="9525">
+            <a:noFill/>
+            <a:headEnd/>
+            <a:tailEnd/>
+          </a:ln>
+        </p:spPr>
+      </p:pic>
+      <p:sp>
+        <p:nvSpPr>
+          <p:cNvPr id="5" name="TextBox 3"/>
+          <p:cNvSpPr txBox="1"/>
+          <p:nvPr/>
+        </p:nvSpPr>
+        <p:spPr>
+          <a:xfrm>
+            <a:off x="5065487" y="4902728"/>
+            <a:ext cx="4660900" cy="508000"/>
+          </a:xfrm>
+          <a:prstGeom prst="rect">
+            <a:avLst/>
+          </a:prstGeom>
+          <a:noFill/>
+        </p:spPr>
+        <p:txBody>
+          <a:bodyPr/>
+          <a:lstStyle/>
+          <a:p>
+            <a:pPr marL="0" lvl="0" indent="0" algn="ctr">
+              <a:buNone/>
+            </a:pPr>
+            <a:r>
+              <a:rPr sz="1100" dirty="0"/>
+              <a:t>(Adapted from </a:t>
+            </a:r>
+            <a:r>
+              <a:rPr sz="1100" dirty="0" err="1"/>
+              <a:t>Huyen</a:t>
+            </a:r>
+            <a:r>
+              <a:rPr sz="1100" dirty="0"/>
+              <a:t>, 2022)</a:t>
+            </a:r>
+          </a:p>
+        </p:txBody>
+      </p:sp>
+      <p:sp>
+        <p:nvSpPr>
+          <p:cNvPr id="4" name="Content Placeholder 3"/>
+          <p:cNvSpPr>
+            <a:spLocks noGrp="1"/>
+          </p:cNvSpPr>
+          <p:nvPr>
+            <p:ph sz="half" idx="2"/>
+          </p:nvPr>
+        </p:nvSpPr>
+        <p:spPr>
+          <a:xfrm>
+            <a:off x="8636988" y="755819"/>
+            <a:ext cx="3179956" cy="5346362"/>
+          </a:xfrm>
+        </p:spPr>
         <p:txBody>
           <a:bodyPr>
-            <a:normAutofit fontScale="92500"/>
+            <a:normAutofit fontScale="70000" lnSpcReduction="20000"/>
           </a:bodyPr>
           <a:lstStyle/>
           <a:p>
             <a:pPr lvl="0"/>
             <a:r>
-              <a:t>Relational model has been applied to many use cases but can be restrictive: data needs to adhere to a schema.</a:t>
-            </a:r>
-          </a:p>
-          <a:p>
-            <a:pPr lvl="0"/>
-            <a:r>
-              <a:t>Not Only SQL.</a:t>
-            </a:r>
-          </a:p>
-          <a:p>
-            <a:pPr lvl="0"/>
-            <a:r>
-              <a:t>No SQL models can be of two types:</a:t>
+              <a:rPr dirty="0"/>
+              <a:t>Normalization is determining how much redundancy exists in a table and reducing it, as required.</a:t>
+            </a:r>
+          </a:p>
+          <a:p>
+            <a:pPr lvl="0"/>
+            <a:r>
+              <a:rPr dirty="0"/>
+              <a:t>The goals of normalization are to:</a:t>
             </a:r>
           </a:p>
           <a:p>
             <a:pPr lvl="1"/>
             <a:r>
-              <a:t>Document model.</a:t>
+              <a:rPr dirty="0"/>
+              <a:t>Be able to characterize the level of redundancy in a relational schema.</a:t>
             </a:r>
           </a:p>
           <a:p>
             <a:pPr lvl="1"/>
             <a:r>
-              <a:t>Graph model.</a:t>
-            </a:r>
-          </a:p>
-        </p:txBody>
-      </p:sp>
-      <p:sp>
-        <p:nvSpPr>
-          <p:cNvPr id="4" name="Content Placeholder 3"/>
-          <p:cNvSpPr>
-            <a:spLocks noGrp="1"/>
-          </p:cNvSpPr>
-          <p:nvPr>
-            <p:ph sz="half" idx="2"/>
-          </p:nvPr>
-        </p:nvSpPr>
-        <p:spPr/>
-        <p:txBody>
-          <a:bodyPr>
-            <a:normAutofit fontScale="92500"/>
-          </a:bodyPr>
-          <a:lstStyle/>
-          <a:p>
-            <a:pPr lvl="0"/>
-            <a:r>
-              <a:t>The document model targets use cases in which data is assumed to come in self-contained units called documents. There is little relationship between the documents.</a:t>
-            </a:r>
-          </a:p>
-          <a:p>
-            <a:pPr lvl="0"/>
-            <a:r>
-              <a:t>The graph model targets use cases in common and important relationships.</a:t>
-            </a:r>
-          </a:p>
-        </p:txBody>
-      </p:sp>
-      <p:sp>
-        <p:nvSpPr>
-          <p:cNvPr id="5" name="Date Placeholder 4">
+              <a:rPr dirty="0"/>
+              <a:t>Provide mechanisms for transforming schemas to remove redundancy</a:t>
+            </a:r>
+          </a:p>
+          <a:p>
+            <a:pPr lvl="0"/>
+            <a:r>
+              <a:rPr dirty="0"/>
+              <a:t>Generally, we want to minimize the redundancy of primary and foreign keys.</a:t>
+            </a:r>
+          </a:p>
+          <a:p>
+            <a:pPr lvl="0"/>
+            <a:r>
+              <a:rPr dirty="0"/>
+              <a:t>One disadvantage of normalizing data is that it becomes spread out in different tables.</a:t>
+            </a:r>
+          </a:p>
+        </p:txBody>
+      </p:sp>
+      <p:sp>
+        <p:nvSpPr>
+          <p:cNvPr id="6" name="Date Placeholder 5">
             <a:extLst>
               <a:ext uri="{FF2B5EF4-FFF2-40B4-BE49-F238E27FC236}">
-                <a16:creationId xmlns:a16="http://schemas.microsoft.com/office/drawing/2014/main" id="{F6771B01-E5B3-9D3F-F61B-6E5C99DBD01E}"/>
+                <a16:creationId xmlns:a16="http://schemas.microsoft.com/office/drawing/2014/main" id="{F6862B2E-8D6E-A2CF-7A0D-15BEB58D3565}"/>
               </a:ext>
             </a:extLst>
           </p:cNvPr>
@@ -6759,10 +6847,10 @@
       </p:sp>
       <p:sp>
         <p:nvSpPr>
-          <p:cNvPr id="6" name="Footer Placeholder 5">
+          <p:cNvPr id="7" name="Footer Placeholder 6">
             <a:extLst>
               <a:ext uri="{FF2B5EF4-FFF2-40B4-BE49-F238E27FC236}">
-                <a16:creationId xmlns:a16="http://schemas.microsoft.com/office/drawing/2014/main" id="{8D040E67-A297-8E43-9A9C-75114A92740A}"/>
+                <a16:creationId xmlns:a16="http://schemas.microsoft.com/office/drawing/2014/main" id="{87301F60-9289-A045-0343-3DCF6C18F863}"/>
               </a:ext>
             </a:extLst>
           </p:cNvPr>
@@ -6779,19 +6867,18 @@
           <a:lstStyle/>
           <a:p>
             <a:r>
-              <a:rPr lang="en-US"/>
-              <a:t>Production 2 - Data Engineering Fundamentals</a:t>
-            </a:r>
-            <a:endParaRPr lang="en-CA"/>
-          </a:p>
-        </p:txBody>
-      </p:sp>
-      <p:sp>
-        <p:nvSpPr>
-          <p:cNvPr id="7" name="Slide Number Placeholder 6">
+              <a:rPr lang="en-CA"/>
+              <a:t>Production 2 - Data Engineering</a:t>
+            </a:r>
+          </a:p>
+        </p:txBody>
+      </p:sp>
+      <p:sp>
+        <p:nvSpPr>
+          <p:cNvPr id="8" name="Slide Number Placeholder 7">
             <a:extLst>
               <a:ext uri="{FF2B5EF4-FFF2-40B4-BE49-F238E27FC236}">
-                <a16:creationId xmlns:a16="http://schemas.microsoft.com/office/drawing/2014/main" id="{6F62E41C-67DB-E80C-AB52-9EA1948A854D}"/>
+                <a16:creationId xmlns:a16="http://schemas.microsoft.com/office/drawing/2014/main" id="{50C8E5F5-FDAB-7C5A-B33D-38CA58127B3E}"/>
               </a:ext>
             </a:extLst>
           </p:cNvPr>
@@ -6859,7 +6946,438 @@
               <a:buNone/>
             </a:pPr>
             <a:r>
-              <a:rPr dirty="0"/>
+              <a:t>Query Language</a:t>
+            </a:r>
+          </a:p>
+        </p:txBody>
+      </p:sp>
+      <p:sp>
+        <p:nvSpPr>
+          <p:cNvPr id="3" name="Content Placeholder 2"/>
+          <p:cNvSpPr>
+            <a:spLocks noGrp="1"/>
+          </p:cNvSpPr>
+          <p:nvPr>
+            <p:ph sz="half" idx="1"/>
+          </p:nvPr>
+        </p:nvSpPr>
+        <p:spPr/>
+        <p:txBody>
+          <a:bodyPr>
+            <a:normAutofit lnSpcReduction="10000"/>
+          </a:bodyPr>
+          <a:lstStyle/>
+          <a:p>
+            <a:pPr lvl="0"/>
+            <a:r>
+              <a:t>A query language can be used to specify the data that you want from a database.</a:t>
+            </a:r>
+          </a:p>
+          <a:p>
+            <a:pPr lvl="0"/>
+            <a:r>
+              <a:t>SQL is the most popular query language.</a:t>
+            </a:r>
+          </a:p>
+          <a:p>
+            <a:pPr lvl="0"/>
+            <a:r>
+              <a:t>SQL is a declarative language.</a:t>
+            </a:r>
+          </a:p>
+          <a:p>
+            <a:pPr lvl="0"/>
+            <a:r>
+              <a:t>Optimizing queries is the hardest part.</a:t>
+            </a:r>
+          </a:p>
+        </p:txBody>
+      </p:sp>
+      <p:sp>
+        <p:nvSpPr>
+          <p:cNvPr id="4" name="Content Placeholder 3"/>
+          <p:cNvSpPr>
+            <a:spLocks noGrp="1"/>
+          </p:cNvSpPr>
+          <p:nvPr>
+            <p:ph sz="half" idx="2"/>
+          </p:nvPr>
+        </p:nvSpPr>
+        <p:spPr/>
+        <p:txBody>
+          <a:bodyPr>
+            <a:normAutofit lnSpcReduction="10000"/>
+          </a:bodyPr>
+          <a:lstStyle/>
+          <a:p>
+            <a:pPr lvl="0"/>
+            <a:r>
+              <a:t>An </a:t>
+            </a:r>
+            <a:r>
+              <a:rPr i="1"/>
+              <a:t>imperative language</a:t>
+            </a:r>
+            <a:r>
+              <a:t> requires the programmer to determine the steps that the program should follow. For example, Python.</a:t>
+            </a:r>
+          </a:p>
+          <a:p>
+            <a:pPr lvl="0"/>
+            <a:r>
+              <a:t>A </a:t>
+            </a:r>
+            <a:r>
+              <a:rPr i="1"/>
+              <a:t>declarative language</a:t>
+            </a:r>
+            <a:r>
+              <a:t> requires the programmer to specify the output and the computer figures out the steps needed to get the queried outputs.</a:t>
+            </a:r>
+          </a:p>
+        </p:txBody>
+      </p:sp>
+      <p:sp>
+        <p:nvSpPr>
+          <p:cNvPr id="5" name="Date Placeholder 4">
+            <a:extLst>
+              <a:ext uri="{FF2B5EF4-FFF2-40B4-BE49-F238E27FC236}">
+                <a16:creationId xmlns:a16="http://schemas.microsoft.com/office/drawing/2014/main" id="{3D530048-046C-2817-B9D9-9B3A399669E5}"/>
+              </a:ext>
+            </a:extLst>
+          </p:cNvPr>
+          <p:cNvSpPr>
+            <a:spLocks noGrp="1"/>
+          </p:cNvSpPr>
+          <p:nvPr>
+            <p:ph type="dt" sz="half" idx="10"/>
+          </p:nvPr>
+        </p:nvSpPr>
+        <p:spPr/>
+        <p:txBody>
+          <a:bodyPr/>
+          <a:lstStyle/>
+          <a:p>
+            <a:r>
+              <a:rPr lang="en-CA"/>
+              <a:t>February 2024</a:t>
+            </a:r>
+          </a:p>
+        </p:txBody>
+      </p:sp>
+      <p:sp>
+        <p:nvSpPr>
+          <p:cNvPr id="6" name="Footer Placeholder 5">
+            <a:extLst>
+              <a:ext uri="{FF2B5EF4-FFF2-40B4-BE49-F238E27FC236}">
+                <a16:creationId xmlns:a16="http://schemas.microsoft.com/office/drawing/2014/main" id="{A99BF5C0-688E-DA55-00FA-C1383C2334CC}"/>
+              </a:ext>
+            </a:extLst>
+          </p:cNvPr>
+          <p:cNvSpPr>
+            <a:spLocks noGrp="1"/>
+          </p:cNvSpPr>
+          <p:nvPr>
+            <p:ph type="ftr" sz="quarter" idx="11"/>
+          </p:nvPr>
+        </p:nvSpPr>
+        <p:spPr/>
+        <p:txBody>
+          <a:bodyPr/>
+          <a:lstStyle/>
+          <a:p>
+            <a:r>
+              <a:rPr lang="en-CA"/>
+              <a:t>Production 2 - Data Engineering</a:t>
+            </a:r>
+          </a:p>
+        </p:txBody>
+      </p:sp>
+      <p:sp>
+        <p:nvSpPr>
+          <p:cNvPr id="7" name="Slide Number Placeholder 6">
+            <a:extLst>
+              <a:ext uri="{FF2B5EF4-FFF2-40B4-BE49-F238E27FC236}">
+                <a16:creationId xmlns:a16="http://schemas.microsoft.com/office/drawing/2014/main" id="{64C63AE2-FA94-36F8-9D82-E444C5F6C0F6}"/>
+              </a:ext>
+            </a:extLst>
+          </p:cNvPr>
+          <p:cNvSpPr>
+            <a:spLocks noGrp="1"/>
+          </p:cNvSpPr>
+          <p:nvPr>
+            <p:ph type="sldNum" sz="quarter" idx="12"/>
+          </p:nvPr>
+        </p:nvSpPr>
+        <p:spPr/>
+        <p:txBody>
+          <a:bodyPr/>
+          <a:lstStyle/>
+          <a:p>
+            <a:fld id="{4F4BDF5D-830C-4829-B676-EE421164B1C8}" type="slidenum">
+              <a:rPr lang="en-CA" smtClean="0"/>
+              <a:t>21</a:t>
+            </a:fld>
+            <a:endParaRPr lang="en-CA"/>
+          </a:p>
+        </p:txBody>
+      </p:sp>
+    </p:spTree>
+  </p:cSld>
+  <p:clrMapOvr>
+    <a:masterClrMapping/>
+  </p:clrMapOvr>
+</p:sld>
+</file>
+
+<file path=ppt/slides/slide22.xml><?xml version="1.0" encoding="utf-8"?>
+<p:sld xmlns:a="http://schemas.openxmlformats.org/drawingml/2006/main" xmlns:r="http://schemas.openxmlformats.org/officeDocument/2006/relationships" xmlns:p="http://schemas.openxmlformats.org/presentationml/2006/main">
+  <p:cSld>
+    <p:spTree>
+      <p:nvGrpSpPr>
+        <p:cNvPr id="1" name=""/>
+        <p:cNvGrpSpPr/>
+        <p:nvPr/>
+      </p:nvGrpSpPr>
+      <p:grpSpPr>
+        <a:xfrm>
+          <a:off x="0" y="0"/>
+          <a:ext cx="0" cy="0"/>
+          <a:chOff x="0" y="0"/>
+          <a:chExt cx="0" cy="0"/>
+        </a:xfrm>
+      </p:grpSpPr>
+      <p:sp>
+        <p:nvSpPr>
+          <p:cNvPr id="2" name="Title 1"/>
+          <p:cNvSpPr>
+            <a:spLocks noGrp="1"/>
+          </p:cNvSpPr>
+          <p:nvPr>
+            <p:ph type="title"/>
+          </p:nvPr>
+        </p:nvSpPr>
+        <p:spPr/>
+        <p:txBody>
+          <a:bodyPr/>
+          <a:lstStyle/>
+          <a:p>
+            <a:pPr marL="0" lvl="0" indent="0">
+              <a:buNone/>
+            </a:pPr>
+            <a:r>
+              <a:t>No SQL</a:t>
+            </a:r>
+          </a:p>
+        </p:txBody>
+      </p:sp>
+      <p:sp>
+        <p:nvSpPr>
+          <p:cNvPr id="3" name="Content Placeholder 2"/>
+          <p:cNvSpPr>
+            <a:spLocks noGrp="1"/>
+          </p:cNvSpPr>
+          <p:nvPr>
+            <p:ph sz="half" idx="1"/>
+          </p:nvPr>
+        </p:nvSpPr>
+        <p:spPr/>
+        <p:txBody>
+          <a:bodyPr>
+            <a:normAutofit fontScale="92500"/>
+          </a:bodyPr>
+          <a:lstStyle/>
+          <a:p>
+            <a:pPr lvl="0"/>
+            <a:r>
+              <a:t>Relational model has been applied to many use cases but can be restrictive: data needs to adhere to a schema.</a:t>
+            </a:r>
+          </a:p>
+          <a:p>
+            <a:pPr lvl="0"/>
+            <a:r>
+              <a:t>Not Only SQL.</a:t>
+            </a:r>
+          </a:p>
+          <a:p>
+            <a:pPr lvl="0"/>
+            <a:r>
+              <a:t>No SQL models can be of two types:</a:t>
+            </a:r>
+          </a:p>
+          <a:p>
+            <a:pPr lvl="1"/>
+            <a:r>
+              <a:t>Document model.</a:t>
+            </a:r>
+          </a:p>
+          <a:p>
+            <a:pPr lvl="1"/>
+            <a:r>
+              <a:t>Graph model.</a:t>
+            </a:r>
+          </a:p>
+        </p:txBody>
+      </p:sp>
+      <p:sp>
+        <p:nvSpPr>
+          <p:cNvPr id="4" name="Content Placeholder 3"/>
+          <p:cNvSpPr>
+            <a:spLocks noGrp="1"/>
+          </p:cNvSpPr>
+          <p:nvPr>
+            <p:ph sz="half" idx="2"/>
+          </p:nvPr>
+        </p:nvSpPr>
+        <p:spPr/>
+        <p:txBody>
+          <a:bodyPr>
+            <a:normAutofit fontScale="92500"/>
+          </a:bodyPr>
+          <a:lstStyle/>
+          <a:p>
+            <a:pPr lvl="0"/>
+            <a:r>
+              <a:t>The document model targets use cases in which data is assumed to come in self-contained units called documents. There is little relationship between the documents.</a:t>
+            </a:r>
+          </a:p>
+          <a:p>
+            <a:pPr lvl="0"/>
+            <a:r>
+              <a:t>The graph model targets use cases in common and important relationships.</a:t>
+            </a:r>
+          </a:p>
+        </p:txBody>
+      </p:sp>
+      <p:sp>
+        <p:nvSpPr>
+          <p:cNvPr id="5" name="Date Placeholder 4">
+            <a:extLst>
+              <a:ext uri="{FF2B5EF4-FFF2-40B4-BE49-F238E27FC236}">
+                <a16:creationId xmlns:a16="http://schemas.microsoft.com/office/drawing/2014/main" id="{EF7794F1-717C-E600-AE7E-2C546EB73177}"/>
+              </a:ext>
+            </a:extLst>
+          </p:cNvPr>
+          <p:cNvSpPr>
+            <a:spLocks noGrp="1"/>
+          </p:cNvSpPr>
+          <p:nvPr>
+            <p:ph type="dt" sz="half" idx="10"/>
+          </p:nvPr>
+        </p:nvSpPr>
+        <p:spPr/>
+        <p:txBody>
+          <a:bodyPr/>
+          <a:lstStyle/>
+          <a:p>
+            <a:r>
+              <a:rPr lang="en-CA"/>
+              <a:t>February 2024</a:t>
+            </a:r>
+          </a:p>
+        </p:txBody>
+      </p:sp>
+      <p:sp>
+        <p:nvSpPr>
+          <p:cNvPr id="6" name="Footer Placeholder 5">
+            <a:extLst>
+              <a:ext uri="{FF2B5EF4-FFF2-40B4-BE49-F238E27FC236}">
+                <a16:creationId xmlns:a16="http://schemas.microsoft.com/office/drawing/2014/main" id="{AAE661D0-B690-6BA3-19CF-8255C6C414CB}"/>
+              </a:ext>
+            </a:extLst>
+          </p:cNvPr>
+          <p:cNvSpPr>
+            <a:spLocks noGrp="1"/>
+          </p:cNvSpPr>
+          <p:nvPr>
+            <p:ph type="ftr" sz="quarter" idx="11"/>
+          </p:nvPr>
+        </p:nvSpPr>
+        <p:spPr/>
+        <p:txBody>
+          <a:bodyPr/>
+          <a:lstStyle/>
+          <a:p>
+            <a:r>
+              <a:rPr lang="en-CA"/>
+              <a:t>Production 2 - Data Engineering</a:t>
+            </a:r>
+          </a:p>
+        </p:txBody>
+      </p:sp>
+      <p:sp>
+        <p:nvSpPr>
+          <p:cNvPr id="7" name="Slide Number Placeholder 6">
+            <a:extLst>
+              <a:ext uri="{FF2B5EF4-FFF2-40B4-BE49-F238E27FC236}">
+                <a16:creationId xmlns:a16="http://schemas.microsoft.com/office/drawing/2014/main" id="{96CCBBFC-9059-AE7E-142E-379350EF1738}"/>
+              </a:ext>
+            </a:extLst>
+          </p:cNvPr>
+          <p:cNvSpPr>
+            <a:spLocks noGrp="1"/>
+          </p:cNvSpPr>
+          <p:nvPr>
+            <p:ph type="sldNum" sz="quarter" idx="12"/>
+          </p:nvPr>
+        </p:nvSpPr>
+        <p:spPr/>
+        <p:txBody>
+          <a:bodyPr/>
+          <a:lstStyle/>
+          <a:p>
+            <a:fld id="{4F4BDF5D-830C-4829-B676-EE421164B1C8}" type="slidenum">
+              <a:rPr lang="en-CA" smtClean="0"/>
+              <a:t>22</a:t>
+            </a:fld>
+            <a:endParaRPr lang="en-CA"/>
+          </a:p>
+        </p:txBody>
+      </p:sp>
+    </p:spTree>
+  </p:cSld>
+  <p:clrMapOvr>
+    <a:masterClrMapping/>
+  </p:clrMapOvr>
+</p:sld>
+</file>
+
+<file path=ppt/slides/slide23.xml><?xml version="1.0" encoding="utf-8"?>
+<p:sld xmlns:a="http://schemas.openxmlformats.org/drawingml/2006/main" xmlns:r="http://schemas.openxmlformats.org/officeDocument/2006/relationships" xmlns:p="http://schemas.openxmlformats.org/presentationml/2006/main">
+  <p:cSld>
+    <p:spTree>
+      <p:nvGrpSpPr>
+        <p:cNvPr id="1" name=""/>
+        <p:cNvGrpSpPr/>
+        <p:nvPr/>
+      </p:nvGrpSpPr>
+      <p:grpSpPr>
+        <a:xfrm>
+          <a:off x="0" y="0"/>
+          <a:ext cx="0" cy="0"/>
+          <a:chOff x="0" y="0"/>
+          <a:chExt cx="0" cy="0"/>
+        </a:xfrm>
+      </p:grpSpPr>
+      <p:sp>
+        <p:nvSpPr>
+          <p:cNvPr id="2" name="Title 1"/>
+          <p:cNvSpPr>
+            <a:spLocks noGrp="1"/>
+          </p:cNvSpPr>
+          <p:nvPr>
+            <p:ph type="title"/>
+          </p:nvPr>
+        </p:nvSpPr>
+        <p:spPr/>
+        <p:txBody>
+          <a:bodyPr/>
+          <a:lstStyle/>
+          <a:p>
+            <a:pPr marL="0" lvl="0" indent="0">
+              <a:buNone/>
+            </a:pPr>
+            <a:r>
               <a:t>Document Model</a:t>
             </a:r>
           </a:p>
@@ -6946,7 +7464,7 @@
               <a:buNone/>
             </a:pPr>
             <a:r>
-              <a:rPr sz="4800" dirty="0"/>
+              <a:rPr sz="6400" dirty="0"/>
               <a:t>If a row in the relational model is somewhat equivalent to a document, then a table is equivalent to a collection of documents.</a:t>
             </a:r>
           </a:p>
@@ -6955,7 +7473,7 @@
               <a:buNone/>
             </a:pPr>
             <a:r>
-              <a:rPr dirty="0">
+              <a:rPr sz="4000" dirty="0">
                 <a:latin typeface="Courier"/>
               </a:rPr>
               <a:t>{
@@ -6976,29 +7494,29 @@
               <a:buNone/>
             </a:pPr>
             <a:r>
-              <a:rPr dirty="0"/>
+              <a:rPr sz="4000" dirty="0"/>
               <a:t>Document1: </a:t>
             </a:r>
             <a:r>
-              <a:rPr dirty="0" err="1"/>
+              <a:rPr sz="4000" dirty="0" err="1"/>
               <a:t>harry_potter.json</a:t>
             </a:r>
-            <a:endParaRPr dirty="0"/>
-          </a:p>
-          <a:p>
-            <a:pPr marL="0" lvl="0" indent="0">
+            <a:endParaRPr sz="4000" dirty="0"/>
+          </a:p>
+          <a:p>
+            <a:pPr marL="0" lvl="0" indent="0" algn="r">
               <a:buNone/>
             </a:pPr>
             <a:r>
-              <a:rPr sz="4000" dirty="0"/>
+              <a:rPr sz="4400" dirty="0"/>
               <a:t>(</a:t>
             </a:r>
             <a:r>
-              <a:rPr sz="4000" dirty="0" err="1"/>
+              <a:rPr sz="4400" dirty="0" err="1"/>
               <a:t>Huyen</a:t>
             </a:r>
             <a:r>
-              <a:rPr sz="4000" dirty="0"/>
+              <a:rPr sz="4400" dirty="0"/>
               <a:t>, 2022)</a:t>
             </a:r>
           </a:p>
@@ -7009,7 +7527,7 @@
           <p:cNvPr id="5" name="Date Placeholder 4">
             <a:extLst>
               <a:ext uri="{FF2B5EF4-FFF2-40B4-BE49-F238E27FC236}">
-                <a16:creationId xmlns:a16="http://schemas.microsoft.com/office/drawing/2014/main" id="{4D5ABE95-EC33-39E0-44D9-06CE67212B4E}"/>
+                <a16:creationId xmlns:a16="http://schemas.microsoft.com/office/drawing/2014/main" id="{41D0BDDC-C152-8F44-84CE-127D583F1BFD}"/>
               </a:ext>
             </a:extLst>
           </p:cNvPr>
@@ -7037,7 +7555,7 @@
           <p:cNvPr id="6" name="Footer Placeholder 5">
             <a:extLst>
               <a:ext uri="{FF2B5EF4-FFF2-40B4-BE49-F238E27FC236}">
-                <a16:creationId xmlns:a16="http://schemas.microsoft.com/office/drawing/2014/main" id="{5A9FF5EC-0D8D-209B-D626-EC2C2545CDCD}"/>
+                <a16:creationId xmlns:a16="http://schemas.microsoft.com/office/drawing/2014/main" id="{96B4DD06-CA92-990A-D962-167FA33AF4B4}"/>
               </a:ext>
             </a:extLst>
           </p:cNvPr>
@@ -7054,10 +7572,9 @@
           <a:lstStyle/>
           <a:p>
             <a:r>
-              <a:rPr lang="en-US"/>
-              <a:t>Production 2 - Data Engineering Fundamentals</a:t>
-            </a:r>
-            <a:endParaRPr lang="en-CA"/>
+              <a:rPr lang="en-CA"/>
+              <a:t>Production 2 - Data Engineering</a:t>
+            </a:r>
           </a:p>
         </p:txBody>
       </p:sp>
@@ -7066,7 +7583,7 @@
           <p:cNvPr id="7" name="Slide Number Placeholder 6">
             <a:extLst>
               <a:ext uri="{FF2B5EF4-FFF2-40B4-BE49-F238E27FC236}">
-                <a16:creationId xmlns:a16="http://schemas.microsoft.com/office/drawing/2014/main" id="{2204ECEF-7F3F-1178-7D82-CBA00FABBF7E}"/>
+                <a16:creationId xmlns:a16="http://schemas.microsoft.com/office/drawing/2014/main" id="{EF3A039A-6DD1-4151-ADB3-1232EAB48E1B}"/>
               </a:ext>
             </a:extLst>
           </p:cNvPr>
@@ -7084,9 +7601,9 @@
           <a:p>
             <a:fld id="{4F4BDF5D-830C-4829-B676-EE421164B1C8}" type="slidenum">
               <a:rPr lang="en-CA" smtClean="0"/>
-              <a:t>21</a:t>
+              <a:t>23</a:t>
             </a:fld>
-            <a:endParaRPr lang="en-CA"/>
+            <a:endParaRPr lang="en-CA" dirty="0"/>
           </a:p>
         </p:txBody>
       </p:sp>
@@ -7098,7 +7615,7 @@
 </p:sld>
 </file>
 
-<file path=ppt/slides/slide22.xml><?xml version="1.0" encoding="utf-8"?>
+<file path=ppt/slides/slide24.xml><?xml version="1.0" encoding="utf-8"?>
 <p:sld xmlns:a="http://schemas.openxmlformats.org/drawingml/2006/main" xmlns:r="http://schemas.openxmlformats.org/officeDocument/2006/relationships" xmlns:p="http://schemas.openxmlformats.org/presentationml/2006/main">
   <p:cSld>
     <p:spTree>
@@ -7241,15 +7758,17 @@
               <a:buNone/>
             </a:pPr>
             <a:r>
+              <a:rPr sz="1100" dirty="0"/>
               <a:t>An example of a network graph in Neo4J (</a:t>
             </a:r>
             <a:r>
-              <a:rPr>
+              <a:rPr sz="1100" dirty="0">
                 <a:hlinkClick r:id="rId3"/>
               </a:rPr>
               <a:t>source</a:t>
             </a:r>
             <a:r>
+              <a:rPr sz="1100" dirty="0"/>
               <a:t>)</a:t>
             </a:r>
           </a:p>
@@ -7260,7 +7779,7 @@
           <p:cNvPr id="6" name="Date Placeholder 5">
             <a:extLst>
               <a:ext uri="{FF2B5EF4-FFF2-40B4-BE49-F238E27FC236}">
-                <a16:creationId xmlns:a16="http://schemas.microsoft.com/office/drawing/2014/main" id="{850D10AD-67A5-A81A-D89A-A46480B816A4}"/>
+                <a16:creationId xmlns:a16="http://schemas.microsoft.com/office/drawing/2014/main" id="{B5B57EDB-7D35-70D0-FFE4-A338D0A9CB57}"/>
               </a:ext>
             </a:extLst>
           </p:cNvPr>
@@ -7288,7 +7807,7 @@
           <p:cNvPr id="7" name="Footer Placeholder 6">
             <a:extLst>
               <a:ext uri="{FF2B5EF4-FFF2-40B4-BE49-F238E27FC236}">
-                <a16:creationId xmlns:a16="http://schemas.microsoft.com/office/drawing/2014/main" id="{4E5E4997-3545-FA84-4231-9A2DB426D272}"/>
+                <a16:creationId xmlns:a16="http://schemas.microsoft.com/office/drawing/2014/main" id="{FCCF916F-6427-AE95-543B-08F6D7EBF2D5}"/>
               </a:ext>
             </a:extLst>
           </p:cNvPr>
@@ -7305,10 +7824,9 @@
           <a:lstStyle/>
           <a:p>
             <a:r>
-              <a:rPr lang="en-US"/>
-              <a:t>Production 2 - Data Engineering Fundamentals</a:t>
-            </a:r>
-            <a:endParaRPr lang="en-CA"/>
+              <a:rPr lang="en-CA"/>
+              <a:t>Production 2 - Data Engineering</a:t>
+            </a:r>
           </a:p>
         </p:txBody>
       </p:sp>
@@ -7317,7 +7835,7 @@
           <p:cNvPr id="8" name="Slide Number Placeholder 7">
             <a:extLst>
               <a:ext uri="{FF2B5EF4-FFF2-40B4-BE49-F238E27FC236}">
-                <a16:creationId xmlns:a16="http://schemas.microsoft.com/office/drawing/2014/main" id="{10C03ED9-7E92-DD22-4E8B-7FF847DD957D}"/>
+                <a16:creationId xmlns:a16="http://schemas.microsoft.com/office/drawing/2014/main" id="{8720640F-89A8-7C62-10CE-CF53E22E878C}"/>
               </a:ext>
             </a:extLst>
           </p:cNvPr>
@@ -7335,7 +7853,7 @@
           <a:p>
             <a:fld id="{4F4BDF5D-830C-4829-B676-EE421164B1C8}" type="slidenum">
               <a:rPr lang="en-CA" smtClean="0"/>
-              <a:t>22</a:t>
+              <a:t>24</a:t>
             </a:fld>
             <a:endParaRPr lang="en-CA"/>
           </a:p>
@@ -7349,7 +7867,7 @@
 </p:sld>
 </file>
 
-<file path=ppt/slides/slide23.xml><?xml version="1.0" encoding="utf-8"?>
+<file path=ppt/slides/slide25.xml><?xml version="1.0" encoding="utf-8"?>
 <p:sld xmlns:a="http://schemas.openxmlformats.org/drawingml/2006/main" xmlns:r="http://schemas.openxmlformats.org/officeDocument/2006/relationships" xmlns:p="http://schemas.openxmlformats.org/presentationml/2006/main">
   <p:cSld>
     <p:spTree>
@@ -7444,15 +7962,17 @@
               <a:buNone/>
             </a:pPr>
             <a:r>
+              <a:rPr sz="1100" dirty="0"/>
               <a:t>An example of a network graph (</a:t>
             </a:r>
             <a:r>
-              <a:rPr>
+              <a:rPr sz="1100" dirty="0">
                 <a:hlinkClick r:id="rId3"/>
               </a:rPr>
               <a:t>source</a:t>
             </a:r>
             <a:r>
+              <a:rPr sz="1100" dirty="0"/>
               <a:t>)</a:t>
             </a:r>
           </a:p>
@@ -7475,25 +7995,37 @@
           <a:p>
             <a:pPr lvl="0"/>
             <a:r>
+              <a:rPr dirty="0"/>
               <a:t>Graph models enable network or graph metrics:</a:t>
             </a:r>
           </a:p>
           <a:p>
             <a:pPr lvl="1"/>
             <a:r>
+              <a:rPr dirty="0"/>
               <a:t>Node metrics like centrality measures: degree, eigen, betweenness.</a:t>
             </a:r>
           </a:p>
           <a:p>
             <a:pPr lvl="1"/>
             <a:r>
+              <a:rPr dirty="0"/>
               <a:t>Graph-level features: cliques, clusters, modularity.</a:t>
             </a:r>
           </a:p>
           <a:p>
             <a:pPr lvl="0"/>
             <a:r>
-              <a:t>Graph databases may bundle other features (visualisation).</a:t>
+              <a:rPr dirty="0"/>
+              <a:t>Graph databases may bundle other features (</a:t>
+            </a:r>
+            <a:r>
+              <a:rPr dirty="0" err="1"/>
+              <a:t>visualisation</a:t>
+            </a:r>
+            <a:r>
+              <a:rPr dirty="0"/>
+              <a:t>).</a:t>
             </a:r>
           </a:p>
         </p:txBody>
@@ -7503,7 +8035,7 @@
           <p:cNvPr id="6" name="Date Placeholder 5">
             <a:extLst>
               <a:ext uri="{FF2B5EF4-FFF2-40B4-BE49-F238E27FC236}">
-                <a16:creationId xmlns:a16="http://schemas.microsoft.com/office/drawing/2014/main" id="{9E46D671-FABD-E080-AD0D-4EE533B19349}"/>
+                <a16:creationId xmlns:a16="http://schemas.microsoft.com/office/drawing/2014/main" id="{8DA253FA-65C3-1911-4BE9-A89AA13A45A4}"/>
               </a:ext>
             </a:extLst>
           </p:cNvPr>
@@ -7531,7 +8063,7 @@
           <p:cNvPr id="7" name="Footer Placeholder 6">
             <a:extLst>
               <a:ext uri="{FF2B5EF4-FFF2-40B4-BE49-F238E27FC236}">
-                <a16:creationId xmlns:a16="http://schemas.microsoft.com/office/drawing/2014/main" id="{3F9CC6F3-726F-5925-A476-19A905F85B03}"/>
+                <a16:creationId xmlns:a16="http://schemas.microsoft.com/office/drawing/2014/main" id="{9FF2A591-9565-CD97-8582-EBAF7651DED1}"/>
               </a:ext>
             </a:extLst>
           </p:cNvPr>
@@ -7548,10 +8080,9 @@
           <a:lstStyle/>
           <a:p>
             <a:r>
-              <a:rPr lang="en-US"/>
-              <a:t>Production 2 - Data Engineering Fundamentals</a:t>
-            </a:r>
-            <a:endParaRPr lang="en-CA"/>
+              <a:rPr lang="en-CA"/>
+              <a:t>Production 2 - Data Engineering</a:t>
+            </a:r>
           </a:p>
         </p:txBody>
       </p:sp>
@@ -7560,7 +8091,7 @@
           <p:cNvPr id="8" name="Slide Number Placeholder 7">
             <a:extLst>
               <a:ext uri="{FF2B5EF4-FFF2-40B4-BE49-F238E27FC236}">
-                <a16:creationId xmlns:a16="http://schemas.microsoft.com/office/drawing/2014/main" id="{955AAB0E-6A18-1462-9EFE-28ABE12164FB}"/>
+                <a16:creationId xmlns:a16="http://schemas.microsoft.com/office/drawing/2014/main" id="{F793AF2A-318D-7144-2A08-461381A0C75D}"/>
               </a:ext>
             </a:extLst>
           </p:cNvPr>
@@ -7578,7 +8109,7 @@
           <a:p>
             <a:fld id="{4F4BDF5D-830C-4829-B676-EE421164B1C8}" type="slidenum">
               <a:rPr lang="en-CA" smtClean="0"/>
-              <a:t>23</a:t>
+              <a:t>25</a:t>
             </a:fld>
             <a:endParaRPr lang="en-CA"/>
           </a:p>
@@ -7592,7 +8123,7 @@
 </p:sld>
 </file>
 
-<file path=ppt/slides/slide24.xml><?xml version="1.0" encoding="utf-8"?>
+<file path=ppt/slides/slide26.xml><?xml version="1.0" encoding="utf-8"?>
 <p:sld xmlns:a="http://schemas.openxmlformats.org/drawingml/2006/main" xmlns:r="http://schemas.openxmlformats.org/officeDocument/2006/relationships" xmlns:p="http://schemas.openxmlformats.org/presentationml/2006/main">
   <p:cSld>
     <p:spTree>
@@ -7728,7 +8259,7 @@
           <p:cNvPr id="5" name="Date Placeholder 4">
             <a:extLst>
               <a:ext uri="{FF2B5EF4-FFF2-40B4-BE49-F238E27FC236}">
-                <a16:creationId xmlns:a16="http://schemas.microsoft.com/office/drawing/2014/main" id="{0CAE5911-2D2A-170A-5504-672CF9A248E4}"/>
+                <a16:creationId xmlns:a16="http://schemas.microsoft.com/office/drawing/2014/main" id="{8A1C2CB3-3DB8-7A4B-71EB-DAAF9B6D349B}"/>
               </a:ext>
             </a:extLst>
           </p:cNvPr>
@@ -7756,7 +8287,7 @@
           <p:cNvPr id="6" name="Footer Placeholder 5">
             <a:extLst>
               <a:ext uri="{FF2B5EF4-FFF2-40B4-BE49-F238E27FC236}">
-                <a16:creationId xmlns:a16="http://schemas.microsoft.com/office/drawing/2014/main" id="{339D2E1B-7399-83F1-17FE-359ECA830B37}"/>
+                <a16:creationId xmlns:a16="http://schemas.microsoft.com/office/drawing/2014/main" id="{DCBC4375-35BF-6D03-130D-DBAB9E24A0DE}"/>
               </a:ext>
             </a:extLst>
           </p:cNvPr>
@@ -7773,10 +8304,9 @@
           <a:lstStyle/>
           <a:p>
             <a:r>
-              <a:rPr lang="en-US"/>
-              <a:t>Production 2 - Data Engineering Fundamentals</a:t>
-            </a:r>
-            <a:endParaRPr lang="en-CA"/>
+              <a:rPr lang="en-CA"/>
+              <a:t>Production 2 - Data Engineering</a:t>
+            </a:r>
           </a:p>
         </p:txBody>
       </p:sp>
@@ -7785,7 +8315,7 @@
           <p:cNvPr id="7" name="Slide Number Placeholder 6">
             <a:extLst>
               <a:ext uri="{FF2B5EF4-FFF2-40B4-BE49-F238E27FC236}">
-                <a16:creationId xmlns:a16="http://schemas.microsoft.com/office/drawing/2014/main" id="{904751C5-CC93-495D-AFF3-46A975528660}"/>
+                <a16:creationId xmlns:a16="http://schemas.microsoft.com/office/drawing/2014/main" id="{9C13478D-9EB4-1DC2-A6CA-C2EE2161377C}"/>
               </a:ext>
             </a:extLst>
           </p:cNvPr>
@@ -7803,7 +8333,7 @@
           <a:p>
             <a:fld id="{4F4BDF5D-830C-4829-B676-EE421164B1C8}" type="slidenum">
               <a:rPr lang="en-CA" smtClean="0"/>
-              <a:t>24</a:t>
+              <a:t>26</a:t>
             </a:fld>
             <a:endParaRPr lang="en-CA"/>
           </a:p>
@@ -7817,7 +8347,7 @@
 </p:sld>
 </file>
 
-<file path=ppt/slides/slide25.xml><?xml version="1.0" encoding="utf-8"?>
+<file path=ppt/slides/slide27.xml><?xml version="1.0" encoding="utf-8"?>
 <p:sld xmlns:a="http://schemas.openxmlformats.org/drawingml/2006/main" xmlns:r="http://schemas.openxmlformats.org/officeDocument/2006/relationships" xmlns:p="http://schemas.openxmlformats.org/presentationml/2006/main">
   <p:cSld>
     <p:spTree>
@@ -8125,7 +8655,7 @@
           <p:cNvPr id="3" name="Date Placeholder 2">
             <a:extLst>
               <a:ext uri="{FF2B5EF4-FFF2-40B4-BE49-F238E27FC236}">
-                <a16:creationId xmlns:a16="http://schemas.microsoft.com/office/drawing/2014/main" id="{1CC2D0BA-BE46-10F8-C5C6-055398DAC300}"/>
+                <a16:creationId xmlns:a16="http://schemas.microsoft.com/office/drawing/2014/main" id="{5A39D5F9-FF34-BB0E-D75F-80B49D0FC120}"/>
               </a:ext>
             </a:extLst>
           </p:cNvPr>
@@ -8153,7 +8683,7 @@
           <p:cNvPr id="4" name="Footer Placeholder 3">
             <a:extLst>
               <a:ext uri="{FF2B5EF4-FFF2-40B4-BE49-F238E27FC236}">
-                <a16:creationId xmlns:a16="http://schemas.microsoft.com/office/drawing/2014/main" id="{068F9227-C53C-A09C-37B4-0359877EE4E5}"/>
+                <a16:creationId xmlns:a16="http://schemas.microsoft.com/office/drawing/2014/main" id="{F0B535E2-70AC-D1AA-DEC7-06DD16A0D0FE}"/>
               </a:ext>
             </a:extLst>
           </p:cNvPr>
@@ -8170,10 +8700,9 @@
           <a:lstStyle/>
           <a:p>
             <a:r>
-              <a:rPr lang="en-US"/>
-              <a:t>Production 2 - Data Engineering Fundamentals</a:t>
-            </a:r>
-            <a:endParaRPr lang="en-CA"/>
+              <a:rPr lang="en-CA"/>
+              <a:t>Production 2 - Data Engineering</a:t>
+            </a:r>
           </a:p>
         </p:txBody>
       </p:sp>
@@ -8182,384 +8711,7 @@
           <p:cNvPr id="5" name="Slide Number Placeholder 4">
             <a:extLst>
               <a:ext uri="{FF2B5EF4-FFF2-40B4-BE49-F238E27FC236}">
-                <a16:creationId xmlns:a16="http://schemas.microsoft.com/office/drawing/2014/main" id="{AE61F5C1-2E52-B9CA-824A-C49A6BD470B5}"/>
-              </a:ext>
-            </a:extLst>
-          </p:cNvPr>
-          <p:cNvSpPr>
-            <a:spLocks noGrp="1"/>
-          </p:cNvSpPr>
-          <p:nvPr>
-            <p:ph type="sldNum" sz="quarter" idx="12"/>
-          </p:nvPr>
-        </p:nvSpPr>
-        <p:spPr/>
-        <p:txBody>
-          <a:bodyPr/>
-          <a:lstStyle/>
-          <a:p>
-            <a:fld id="{4F4BDF5D-830C-4829-B676-EE421164B1C8}" type="slidenum">
-              <a:rPr lang="en-CA" smtClean="0"/>
-              <a:t>25</a:t>
-            </a:fld>
-            <a:endParaRPr lang="en-CA"/>
-          </a:p>
-        </p:txBody>
-      </p:sp>
-    </p:spTree>
-  </p:cSld>
-  <p:clrMapOvr>
-    <a:masterClrMapping/>
-  </p:clrMapOvr>
-</p:sld>
-</file>
-
-<file path=ppt/slides/slide26.xml><?xml version="1.0" encoding="utf-8"?>
-<p:sld xmlns:a="http://schemas.openxmlformats.org/drawingml/2006/main" xmlns:r="http://schemas.openxmlformats.org/officeDocument/2006/relationships" xmlns:p="http://schemas.openxmlformats.org/presentationml/2006/main">
-  <p:cSld>
-    <p:spTree>
-      <p:nvGrpSpPr>
-        <p:cNvPr id="1" name=""/>
-        <p:cNvGrpSpPr/>
-        <p:nvPr/>
-      </p:nvGrpSpPr>
-      <p:grpSpPr>
-        <a:xfrm>
-          <a:off x="0" y="0"/>
-          <a:ext cx="0" cy="0"/>
-          <a:chOff x="0" y="0"/>
-          <a:chExt cx="0" cy="0"/>
-        </a:xfrm>
-      </p:grpSpPr>
-      <p:sp>
-        <p:nvSpPr>
-          <p:cNvPr id="2" name="Title 1"/>
-          <p:cNvSpPr>
-            <a:spLocks noGrp="1"/>
-          </p:cNvSpPr>
-          <p:nvPr>
-            <p:ph type="title"/>
-          </p:nvPr>
-        </p:nvSpPr>
-        <p:spPr>
-          <a:xfrm>
-            <a:off x="603504" y="767419"/>
-            <a:ext cx="10780776" cy="3355848"/>
-          </a:xfrm>
-        </p:spPr>
-        <p:txBody>
-          <a:bodyPr/>
-          <a:lstStyle/>
-          <a:p>
-            <a:pPr marL="0" lvl="0" indent="0">
-              <a:buNone/>
-            </a:pPr>
-            <a:r>
-              <a:t>Data Storage and Processing</a:t>
-            </a:r>
-          </a:p>
-        </p:txBody>
-      </p:sp>
-      <p:sp>
-        <p:nvSpPr>
-          <p:cNvPr id="3" name="Date Placeholder 2">
-            <a:extLst>
-              <a:ext uri="{FF2B5EF4-FFF2-40B4-BE49-F238E27FC236}">
-                <a16:creationId xmlns:a16="http://schemas.microsoft.com/office/drawing/2014/main" id="{9F74CE1B-093E-6A25-03F1-2B44658AC25B}"/>
-              </a:ext>
-            </a:extLst>
-          </p:cNvPr>
-          <p:cNvSpPr>
-            <a:spLocks noGrp="1"/>
-          </p:cNvSpPr>
-          <p:nvPr>
-            <p:ph type="dt" sz="half" idx="10"/>
-          </p:nvPr>
-        </p:nvSpPr>
-        <p:spPr/>
-        <p:txBody>
-          <a:bodyPr/>
-          <a:lstStyle/>
-          <a:p>
-            <a:r>
-              <a:rPr lang="en-CA"/>
-              <a:t>February 2024</a:t>
-            </a:r>
-          </a:p>
-        </p:txBody>
-      </p:sp>
-      <p:sp>
-        <p:nvSpPr>
-          <p:cNvPr id="4" name="Footer Placeholder 3">
-            <a:extLst>
-              <a:ext uri="{FF2B5EF4-FFF2-40B4-BE49-F238E27FC236}">
-                <a16:creationId xmlns:a16="http://schemas.microsoft.com/office/drawing/2014/main" id="{F590AD22-80CA-65B5-4154-1B7C92061F49}"/>
-              </a:ext>
-            </a:extLst>
-          </p:cNvPr>
-          <p:cNvSpPr>
-            <a:spLocks noGrp="1"/>
-          </p:cNvSpPr>
-          <p:nvPr>
-            <p:ph type="ftr" sz="quarter" idx="11"/>
-          </p:nvPr>
-        </p:nvSpPr>
-        <p:spPr/>
-        <p:txBody>
-          <a:bodyPr/>
-          <a:lstStyle/>
-          <a:p>
-            <a:r>
-              <a:rPr lang="en-US"/>
-              <a:t>Production 2 - Data Engineering Fundamentals</a:t>
-            </a:r>
-            <a:endParaRPr lang="en-CA"/>
-          </a:p>
-        </p:txBody>
-      </p:sp>
-      <p:sp>
-        <p:nvSpPr>
-          <p:cNvPr id="5" name="Slide Number Placeholder 4">
-            <a:extLst>
-              <a:ext uri="{FF2B5EF4-FFF2-40B4-BE49-F238E27FC236}">
-                <a16:creationId xmlns:a16="http://schemas.microsoft.com/office/drawing/2014/main" id="{D631D946-DE31-68A7-EDCD-966A872F1148}"/>
-              </a:ext>
-            </a:extLst>
-          </p:cNvPr>
-          <p:cNvSpPr>
-            <a:spLocks noGrp="1"/>
-          </p:cNvSpPr>
-          <p:nvPr>
-            <p:ph type="sldNum" sz="quarter" idx="12"/>
-          </p:nvPr>
-        </p:nvSpPr>
-        <p:spPr/>
-        <p:txBody>
-          <a:bodyPr/>
-          <a:lstStyle/>
-          <a:p>
-            <a:fld id="{4F4BDF5D-830C-4829-B676-EE421164B1C8}" type="slidenum">
-              <a:rPr lang="en-CA" smtClean="0"/>
-              <a:t>26</a:t>
-            </a:fld>
-            <a:endParaRPr lang="en-CA"/>
-          </a:p>
-        </p:txBody>
-      </p:sp>
-    </p:spTree>
-  </p:cSld>
-  <p:clrMapOvr>
-    <a:masterClrMapping/>
-  </p:clrMapOvr>
-</p:sld>
-</file>
-
-<file path=ppt/slides/slide27.xml><?xml version="1.0" encoding="utf-8"?>
-<p:sld xmlns:a="http://schemas.openxmlformats.org/drawingml/2006/main" xmlns:r="http://schemas.openxmlformats.org/officeDocument/2006/relationships" xmlns:p="http://schemas.openxmlformats.org/presentationml/2006/main">
-  <p:cSld>
-    <p:spTree>
-      <p:nvGrpSpPr>
-        <p:cNvPr id="1" name=""/>
-        <p:cNvGrpSpPr/>
-        <p:nvPr/>
-      </p:nvGrpSpPr>
-      <p:grpSpPr>
-        <a:xfrm>
-          <a:off x="0" y="0"/>
-          <a:ext cx="0" cy="0"/>
-          <a:chOff x="0" y="0"/>
-          <a:chExt cx="0" cy="0"/>
-        </a:xfrm>
-      </p:grpSpPr>
-      <p:sp>
-        <p:nvSpPr>
-          <p:cNvPr id="2" name="Title 1"/>
-          <p:cNvSpPr>
-            <a:spLocks noGrp="1"/>
-          </p:cNvSpPr>
-          <p:nvPr>
-            <p:ph type="title"/>
-          </p:nvPr>
-        </p:nvSpPr>
-        <p:spPr/>
-        <p:txBody>
-          <a:bodyPr/>
-          <a:lstStyle/>
-          <a:p>
-            <a:pPr marL="0" lvl="0" indent="0">
-              <a:buNone/>
-            </a:pPr>
-            <a:r>
-              <a:t>Data Storage and Processing</a:t>
-            </a:r>
-          </a:p>
-        </p:txBody>
-      </p:sp>
-      <p:sp>
-        <p:nvSpPr>
-          <p:cNvPr id="3" name="Content Placeholder 2"/>
-          <p:cNvSpPr>
-            <a:spLocks noGrp="1"/>
-          </p:cNvSpPr>
-          <p:nvPr>
-            <p:ph sz="half" idx="1"/>
-          </p:nvPr>
-        </p:nvSpPr>
-        <p:spPr/>
-        <p:txBody>
-          <a:bodyPr>
-            <a:normAutofit fontScale="62500" lnSpcReduction="20000"/>
-          </a:bodyPr>
-          <a:lstStyle/>
-          <a:p>
-            <a:pPr lvl="0"/>
-            <a:r>
-              <a:t>Databases are storage engines that implement how data is stored and retrieved on machines.</a:t>
-            </a:r>
-          </a:p>
-          <a:p>
-            <a:pPr lvl="0"/>
-            <a:r>
-              <a:t>Typically, databases are optimized for transactional processing or analytical processing.</a:t>
-            </a:r>
-          </a:p>
-          <a:p>
-            <a:pPr lvl="0"/>
-            <a:r>
-              <a:t>A transaction is any action: buy/sell, a tweet, ordering a ride, uploading a new model, or watching YouTube.</a:t>
-            </a:r>
-          </a:p>
-          <a:p>
-            <a:pPr lvl="0"/>
-            <a:r>
-              <a:t>On-Line Transaction Processing (OLTP): transactions are inserted into the database as they are generated. Occasionally, they can be updated.</a:t>
-            </a:r>
-          </a:p>
-        </p:txBody>
-      </p:sp>
-      <p:sp>
-        <p:nvSpPr>
-          <p:cNvPr id="4" name="Content Placeholder 3"/>
-          <p:cNvSpPr>
-            <a:spLocks noGrp="1"/>
-          </p:cNvSpPr>
-          <p:nvPr>
-            <p:ph sz="half" idx="2"/>
-          </p:nvPr>
-        </p:nvSpPr>
-        <p:spPr/>
-        <p:txBody>
-          <a:bodyPr>
-            <a:normAutofit fontScale="62500" lnSpcReduction="20000"/>
-          </a:bodyPr>
-          <a:lstStyle/>
-          <a:p>
-            <a:pPr lvl="0"/>
-            <a:r>
-              <a:t>Transactional databases are designed to maintain low latency and high availability.</a:t>
-            </a:r>
-          </a:p>
-          <a:p>
-            <a:pPr lvl="0"/>
-            <a:r>
-              <a:t>Transactional databases usually offer ACID guarantees:</a:t>
-            </a:r>
-          </a:p>
-          <a:p>
-            <a:pPr lvl="1"/>
-            <a:r>
-              <a:t>Atomicity: all steps in a transaction are completed successfully as a group. If one step fails, all fail.</a:t>
-            </a:r>
-          </a:p>
-          <a:p>
-            <a:pPr lvl="1"/>
-            <a:r>
-              <a:t>Consistency: all transactions coming through must follow predefined rules.</a:t>
-            </a:r>
-          </a:p>
-          <a:p>
-            <a:pPr lvl="1"/>
-            <a:r>
-              <a:t>Isolation: two transactions happen at the same time as if they were isolated. Two users accessing the same data will not change it at the same time.</a:t>
-            </a:r>
-          </a:p>
-          <a:p>
-            <a:pPr lvl="1"/>
-            <a:r>
-              <a:t>Durability: once a transaction has been committed, it will remain committed even in the case of system failure.</a:t>
-            </a:r>
-          </a:p>
-          <a:p>
-            <a:pPr lvl="0"/>
-            <a:r>
-              <a:t>Some transactional databases do not offer ACID, but BASE: “Basically Available, Soft state, and Eventual consistency.” (Kleppmann, 2017)</a:t>
-            </a:r>
-          </a:p>
-        </p:txBody>
-      </p:sp>
-      <p:sp>
-        <p:nvSpPr>
-          <p:cNvPr id="5" name="Date Placeholder 4">
-            <a:extLst>
-              <a:ext uri="{FF2B5EF4-FFF2-40B4-BE49-F238E27FC236}">
-                <a16:creationId xmlns:a16="http://schemas.microsoft.com/office/drawing/2014/main" id="{63EAB403-CE28-55E3-11C8-9466DB242FC7}"/>
-              </a:ext>
-            </a:extLst>
-          </p:cNvPr>
-          <p:cNvSpPr>
-            <a:spLocks noGrp="1"/>
-          </p:cNvSpPr>
-          <p:nvPr>
-            <p:ph type="dt" sz="half" idx="10"/>
-          </p:nvPr>
-        </p:nvSpPr>
-        <p:spPr/>
-        <p:txBody>
-          <a:bodyPr/>
-          <a:lstStyle/>
-          <a:p>
-            <a:r>
-              <a:rPr lang="en-CA"/>
-              <a:t>February 2024</a:t>
-            </a:r>
-          </a:p>
-        </p:txBody>
-      </p:sp>
-      <p:sp>
-        <p:nvSpPr>
-          <p:cNvPr id="6" name="Footer Placeholder 5">
-            <a:extLst>
-              <a:ext uri="{FF2B5EF4-FFF2-40B4-BE49-F238E27FC236}">
-                <a16:creationId xmlns:a16="http://schemas.microsoft.com/office/drawing/2014/main" id="{C43FF673-B5A8-029E-C66F-C27676D2AD53}"/>
-              </a:ext>
-            </a:extLst>
-          </p:cNvPr>
-          <p:cNvSpPr>
-            <a:spLocks noGrp="1"/>
-          </p:cNvSpPr>
-          <p:nvPr>
-            <p:ph type="ftr" sz="quarter" idx="11"/>
-          </p:nvPr>
-        </p:nvSpPr>
-        <p:spPr/>
-        <p:txBody>
-          <a:bodyPr/>
-          <a:lstStyle/>
-          <a:p>
-            <a:r>
-              <a:rPr lang="en-US"/>
-              <a:t>Production 2 - Data Engineering Fundamentals</a:t>
-            </a:r>
-            <a:endParaRPr lang="en-CA"/>
-          </a:p>
-        </p:txBody>
-      </p:sp>
-      <p:sp>
-        <p:nvSpPr>
-          <p:cNvPr id="7" name="Slide Number Placeholder 6">
-            <a:extLst>
-              <a:ext uri="{FF2B5EF4-FFF2-40B4-BE49-F238E27FC236}">
-                <a16:creationId xmlns:a16="http://schemas.microsoft.com/office/drawing/2014/main" id="{EF933CCE-C4C3-B811-FBF8-B8B2456A3E9D}"/>
+                <a16:creationId xmlns:a16="http://schemas.microsoft.com/office/drawing/2014/main" id="{71EDC2CA-DACF-F808-7F7E-A893012D3A4E}"/>
               </a:ext>
             </a:extLst>
           </p:cNvPr>
@@ -8580,6 +8732,50 @@
               <a:t>27</a:t>
             </a:fld>
             <a:endParaRPr lang="en-CA"/>
+          </a:p>
+        </p:txBody>
+      </p:sp>
+      <p:sp>
+        <p:nvSpPr>
+          <p:cNvPr id="7" name="TextBox 6">
+            <a:extLst>
+              <a:ext uri="{FF2B5EF4-FFF2-40B4-BE49-F238E27FC236}">
+                <a16:creationId xmlns:a16="http://schemas.microsoft.com/office/drawing/2014/main" id="{1413291F-53EB-D21C-851E-60AEC9EE4F71}"/>
+              </a:ext>
+            </a:extLst>
+          </p:cNvPr>
+          <p:cNvSpPr txBox="1"/>
+          <p:nvPr/>
+        </p:nvSpPr>
+        <p:spPr>
+          <a:xfrm>
+            <a:off x="8585199" y="4980215"/>
+            <a:ext cx="2844800" cy="508000"/>
+          </a:xfrm>
+          <a:prstGeom prst="rect">
+            <a:avLst/>
+          </a:prstGeom>
+          <a:noFill/>
+        </p:spPr>
+        <p:txBody>
+          <a:bodyPr/>
+          <a:lstStyle/>
+          <a:p>
+            <a:pPr marL="0" lvl="0" indent="0" algn="ctr">
+              <a:buNone/>
+            </a:pPr>
+            <a:r>
+              <a:rPr sz="1100" dirty="0"/>
+              <a:t>(</a:t>
+            </a:r>
+            <a:r>
+              <a:rPr sz="1100" dirty="0" err="1"/>
+              <a:t>Huyen</a:t>
+            </a:r>
+            <a:r>
+              <a:rPr sz="1100" dirty="0"/>
+              <a:t>, 2022)</a:t>
+            </a:r>
           </a:p>
         </p:txBody>
       </p:sp>
@@ -8618,7 +8814,12 @@
             <p:ph type="title"/>
           </p:nvPr>
         </p:nvSpPr>
-        <p:spPr/>
+        <p:spPr>
+          <a:xfrm>
+            <a:off x="603504" y="767419"/>
+            <a:ext cx="10780776" cy="3355848"/>
+          </a:xfrm>
+        </p:spPr>
         <p:txBody>
           <a:bodyPr/>
           <a:lstStyle/>
@@ -8627,97 +8828,17 @@
               <a:buNone/>
             </a:pPr>
             <a:r>
-              <a:t>Transactional vs Analytical DB</a:t>
-            </a:r>
-          </a:p>
-        </p:txBody>
-      </p:sp>
-      <p:sp>
-        <p:nvSpPr>
-          <p:cNvPr id="3" name="Content Placeholder 2"/>
-          <p:cNvSpPr>
-            <a:spLocks noGrp="1"/>
-          </p:cNvSpPr>
-          <p:nvPr>
-            <p:ph sz="half" idx="1"/>
-          </p:nvPr>
-        </p:nvSpPr>
-        <p:spPr/>
-        <p:txBody>
-          <a:bodyPr>
-            <a:normAutofit fontScale="85000" lnSpcReduction="20000"/>
-          </a:bodyPr>
-          <a:lstStyle/>
-          <a:p>
-            <a:pPr lvl="0"/>
-            <a:r>
-              <a:t>Because transactions are processed as a unit, transactional databases tend to be row-major. They will not generally be the most efficient for questions such as “What is the average price for all rides in September in San Francisco?”</a:t>
-            </a:r>
-          </a:p>
-          <a:p>
-            <a:pPr lvl="0"/>
-            <a:r>
-              <a:t>Analytical databases are efficient with queries that allow us to look at data from different viewpoints. They are usually called On-Line Analytical Processing (OLAP).</a:t>
-            </a:r>
-          </a:p>
-        </p:txBody>
-      </p:sp>
-      <p:sp>
-        <p:nvSpPr>
-          <p:cNvPr id="4" name="Content Placeholder 3"/>
-          <p:cNvSpPr>
-            <a:spLocks noGrp="1"/>
-          </p:cNvSpPr>
-          <p:nvPr>
-            <p:ph sz="half" idx="2"/>
-          </p:nvPr>
-        </p:nvSpPr>
-        <p:spPr/>
-        <p:txBody>
-          <a:bodyPr>
-            <a:normAutofit fontScale="85000" lnSpcReduction="20000"/>
-          </a:bodyPr>
-          <a:lstStyle/>
-          <a:p>
-            <a:pPr marL="0" lvl="0" indent="0">
-              <a:buNone/>
-            </a:pPr>
-            <a:r>
-              <a:t>OLTP and OLAP are terms falling out of use, since the devide is somewhat outdated:</a:t>
-            </a:r>
-          </a:p>
-          <a:p>
-            <a:pPr marL="457200" lvl="0" indent="-457200">
-              <a:buAutoNum type="arabicPeriod"/>
-            </a:pPr>
-            <a:r>
-              <a:t>The separation was due to technological limitations: transactional databases that can handle analytical queries efficiently (e.g., CocroachDB)</a:t>
-            </a:r>
-          </a:p>
-          <a:p>
-            <a:pPr marL="457200" lvl="0" indent="-457200">
-              <a:buAutoNum type="arabicPeriod"/>
-            </a:pPr>
-            <a:r>
-              <a:t>Some solutions now decouple storage and compute (BigQuery, Snowflake, IBM, Teradata).</a:t>
-            </a:r>
-          </a:p>
-          <a:p>
-            <a:pPr marL="457200" lvl="0" indent="-457200">
-              <a:buAutoNum type="arabicPeriod"/>
-            </a:pPr>
-            <a:r>
-              <a:t>“Online” is now an overloaded term that can mean many things.</a:t>
-            </a:r>
-          </a:p>
-        </p:txBody>
-      </p:sp>
-      <p:sp>
-        <p:nvSpPr>
-          <p:cNvPr id="5" name="Date Placeholder 4">
+              <a:t>Data Storage and Processing</a:t>
+            </a:r>
+          </a:p>
+        </p:txBody>
+      </p:sp>
+      <p:sp>
+        <p:nvSpPr>
+          <p:cNvPr id="3" name="Date Placeholder 2">
             <a:extLst>
               <a:ext uri="{FF2B5EF4-FFF2-40B4-BE49-F238E27FC236}">
-                <a16:creationId xmlns:a16="http://schemas.microsoft.com/office/drawing/2014/main" id="{47DB9A00-010F-32CD-AB66-0CC1334729AF}"/>
+                <a16:creationId xmlns:a16="http://schemas.microsoft.com/office/drawing/2014/main" id="{184FE7BB-D002-D84A-F025-B9936D2FFBDE}"/>
               </a:ext>
             </a:extLst>
           </p:cNvPr>
@@ -8742,10 +8863,10 @@
       </p:sp>
       <p:sp>
         <p:nvSpPr>
-          <p:cNvPr id="6" name="Footer Placeholder 5">
+          <p:cNvPr id="4" name="Footer Placeholder 3">
             <a:extLst>
               <a:ext uri="{FF2B5EF4-FFF2-40B4-BE49-F238E27FC236}">
-                <a16:creationId xmlns:a16="http://schemas.microsoft.com/office/drawing/2014/main" id="{3F844C4F-C0C1-CDB2-3CED-4BA8EF187D20}"/>
+                <a16:creationId xmlns:a16="http://schemas.microsoft.com/office/drawing/2014/main" id="{4CDBA28F-D732-AEF3-55FC-2CE5A95DB6E0}"/>
               </a:ext>
             </a:extLst>
           </p:cNvPr>
@@ -8762,19 +8883,18 @@
           <a:lstStyle/>
           <a:p>
             <a:r>
-              <a:rPr lang="en-US"/>
-              <a:t>Production 2 - Data Engineering Fundamentals</a:t>
-            </a:r>
-            <a:endParaRPr lang="en-CA"/>
-          </a:p>
-        </p:txBody>
-      </p:sp>
-      <p:sp>
-        <p:nvSpPr>
-          <p:cNvPr id="7" name="Slide Number Placeholder 6">
+              <a:rPr lang="en-CA"/>
+              <a:t>Production 2 - Data Engineering</a:t>
+            </a:r>
+          </a:p>
+        </p:txBody>
+      </p:sp>
+      <p:sp>
+        <p:nvSpPr>
+          <p:cNvPr id="5" name="Slide Number Placeholder 4">
             <a:extLst>
               <a:ext uri="{FF2B5EF4-FFF2-40B4-BE49-F238E27FC236}">
-                <a16:creationId xmlns:a16="http://schemas.microsoft.com/office/drawing/2014/main" id="{15A51AFC-6FF0-2290-064E-8B8874A7F5EB}"/>
+                <a16:creationId xmlns:a16="http://schemas.microsoft.com/office/drawing/2014/main" id="{A4AA1845-C417-7ADC-AA47-AAC720238A3A}"/>
               </a:ext>
             </a:extLst>
           </p:cNvPr>
@@ -8842,7 +8962,7 @@
               <a:buNone/>
             </a:pPr>
             <a:r>
-              <a:t>ETL: Extract Transform, and Load</a:t>
+              <a:t>Data Storage and Processing</a:t>
             </a:r>
           </a:p>
         </p:txBody>
@@ -8860,33 +8980,35 @@
         <p:spPr/>
         <p:txBody>
           <a:bodyPr>
-            <a:normAutofit fontScale="70000" lnSpcReduction="20000"/>
+            <a:normAutofit fontScale="62500" lnSpcReduction="20000"/>
           </a:bodyPr>
           <a:lstStyle/>
           <a:p>
-            <a:pPr marL="0" lvl="0" indent="0">
-              <a:buNone/>
-            </a:pPr>
-            <a:r>
-              <a:t>ETL is the process of extracting data from one or several sources, transforming it to the shape that an application or model requires it, and loading it to a desired destination.</a:t>
-            </a:r>
-          </a:p>
-          <a:p>
-            <a:pPr lvl="0"/>
-            <a:r>
-              <a:t>Extract the data from all data sources, including validating and rejecting data that does not meet requirements. Notify sources of rejected data.</a:t>
-            </a:r>
-          </a:p>
-          <a:p>
-            <a:pPr lvl="0"/>
-            <a:r>
-              <a:t>Transform the data through different operations: join, filter, standardization, etc.</a:t>
-            </a:r>
-          </a:p>
-          <a:p>
-            <a:pPr lvl="0"/>
-            <a:r>
-              <a:t>Load is deciding how and how often to load the transformed data into the destination (a file, a database, or a data warehouse).</a:t>
+            <a:pPr lvl="0"/>
+            <a:r>
+              <a:rPr dirty="0"/>
+              <a:t>Databases are storage engines that implement how data is stored and retrieved on machines.</a:t>
+            </a:r>
+          </a:p>
+          <a:p>
+            <a:pPr lvl="0"/>
+            <a:r>
+              <a:rPr dirty="0"/>
+              <a:t>Typically, databases are optimized for transactional processing or analytical processing.</a:t>
+            </a:r>
+          </a:p>
+          <a:p>
+            <a:pPr lvl="0"/>
+            <a:r>
+              <a:rPr dirty="0"/>
+              <a:t>A transaction is any action: buy/sell, a tweet, ordering a ride, uploading a new model, or watching YouTube.</a:t>
+            </a:r>
+          </a:p>
+          <a:p>
+            <a:pPr lvl="0"/>
+            <a:r>
+              <a:rPr dirty="0"/>
+              <a:t>On-Line Transaction Processing (OLTP): transactions are inserted into the database as they are generated. Occasionally, they can be updated.</a:t>
             </a:r>
           </a:p>
         </p:txBody>
@@ -8904,25 +9026,64 @@
         <p:spPr/>
         <p:txBody>
           <a:bodyPr>
-            <a:normAutofit fontScale="70000" lnSpcReduction="20000"/>
+            <a:normAutofit fontScale="62500" lnSpcReduction="20000"/>
           </a:bodyPr>
           <a:lstStyle/>
           <a:p>
             <a:pPr lvl="0"/>
             <a:r>
-              <a:t>Schema on read forces app developers to determine the schema in advance.</a:t>
-            </a:r>
-          </a:p>
-          <a:p>
-            <a:pPr lvl="0"/>
-            <a:r>
-              <a:t>Data acquisition grows rapidly and storage is inexpensive.</a:t>
-            </a:r>
-          </a:p>
-          <a:p>
-            <a:pPr lvl="0"/>
-            <a:r>
-              <a:t>Some companies invested in a store-all-the-data strategy.</a:t>
+              <a:rPr dirty="0"/>
+              <a:t>Transactional databases are designed to maintain low latency and high availability.</a:t>
+            </a:r>
+          </a:p>
+          <a:p>
+            <a:pPr lvl="0"/>
+            <a:r>
+              <a:rPr dirty="0"/>
+              <a:t>Transactional databases usually offer ACID guarantees:</a:t>
+            </a:r>
+          </a:p>
+          <a:p>
+            <a:pPr lvl="1"/>
+            <a:r>
+              <a:rPr dirty="0"/>
+              <a:t>Atomicity: all steps in a transaction are completed successfully as a group. If one step fails, all fail.</a:t>
+            </a:r>
+          </a:p>
+          <a:p>
+            <a:pPr lvl="1"/>
+            <a:r>
+              <a:rPr dirty="0"/>
+              <a:t>Consistency: all transactions coming through must follow predefined rules.</a:t>
+            </a:r>
+          </a:p>
+          <a:p>
+            <a:pPr lvl="1"/>
+            <a:r>
+              <a:rPr dirty="0"/>
+              <a:t>Isolation: two transactions happen at the same time as if they were isolated. Two users accessing the same data will not change it at the same time.</a:t>
+            </a:r>
+          </a:p>
+          <a:p>
+            <a:pPr lvl="1"/>
+            <a:r>
+              <a:rPr dirty="0"/>
+              <a:t>Durability: once a transaction has been committed, it will remain committed even in the case of system failure.</a:t>
+            </a:r>
+          </a:p>
+          <a:p>
+            <a:pPr lvl="0"/>
+            <a:r>
+              <a:rPr dirty="0"/>
+              <a:t>Some transactional databases do not offer ACID, but BASE: “Basically Available, Soft state, and Eventual consistency.” (</a:t>
+            </a:r>
+            <a:r>
+              <a:rPr dirty="0" err="1"/>
+              <a:t>Kleppmann</a:t>
+            </a:r>
+            <a:r>
+              <a:rPr dirty="0"/>
+              <a:t>, 2017)</a:t>
             </a:r>
           </a:p>
         </p:txBody>
@@ -8932,7 +9093,7 @@
           <p:cNvPr id="5" name="Date Placeholder 4">
             <a:extLst>
               <a:ext uri="{FF2B5EF4-FFF2-40B4-BE49-F238E27FC236}">
-                <a16:creationId xmlns:a16="http://schemas.microsoft.com/office/drawing/2014/main" id="{D6CDA8A7-4102-1E9F-DC05-EED692B02F07}"/>
+                <a16:creationId xmlns:a16="http://schemas.microsoft.com/office/drawing/2014/main" id="{8108F936-5A98-8714-5E8E-F99D011864C6}"/>
               </a:ext>
             </a:extLst>
           </p:cNvPr>
@@ -8949,7 +9110,7 @@
           <a:lstStyle/>
           <a:p>
             <a:r>
-              <a:rPr lang="en-CA"/>
+              <a:rPr lang="en-CA" dirty="0"/>
               <a:t>February 2024</a:t>
             </a:r>
           </a:p>
@@ -8960,7 +9121,7 @@
           <p:cNvPr id="6" name="Footer Placeholder 5">
             <a:extLst>
               <a:ext uri="{FF2B5EF4-FFF2-40B4-BE49-F238E27FC236}">
-                <a16:creationId xmlns:a16="http://schemas.microsoft.com/office/drawing/2014/main" id="{D0F425AB-E049-A0CC-0DCF-F30AD8B1364C}"/>
+                <a16:creationId xmlns:a16="http://schemas.microsoft.com/office/drawing/2014/main" id="{66C8EB1E-AF6A-BBAE-AC6B-F51DC3E780AA}"/>
               </a:ext>
             </a:extLst>
           </p:cNvPr>
@@ -8977,10 +9138,9 @@
           <a:lstStyle/>
           <a:p>
             <a:r>
-              <a:rPr lang="en-US"/>
-              <a:t>Production 2 - Data Engineering Fundamentals</a:t>
-            </a:r>
-            <a:endParaRPr lang="en-CA"/>
+              <a:rPr lang="en-CA"/>
+              <a:t>Production 2 - Data Engineering</a:t>
+            </a:r>
           </a:p>
         </p:txBody>
       </p:sp>
@@ -8989,7 +9149,7 @@
           <p:cNvPr id="7" name="Slide Number Placeholder 6">
             <a:extLst>
               <a:ext uri="{FF2B5EF4-FFF2-40B4-BE49-F238E27FC236}">
-                <a16:creationId xmlns:a16="http://schemas.microsoft.com/office/drawing/2014/main" id="{51CCC4E6-6CEA-2F9B-393D-F1AC5CB2C04E}"/>
+                <a16:creationId xmlns:a16="http://schemas.microsoft.com/office/drawing/2014/main" id="{88013D26-BC9E-FB29-A12F-EEEB6D4D54D1}"/>
               </a:ext>
             </a:extLst>
           </p:cNvPr>
@@ -9173,7 +9333,7 @@
           <a:p>
             <a:pPr lvl="0"/>
             <a:r>
-              <a:t>Schemas and index in dask.</a:t>
+              <a:t>Schemas and index in Dask.</a:t>
             </a:r>
           </a:p>
           <a:p>
@@ -9195,7 +9355,7 @@
           <p:cNvPr id="5" name="Date Placeholder 4">
             <a:extLst>
               <a:ext uri="{FF2B5EF4-FFF2-40B4-BE49-F238E27FC236}">
-                <a16:creationId xmlns:a16="http://schemas.microsoft.com/office/drawing/2014/main" id="{2BA23D03-B2B1-8B60-4C61-804F6E336A18}"/>
+                <a16:creationId xmlns:a16="http://schemas.microsoft.com/office/drawing/2014/main" id="{E801E25B-0E24-10F6-064A-B228769D0C2C}"/>
               </a:ext>
             </a:extLst>
           </p:cNvPr>
@@ -9223,7 +9383,7 @@
           <p:cNvPr id="6" name="Footer Placeholder 5">
             <a:extLst>
               <a:ext uri="{FF2B5EF4-FFF2-40B4-BE49-F238E27FC236}">
-                <a16:creationId xmlns:a16="http://schemas.microsoft.com/office/drawing/2014/main" id="{12BAE01E-9B94-23D0-7FA9-C3082E2112FD}"/>
+                <a16:creationId xmlns:a16="http://schemas.microsoft.com/office/drawing/2014/main" id="{2AE962A2-0F4A-834E-A0DB-C32E6EDA4FC4}"/>
               </a:ext>
             </a:extLst>
           </p:cNvPr>
@@ -9240,10 +9400,9 @@
           <a:lstStyle/>
           <a:p>
             <a:r>
-              <a:rPr lang="en-US"/>
-              <a:t>Production 2 - Data Engineering Fundamentals</a:t>
-            </a:r>
-            <a:endParaRPr lang="en-CA"/>
+              <a:rPr lang="en-CA"/>
+              <a:t>Production 2 - Data Engineering</a:t>
+            </a:r>
           </a:p>
         </p:txBody>
       </p:sp>
@@ -9252,7 +9411,7 @@
           <p:cNvPr id="7" name="Slide Number Placeholder 6">
             <a:extLst>
               <a:ext uri="{FF2B5EF4-FFF2-40B4-BE49-F238E27FC236}">
-                <a16:creationId xmlns:a16="http://schemas.microsoft.com/office/drawing/2014/main" id="{AF0EC9CD-7C7C-4405-F80B-8E44747342B7}"/>
+                <a16:creationId xmlns:a16="http://schemas.microsoft.com/office/drawing/2014/main" id="{F9D5C764-B01D-6711-9E73-E016A3975CAA}"/>
               </a:ext>
             </a:extLst>
           </p:cNvPr>
@@ -9285,6 +9444,434 @@
 </file>
 
 <file path=ppt/slides/slide30.xml><?xml version="1.0" encoding="utf-8"?>
+<p:sld xmlns:a="http://schemas.openxmlformats.org/drawingml/2006/main" xmlns:r="http://schemas.openxmlformats.org/officeDocument/2006/relationships" xmlns:p="http://schemas.openxmlformats.org/presentationml/2006/main">
+  <p:cSld>
+    <p:spTree>
+      <p:nvGrpSpPr>
+        <p:cNvPr id="1" name=""/>
+        <p:cNvGrpSpPr/>
+        <p:nvPr/>
+      </p:nvGrpSpPr>
+      <p:grpSpPr>
+        <a:xfrm>
+          <a:off x="0" y="0"/>
+          <a:ext cx="0" cy="0"/>
+          <a:chOff x="0" y="0"/>
+          <a:chExt cx="0" cy="0"/>
+        </a:xfrm>
+      </p:grpSpPr>
+      <p:sp>
+        <p:nvSpPr>
+          <p:cNvPr id="2" name="Title 1"/>
+          <p:cNvSpPr>
+            <a:spLocks noGrp="1"/>
+          </p:cNvSpPr>
+          <p:nvPr>
+            <p:ph type="title"/>
+          </p:nvPr>
+        </p:nvSpPr>
+        <p:spPr/>
+        <p:txBody>
+          <a:bodyPr/>
+          <a:lstStyle/>
+          <a:p>
+            <a:pPr marL="0" lvl="0" indent="0">
+              <a:buNone/>
+            </a:pPr>
+            <a:r>
+              <a:t>Transactional vs Analytical DB</a:t>
+            </a:r>
+          </a:p>
+        </p:txBody>
+      </p:sp>
+      <p:sp>
+        <p:nvSpPr>
+          <p:cNvPr id="3" name="Content Placeholder 2"/>
+          <p:cNvSpPr>
+            <a:spLocks noGrp="1"/>
+          </p:cNvSpPr>
+          <p:nvPr>
+            <p:ph sz="half" idx="1"/>
+          </p:nvPr>
+        </p:nvSpPr>
+        <p:spPr/>
+        <p:txBody>
+          <a:bodyPr>
+            <a:normAutofit fontScale="85000" lnSpcReduction="20000"/>
+          </a:bodyPr>
+          <a:lstStyle/>
+          <a:p>
+            <a:pPr lvl="0"/>
+            <a:r>
+              <a:t>Because transactions are processed as a unit, transactional databases tend to be row-major. They will not generally be the most efficient for questions such as “What is the average price for all rides in September in San Francisco?”</a:t>
+            </a:r>
+          </a:p>
+          <a:p>
+            <a:pPr lvl="0"/>
+            <a:r>
+              <a:t>Analytical databases are efficient with queries that allow us to look at data from different viewpoints. They are usually called On-Line Analytical Processing (OLAP).</a:t>
+            </a:r>
+          </a:p>
+        </p:txBody>
+      </p:sp>
+      <p:sp>
+        <p:nvSpPr>
+          <p:cNvPr id="4" name="Content Placeholder 3"/>
+          <p:cNvSpPr>
+            <a:spLocks noGrp="1"/>
+          </p:cNvSpPr>
+          <p:nvPr>
+            <p:ph sz="half" idx="2"/>
+          </p:nvPr>
+        </p:nvSpPr>
+        <p:spPr/>
+        <p:txBody>
+          <a:bodyPr>
+            <a:normAutofit fontScale="85000" lnSpcReduction="20000"/>
+          </a:bodyPr>
+          <a:lstStyle/>
+          <a:p>
+            <a:pPr marL="0" lvl="0" indent="0">
+              <a:buNone/>
+            </a:pPr>
+            <a:r>
+              <a:t>OLTP and OLAP are terms falling out of use, since the devide is somewhat outdated:</a:t>
+            </a:r>
+          </a:p>
+          <a:p>
+            <a:pPr marL="457200" lvl="0" indent="-457200">
+              <a:buAutoNum type="arabicPeriod"/>
+            </a:pPr>
+            <a:r>
+              <a:t>The separation was due to technological limitations: transactional databases that can handle analytical queries efficiently (e.g., CocroachDB)</a:t>
+            </a:r>
+          </a:p>
+          <a:p>
+            <a:pPr marL="457200" lvl="0" indent="-457200">
+              <a:buAutoNum type="arabicPeriod"/>
+            </a:pPr>
+            <a:r>
+              <a:t>Some solutions now decouple storage and compute (BigQuery, Snowflake, IBM, Teradata).</a:t>
+            </a:r>
+          </a:p>
+          <a:p>
+            <a:pPr marL="457200" lvl="0" indent="-457200">
+              <a:buAutoNum type="arabicPeriod"/>
+            </a:pPr>
+            <a:r>
+              <a:t>“Online” is now an overloaded term that can mean many things.</a:t>
+            </a:r>
+          </a:p>
+        </p:txBody>
+      </p:sp>
+      <p:sp>
+        <p:nvSpPr>
+          <p:cNvPr id="5" name="Date Placeholder 4">
+            <a:extLst>
+              <a:ext uri="{FF2B5EF4-FFF2-40B4-BE49-F238E27FC236}">
+                <a16:creationId xmlns:a16="http://schemas.microsoft.com/office/drawing/2014/main" id="{C7FB24BB-CF49-BD11-C1AD-450C2A8C70AA}"/>
+              </a:ext>
+            </a:extLst>
+          </p:cNvPr>
+          <p:cNvSpPr>
+            <a:spLocks noGrp="1"/>
+          </p:cNvSpPr>
+          <p:nvPr>
+            <p:ph type="dt" sz="half" idx="10"/>
+          </p:nvPr>
+        </p:nvSpPr>
+        <p:spPr/>
+        <p:txBody>
+          <a:bodyPr/>
+          <a:lstStyle/>
+          <a:p>
+            <a:r>
+              <a:rPr lang="en-CA"/>
+              <a:t>February 2024</a:t>
+            </a:r>
+          </a:p>
+        </p:txBody>
+      </p:sp>
+      <p:sp>
+        <p:nvSpPr>
+          <p:cNvPr id="6" name="Footer Placeholder 5">
+            <a:extLst>
+              <a:ext uri="{FF2B5EF4-FFF2-40B4-BE49-F238E27FC236}">
+                <a16:creationId xmlns:a16="http://schemas.microsoft.com/office/drawing/2014/main" id="{5EBF534E-AA10-D1BE-A6E0-A8CF9316C86F}"/>
+              </a:ext>
+            </a:extLst>
+          </p:cNvPr>
+          <p:cNvSpPr>
+            <a:spLocks noGrp="1"/>
+          </p:cNvSpPr>
+          <p:nvPr>
+            <p:ph type="ftr" sz="quarter" idx="11"/>
+          </p:nvPr>
+        </p:nvSpPr>
+        <p:spPr/>
+        <p:txBody>
+          <a:bodyPr/>
+          <a:lstStyle/>
+          <a:p>
+            <a:r>
+              <a:rPr lang="en-CA"/>
+              <a:t>Production 2 - Data Engineering</a:t>
+            </a:r>
+          </a:p>
+        </p:txBody>
+      </p:sp>
+      <p:sp>
+        <p:nvSpPr>
+          <p:cNvPr id="7" name="Slide Number Placeholder 6">
+            <a:extLst>
+              <a:ext uri="{FF2B5EF4-FFF2-40B4-BE49-F238E27FC236}">
+                <a16:creationId xmlns:a16="http://schemas.microsoft.com/office/drawing/2014/main" id="{75E2BBA3-BE79-0F13-08FF-E3843C4073C5}"/>
+              </a:ext>
+            </a:extLst>
+          </p:cNvPr>
+          <p:cNvSpPr>
+            <a:spLocks noGrp="1"/>
+          </p:cNvSpPr>
+          <p:nvPr>
+            <p:ph type="sldNum" sz="quarter" idx="12"/>
+          </p:nvPr>
+        </p:nvSpPr>
+        <p:spPr/>
+        <p:txBody>
+          <a:bodyPr/>
+          <a:lstStyle/>
+          <a:p>
+            <a:fld id="{4F4BDF5D-830C-4829-B676-EE421164B1C8}" type="slidenum">
+              <a:rPr lang="en-CA" smtClean="0"/>
+              <a:t>30</a:t>
+            </a:fld>
+            <a:endParaRPr lang="en-CA"/>
+          </a:p>
+        </p:txBody>
+      </p:sp>
+    </p:spTree>
+  </p:cSld>
+  <p:clrMapOvr>
+    <a:masterClrMapping/>
+  </p:clrMapOvr>
+</p:sld>
+</file>
+
+<file path=ppt/slides/slide31.xml><?xml version="1.0" encoding="utf-8"?>
+<p:sld xmlns:a="http://schemas.openxmlformats.org/drawingml/2006/main" xmlns:r="http://schemas.openxmlformats.org/officeDocument/2006/relationships" xmlns:p="http://schemas.openxmlformats.org/presentationml/2006/main">
+  <p:cSld>
+    <p:spTree>
+      <p:nvGrpSpPr>
+        <p:cNvPr id="1" name=""/>
+        <p:cNvGrpSpPr/>
+        <p:nvPr/>
+      </p:nvGrpSpPr>
+      <p:grpSpPr>
+        <a:xfrm>
+          <a:off x="0" y="0"/>
+          <a:ext cx="0" cy="0"/>
+          <a:chOff x="0" y="0"/>
+          <a:chExt cx="0" cy="0"/>
+        </a:xfrm>
+      </p:grpSpPr>
+      <p:sp>
+        <p:nvSpPr>
+          <p:cNvPr id="2" name="Title 1"/>
+          <p:cNvSpPr>
+            <a:spLocks noGrp="1"/>
+          </p:cNvSpPr>
+          <p:nvPr>
+            <p:ph type="title"/>
+          </p:nvPr>
+        </p:nvSpPr>
+        <p:spPr/>
+        <p:txBody>
+          <a:bodyPr/>
+          <a:lstStyle/>
+          <a:p>
+            <a:pPr marL="0" lvl="0" indent="0">
+              <a:buNone/>
+            </a:pPr>
+            <a:r>
+              <a:t>ETL: Extract Transform, and Load</a:t>
+            </a:r>
+          </a:p>
+        </p:txBody>
+      </p:sp>
+      <p:sp>
+        <p:nvSpPr>
+          <p:cNvPr id="3" name="Content Placeholder 2"/>
+          <p:cNvSpPr>
+            <a:spLocks noGrp="1"/>
+          </p:cNvSpPr>
+          <p:nvPr>
+            <p:ph sz="half" idx="1"/>
+          </p:nvPr>
+        </p:nvSpPr>
+        <p:spPr/>
+        <p:txBody>
+          <a:bodyPr>
+            <a:normAutofit fontScale="70000" lnSpcReduction="20000"/>
+          </a:bodyPr>
+          <a:lstStyle/>
+          <a:p>
+            <a:pPr marL="0" lvl="0" indent="0">
+              <a:buNone/>
+            </a:pPr>
+            <a:r>
+              <a:t>ETL is the process of extracting data from one or several sources, transforming it to the shape that an application or model requires it, and loading it to a desired destination.</a:t>
+            </a:r>
+          </a:p>
+          <a:p>
+            <a:pPr lvl="0"/>
+            <a:r>
+              <a:t>Extract the data from all data sources, including validating and rejecting data that does not meet requirements. Notify sources of rejected data.</a:t>
+            </a:r>
+          </a:p>
+          <a:p>
+            <a:pPr lvl="0"/>
+            <a:r>
+              <a:t>Transform the data through different operations: join, filter, standardization, etc.</a:t>
+            </a:r>
+          </a:p>
+          <a:p>
+            <a:pPr lvl="0"/>
+            <a:r>
+              <a:t>Load is deciding how and how often to load the transformed data into the destination (a file, a database, or a data warehouse).</a:t>
+            </a:r>
+          </a:p>
+        </p:txBody>
+      </p:sp>
+      <p:sp>
+        <p:nvSpPr>
+          <p:cNvPr id="4" name="Content Placeholder 3"/>
+          <p:cNvSpPr>
+            <a:spLocks noGrp="1"/>
+          </p:cNvSpPr>
+          <p:nvPr>
+            <p:ph sz="half" idx="2"/>
+          </p:nvPr>
+        </p:nvSpPr>
+        <p:spPr/>
+        <p:txBody>
+          <a:bodyPr>
+            <a:normAutofit fontScale="70000" lnSpcReduction="20000"/>
+          </a:bodyPr>
+          <a:lstStyle/>
+          <a:p>
+            <a:pPr lvl="0"/>
+            <a:r>
+              <a:t>Schema on read forces app developers to determine the schema in advance.</a:t>
+            </a:r>
+          </a:p>
+          <a:p>
+            <a:pPr lvl="0"/>
+            <a:r>
+              <a:t>Data acquisition grows rapidly and storage is inexpensive.</a:t>
+            </a:r>
+          </a:p>
+          <a:p>
+            <a:pPr lvl="0"/>
+            <a:r>
+              <a:t>Some companies invested in a store-all-the-data strategy.</a:t>
+            </a:r>
+          </a:p>
+        </p:txBody>
+      </p:sp>
+      <p:sp>
+        <p:nvSpPr>
+          <p:cNvPr id="5" name="Date Placeholder 4">
+            <a:extLst>
+              <a:ext uri="{FF2B5EF4-FFF2-40B4-BE49-F238E27FC236}">
+                <a16:creationId xmlns:a16="http://schemas.microsoft.com/office/drawing/2014/main" id="{6BFC94F7-58F2-A94D-3BAD-D0F83B1BD186}"/>
+              </a:ext>
+            </a:extLst>
+          </p:cNvPr>
+          <p:cNvSpPr>
+            <a:spLocks noGrp="1"/>
+          </p:cNvSpPr>
+          <p:nvPr>
+            <p:ph type="dt" sz="half" idx="10"/>
+          </p:nvPr>
+        </p:nvSpPr>
+        <p:spPr/>
+        <p:txBody>
+          <a:bodyPr/>
+          <a:lstStyle/>
+          <a:p>
+            <a:r>
+              <a:rPr lang="en-CA"/>
+              <a:t>February 2024</a:t>
+            </a:r>
+          </a:p>
+        </p:txBody>
+      </p:sp>
+      <p:sp>
+        <p:nvSpPr>
+          <p:cNvPr id="6" name="Footer Placeholder 5">
+            <a:extLst>
+              <a:ext uri="{FF2B5EF4-FFF2-40B4-BE49-F238E27FC236}">
+                <a16:creationId xmlns:a16="http://schemas.microsoft.com/office/drawing/2014/main" id="{EC4E1F90-B99B-0A4E-53E2-D9CE31829172}"/>
+              </a:ext>
+            </a:extLst>
+          </p:cNvPr>
+          <p:cNvSpPr>
+            <a:spLocks noGrp="1"/>
+          </p:cNvSpPr>
+          <p:nvPr>
+            <p:ph type="ftr" sz="quarter" idx="11"/>
+          </p:nvPr>
+        </p:nvSpPr>
+        <p:spPr/>
+        <p:txBody>
+          <a:bodyPr/>
+          <a:lstStyle/>
+          <a:p>
+            <a:r>
+              <a:rPr lang="en-CA"/>
+              <a:t>Production 2 - Data Engineering</a:t>
+            </a:r>
+          </a:p>
+        </p:txBody>
+      </p:sp>
+      <p:sp>
+        <p:nvSpPr>
+          <p:cNvPr id="7" name="Slide Number Placeholder 6">
+            <a:extLst>
+              <a:ext uri="{FF2B5EF4-FFF2-40B4-BE49-F238E27FC236}">
+                <a16:creationId xmlns:a16="http://schemas.microsoft.com/office/drawing/2014/main" id="{CFDF2B9C-F6E1-0893-978D-0896D9485F12}"/>
+              </a:ext>
+            </a:extLst>
+          </p:cNvPr>
+          <p:cNvSpPr>
+            <a:spLocks noGrp="1"/>
+          </p:cNvSpPr>
+          <p:nvPr>
+            <p:ph type="sldNum" sz="quarter" idx="12"/>
+          </p:nvPr>
+        </p:nvSpPr>
+        <p:spPr/>
+        <p:txBody>
+          <a:bodyPr/>
+          <a:lstStyle/>
+          <a:p>
+            <a:fld id="{4F4BDF5D-830C-4829-B676-EE421164B1C8}" type="slidenum">
+              <a:rPr lang="en-CA" smtClean="0"/>
+              <a:t>31</a:t>
+            </a:fld>
+            <a:endParaRPr lang="en-CA"/>
+          </a:p>
+        </p:txBody>
+      </p:sp>
+    </p:spTree>
+  </p:cSld>
+  <p:clrMapOvr>
+    <a:masterClrMapping/>
+  </p:clrMapOvr>
+</p:sld>
+</file>
+
+<file path=ppt/slides/slide32.xml><?xml version="1.0" encoding="utf-8"?>
 <p:sld xmlns:a="http://schemas.openxmlformats.org/drawingml/2006/main" xmlns:r="http://schemas.openxmlformats.org/officeDocument/2006/relationships" xmlns:p="http://schemas.openxmlformats.org/presentationml/2006/main">
   <p:cSld>
     <p:spTree>
@@ -9360,7 +9947,7 @@
           <p:cNvPr id="4" name="Date Placeholder 3">
             <a:extLst>
               <a:ext uri="{FF2B5EF4-FFF2-40B4-BE49-F238E27FC236}">
-                <a16:creationId xmlns:a16="http://schemas.microsoft.com/office/drawing/2014/main" id="{6A2A3A6B-7980-01E8-78E6-4DB0F200A997}"/>
+                <a16:creationId xmlns:a16="http://schemas.microsoft.com/office/drawing/2014/main" id="{C494C653-35DE-84B0-C96A-C6C36E3000CF}"/>
               </a:ext>
             </a:extLst>
           </p:cNvPr>
@@ -9388,7 +9975,7 @@
           <p:cNvPr id="5" name="Footer Placeholder 4">
             <a:extLst>
               <a:ext uri="{FF2B5EF4-FFF2-40B4-BE49-F238E27FC236}">
-                <a16:creationId xmlns:a16="http://schemas.microsoft.com/office/drawing/2014/main" id="{A705FB13-1550-7344-0C2F-77503A4F8822}"/>
+                <a16:creationId xmlns:a16="http://schemas.microsoft.com/office/drawing/2014/main" id="{8E8D9ED6-54D1-3F91-55A4-B31034FC19BD}"/>
               </a:ext>
             </a:extLst>
           </p:cNvPr>
@@ -9405,10 +9992,9 @@
           <a:lstStyle/>
           <a:p>
             <a:r>
-              <a:rPr lang="en-US"/>
-              <a:t>Production 2 - Data Engineering Fundamentals</a:t>
-            </a:r>
-            <a:endParaRPr lang="en-CA"/>
+              <a:rPr lang="en-CA"/>
+              <a:t>Production 2 - Data Engineering</a:t>
+            </a:r>
           </a:p>
         </p:txBody>
       </p:sp>
@@ -9417,7 +10003,7 @@
           <p:cNvPr id="6" name="Slide Number Placeholder 5">
             <a:extLst>
               <a:ext uri="{FF2B5EF4-FFF2-40B4-BE49-F238E27FC236}">
-                <a16:creationId xmlns:a16="http://schemas.microsoft.com/office/drawing/2014/main" id="{68CAF1E2-0D09-F281-BC12-1583CF27AA31}"/>
+                <a16:creationId xmlns:a16="http://schemas.microsoft.com/office/drawing/2014/main" id="{9212DCB5-33F3-0137-6DF7-27F908097369}"/>
               </a:ext>
             </a:extLst>
           </p:cNvPr>
@@ -9435,7 +10021,7 @@
           <a:p>
             <a:fld id="{4F4BDF5D-830C-4829-B676-EE421164B1C8}" type="slidenum">
               <a:rPr lang="en-CA" smtClean="0"/>
-              <a:t>30</a:t>
+              <a:t>32</a:t>
             </a:fld>
             <a:endParaRPr lang="en-CA"/>
           </a:p>
@@ -9449,7 +10035,7 @@
 </p:sld>
 </file>
 
-<file path=ppt/slides/slide31.xml><?xml version="1.0" encoding="utf-8"?>
+<file path=ppt/slides/slide33.xml><?xml version="1.0" encoding="utf-8"?>
 <p:sld xmlns:a="http://schemas.openxmlformats.org/drawingml/2006/main" xmlns:r="http://schemas.openxmlformats.org/officeDocument/2006/relationships" xmlns:p="http://schemas.openxmlformats.org/presentationml/2006/main">
   <p:cSld>
     <p:spTree>
@@ -9579,7 +10165,7 @@
           <p:cNvPr id="5" name="Date Placeholder 4">
             <a:extLst>
               <a:ext uri="{FF2B5EF4-FFF2-40B4-BE49-F238E27FC236}">
-                <a16:creationId xmlns:a16="http://schemas.microsoft.com/office/drawing/2014/main" id="{7A1C3791-C026-AD8A-893A-837849978B1B}"/>
+                <a16:creationId xmlns:a16="http://schemas.microsoft.com/office/drawing/2014/main" id="{F88BCFE8-443F-A874-56EF-A2AFBDA12BB5}"/>
               </a:ext>
             </a:extLst>
           </p:cNvPr>
@@ -9607,7 +10193,7 @@
           <p:cNvPr id="6" name="Footer Placeholder 5">
             <a:extLst>
               <a:ext uri="{FF2B5EF4-FFF2-40B4-BE49-F238E27FC236}">
-                <a16:creationId xmlns:a16="http://schemas.microsoft.com/office/drawing/2014/main" id="{9AE20B60-EC59-CC6B-6672-A7AE68E77D8F}"/>
+                <a16:creationId xmlns:a16="http://schemas.microsoft.com/office/drawing/2014/main" id="{1D7E8B77-8F2F-8192-15E9-B14BC8C9B4B7}"/>
               </a:ext>
             </a:extLst>
           </p:cNvPr>
@@ -9624,10 +10210,9 @@
           <a:lstStyle/>
           <a:p>
             <a:r>
-              <a:rPr lang="en-US"/>
-              <a:t>Production 2 - Data Engineering Fundamentals</a:t>
-            </a:r>
-            <a:endParaRPr lang="en-CA"/>
+              <a:rPr lang="en-CA"/>
+              <a:t>Production 2 - Data Engineering</a:t>
+            </a:r>
           </a:p>
         </p:txBody>
       </p:sp>
@@ -9636,7 +10221,7 @@
           <p:cNvPr id="7" name="Slide Number Placeholder 6">
             <a:extLst>
               <a:ext uri="{FF2B5EF4-FFF2-40B4-BE49-F238E27FC236}">
-                <a16:creationId xmlns:a16="http://schemas.microsoft.com/office/drawing/2014/main" id="{2069DABC-C5EC-306D-012B-91D790E405D6}"/>
+                <a16:creationId xmlns:a16="http://schemas.microsoft.com/office/drawing/2014/main" id="{8ACE4490-3B1D-E770-B225-B84498A11DFF}"/>
               </a:ext>
             </a:extLst>
           </p:cNvPr>
@@ -9654,7 +10239,7 @@
           <a:p>
             <a:fld id="{4F4BDF5D-830C-4829-B676-EE421164B1C8}" type="slidenum">
               <a:rPr lang="en-CA" smtClean="0"/>
-              <a:t>31</a:t>
+              <a:t>33</a:t>
             </a:fld>
             <a:endParaRPr lang="en-CA"/>
           </a:p>
@@ -9668,7 +10253,7 @@
 </p:sld>
 </file>
 
-<file path=ppt/slides/slide32.xml><?xml version="1.0" encoding="utf-8"?>
+<file path=ppt/slides/slide34.xml><?xml version="1.0" encoding="utf-8"?>
 <p:sld xmlns:a="http://schemas.openxmlformats.org/drawingml/2006/main" xmlns:r="http://schemas.openxmlformats.org/officeDocument/2006/relationships" xmlns:p="http://schemas.openxmlformats.org/presentationml/2006/main">
   <p:cSld>
     <p:spTree>
@@ -9744,7 +10329,7 @@
           <p:cNvPr id="4" name="Date Placeholder 3">
             <a:extLst>
               <a:ext uri="{FF2B5EF4-FFF2-40B4-BE49-F238E27FC236}">
-                <a16:creationId xmlns:a16="http://schemas.microsoft.com/office/drawing/2014/main" id="{66FD332D-0D2E-3DB4-BACC-EFA5078A2997}"/>
+                <a16:creationId xmlns:a16="http://schemas.microsoft.com/office/drawing/2014/main" id="{E0C74BC6-5B32-73E4-9B15-36D911B0D475}"/>
               </a:ext>
             </a:extLst>
           </p:cNvPr>
@@ -9772,7 +10357,7 @@
           <p:cNvPr id="5" name="Footer Placeholder 4">
             <a:extLst>
               <a:ext uri="{FF2B5EF4-FFF2-40B4-BE49-F238E27FC236}">
-                <a16:creationId xmlns:a16="http://schemas.microsoft.com/office/drawing/2014/main" id="{2C00CB47-6923-7918-A46A-085859893E17}"/>
+                <a16:creationId xmlns:a16="http://schemas.microsoft.com/office/drawing/2014/main" id="{652166A0-EB89-DDC5-3F57-4A398F5A7965}"/>
               </a:ext>
             </a:extLst>
           </p:cNvPr>
@@ -9789,10 +10374,9 @@
           <a:lstStyle/>
           <a:p>
             <a:r>
-              <a:rPr lang="en-US"/>
-              <a:t>Production 2 - Data Engineering Fundamentals</a:t>
-            </a:r>
-            <a:endParaRPr lang="en-CA"/>
+              <a:rPr lang="en-CA"/>
+              <a:t>Production 2 - Data Engineering</a:t>
+            </a:r>
           </a:p>
         </p:txBody>
       </p:sp>
@@ -9801,7 +10385,7 @@
           <p:cNvPr id="6" name="Slide Number Placeholder 5">
             <a:extLst>
               <a:ext uri="{FF2B5EF4-FFF2-40B4-BE49-F238E27FC236}">
-                <a16:creationId xmlns:a16="http://schemas.microsoft.com/office/drawing/2014/main" id="{E45C7F60-90F1-7EAF-2B11-A2E30CE458AB}"/>
+                <a16:creationId xmlns:a16="http://schemas.microsoft.com/office/drawing/2014/main" id="{F328F897-B944-A2E3-B1B8-5A1776D94372}"/>
               </a:ext>
             </a:extLst>
           </p:cNvPr>
@@ -9819,7 +10403,7 @@
           <a:p>
             <a:fld id="{4F4BDF5D-830C-4829-B676-EE421164B1C8}" type="slidenum">
               <a:rPr lang="en-CA" smtClean="0"/>
-              <a:t>32</a:t>
+              <a:t>34</a:t>
             </a:fld>
             <a:endParaRPr lang="en-CA"/>
           </a:p>
@@ -9833,7 +10417,7 @@
 </p:sld>
 </file>
 
-<file path=ppt/slides/slide33.xml><?xml version="1.0" encoding="utf-8"?>
+<file path=ppt/slides/slide35.xml><?xml version="1.0" encoding="utf-8"?>
 <p:sld xmlns:a="http://schemas.openxmlformats.org/drawingml/2006/main" xmlns:r="http://schemas.openxmlformats.org/officeDocument/2006/relationships" xmlns:p="http://schemas.openxmlformats.org/presentationml/2006/main">
   <p:cSld>
     <p:spTree>
@@ -9884,7 +10468,7 @@
           <p:cNvPr id="3" name="Date Placeholder 2">
             <a:extLst>
               <a:ext uri="{FF2B5EF4-FFF2-40B4-BE49-F238E27FC236}">
-                <a16:creationId xmlns:a16="http://schemas.microsoft.com/office/drawing/2014/main" id="{02F21A2F-B0E3-7FA1-57C1-D15E20B131DF}"/>
+                <a16:creationId xmlns:a16="http://schemas.microsoft.com/office/drawing/2014/main" id="{56500B93-B24E-14F1-7D28-DC48AEBB8AEF}"/>
               </a:ext>
             </a:extLst>
           </p:cNvPr>
@@ -9912,7 +10496,7 @@
           <p:cNvPr id="4" name="Footer Placeholder 3">
             <a:extLst>
               <a:ext uri="{FF2B5EF4-FFF2-40B4-BE49-F238E27FC236}">
-                <a16:creationId xmlns:a16="http://schemas.microsoft.com/office/drawing/2014/main" id="{EA0ABD5A-E1A1-21AB-11A0-7C862D0DC821}"/>
+                <a16:creationId xmlns:a16="http://schemas.microsoft.com/office/drawing/2014/main" id="{FB76B1C6-51FC-ED73-0B18-419AC8D172E7}"/>
               </a:ext>
             </a:extLst>
           </p:cNvPr>
@@ -9929,10 +10513,9 @@
           <a:lstStyle/>
           <a:p>
             <a:r>
-              <a:rPr lang="en-US"/>
-              <a:t>Production 2 - Data Engineering Fundamentals</a:t>
-            </a:r>
-            <a:endParaRPr lang="en-CA"/>
+              <a:rPr lang="en-CA"/>
+              <a:t>Production 2 - Data Engineering</a:t>
+            </a:r>
           </a:p>
         </p:txBody>
       </p:sp>
@@ -9941,7 +10524,7 @@
           <p:cNvPr id="5" name="Slide Number Placeholder 4">
             <a:extLst>
               <a:ext uri="{FF2B5EF4-FFF2-40B4-BE49-F238E27FC236}">
-                <a16:creationId xmlns:a16="http://schemas.microsoft.com/office/drawing/2014/main" id="{A1F5D63A-937D-2A9C-4D13-DC647A3775F2}"/>
+                <a16:creationId xmlns:a16="http://schemas.microsoft.com/office/drawing/2014/main" id="{959BC14B-F724-9B1C-ABF7-525EED149E12}"/>
               </a:ext>
             </a:extLst>
           </p:cNvPr>
@@ -9959,7 +10542,7 @@
           <a:p>
             <a:fld id="{4F4BDF5D-830C-4829-B676-EE421164B1C8}" type="slidenum">
               <a:rPr lang="en-CA" smtClean="0"/>
-              <a:t>33</a:t>
+              <a:t>35</a:t>
             </a:fld>
             <a:endParaRPr lang="en-CA"/>
           </a:p>
@@ -9973,7 +10556,7 @@
 </p:sld>
 </file>
 
-<file path=ppt/slides/slide34.xml><?xml version="1.0" encoding="utf-8"?>
+<file path=ppt/slides/slide36.xml><?xml version="1.0" encoding="utf-8"?>
 <p:sld xmlns:a="http://schemas.openxmlformats.org/drawingml/2006/main" xmlns:r="http://schemas.openxmlformats.org/officeDocument/2006/relationships" xmlns:p="http://schemas.openxmlformats.org/presentationml/2006/main">
   <p:cSld>
     <p:spTree>
@@ -10100,7 +10683,7 @@
           <p:cNvPr id="5" name="Date Placeholder 4">
             <a:extLst>
               <a:ext uri="{FF2B5EF4-FFF2-40B4-BE49-F238E27FC236}">
-                <a16:creationId xmlns:a16="http://schemas.microsoft.com/office/drawing/2014/main" id="{1D9B6509-64E1-52E5-CAFD-C8B44FEB1AA6}"/>
+                <a16:creationId xmlns:a16="http://schemas.microsoft.com/office/drawing/2014/main" id="{C0E7CD72-2BE0-837A-AD6F-DEE2E0152062}"/>
               </a:ext>
             </a:extLst>
           </p:cNvPr>
@@ -10128,7 +10711,7 @@
           <p:cNvPr id="6" name="Footer Placeholder 5">
             <a:extLst>
               <a:ext uri="{FF2B5EF4-FFF2-40B4-BE49-F238E27FC236}">
-                <a16:creationId xmlns:a16="http://schemas.microsoft.com/office/drawing/2014/main" id="{C720E899-3A42-8176-3CE2-51D684EB4677}"/>
+                <a16:creationId xmlns:a16="http://schemas.microsoft.com/office/drawing/2014/main" id="{A925B166-C6D0-C699-827D-085650DE0208}"/>
               </a:ext>
             </a:extLst>
           </p:cNvPr>
@@ -10145,10 +10728,9 @@
           <a:lstStyle/>
           <a:p>
             <a:r>
-              <a:rPr lang="en-US"/>
-              <a:t>Production 2 - Data Engineering Fundamentals</a:t>
-            </a:r>
-            <a:endParaRPr lang="en-CA"/>
+              <a:rPr lang="en-CA"/>
+              <a:t>Production 2 - Data Engineering</a:t>
+            </a:r>
           </a:p>
         </p:txBody>
       </p:sp>
@@ -10157,7 +10739,7 @@
           <p:cNvPr id="7" name="Slide Number Placeholder 6">
             <a:extLst>
               <a:ext uri="{FF2B5EF4-FFF2-40B4-BE49-F238E27FC236}">
-                <a16:creationId xmlns:a16="http://schemas.microsoft.com/office/drawing/2014/main" id="{745A4FB6-36F8-216A-019D-20ABE9FCA111}"/>
+                <a16:creationId xmlns:a16="http://schemas.microsoft.com/office/drawing/2014/main" id="{418038B5-34E0-2540-3312-1DE80BB22467}"/>
               </a:ext>
             </a:extLst>
           </p:cNvPr>
@@ -10175,7 +10757,7 @@
           <a:p>
             <a:fld id="{4F4BDF5D-830C-4829-B676-EE421164B1C8}" type="slidenum">
               <a:rPr lang="en-CA" smtClean="0"/>
-              <a:t>34</a:t>
+              <a:t>36</a:t>
             </a:fld>
             <a:endParaRPr lang="en-CA"/>
           </a:p>
@@ -10189,7 +10771,7 @@
 </p:sld>
 </file>
 
-<file path=ppt/slides/slide35.xml><?xml version="1.0" encoding="utf-8"?>
+<file path=ppt/slides/slide37.xml><?xml version="1.0" encoding="utf-8"?>
 <p:sld xmlns:a="http://schemas.openxmlformats.org/drawingml/2006/main" xmlns:r="http://schemas.openxmlformats.org/officeDocument/2006/relationships" xmlns:p="http://schemas.openxmlformats.org/presentationml/2006/main">
   <p:cSld>
     <p:spTree>
@@ -10307,7 +10889,7 @@
           <p:cNvPr id="5" name="Date Placeholder 4">
             <a:extLst>
               <a:ext uri="{FF2B5EF4-FFF2-40B4-BE49-F238E27FC236}">
-                <a16:creationId xmlns:a16="http://schemas.microsoft.com/office/drawing/2014/main" id="{8D79402E-7E55-746C-E575-71D12418454F}"/>
+                <a16:creationId xmlns:a16="http://schemas.microsoft.com/office/drawing/2014/main" id="{44DA2FC3-AAC6-1A04-C6B0-93F1972BF981}"/>
               </a:ext>
             </a:extLst>
           </p:cNvPr>
@@ -10335,7 +10917,7 @@
           <p:cNvPr id="6" name="Footer Placeholder 5">
             <a:extLst>
               <a:ext uri="{FF2B5EF4-FFF2-40B4-BE49-F238E27FC236}">
-                <a16:creationId xmlns:a16="http://schemas.microsoft.com/office/drawing/2014/main" id="{17B56431-8181-A567-49D5-E0AC5C969023}"/>
+                <a16:creationId xmlns:a16="http://schemas.microsoft.com/office/drawing/2014/main" id="{F5648C2C-0E6D-3086-87A7-E74C1DC6AA22}"/>
               </a:ext>
             </a:extLst>
           </p:cNvPr>
@@ -10352,10 +10934,9 @@
           <a:lstStyle/>
           <a:p>
             <a:r>
-              <a:rPr lang="en-US"/>
-              <a:t>Production 2 - Data Engineering Fundamentals</a:t>
-            </a:r>
-            <a:endParaRPr lang="en-CA"/>
+              <a:rPr lang="en-CA"/>
+              <a:t>Production 2 - Data Engineering</a:t>
+            </a:r>
           </a:p>
         </p:txBody>
       </p:sp>
@@ -10364,7 +10945,7 @@
           <p:cNvPr id="7" name="Slide Number Placeholder 6">
             <a:extLst>
               <a:ext uri="{FF2B5EF4-FFF2-40B4-BE49-F238E27FC236}">
-                <a16:creationId xmlns:a16="http://schemas.microsoft.com/office/drawing/2014/main" id="{048A126E-20AF-30C3-D662-74B3F21A3131}"/>
+                <a16:creationId xmlns:a16="http://schemas.microsoft.com/office/drawing/2014/main" id="{1915AB6A-D613-736A-5ED1-33BCA1AEE913}"/>
               </a:ext>
             </a:extLst>
           </p:cNvPr>
@@ -10382,7 +10963,7 @@
           <a:p>
             <a:fld id="{4F4BDF5D-830C-4829-B676-EE421164B1C8}" type="slidenum">
               <a:rPr lang="en-CA" smtClean="0"/>
-              <a:t>35</a:t>
+              <a:t>37</a:t>
             </a:fld>
             <a:endParaRPr lang="en-CA"/>
           </a:p>
@@ -10396,7 +10977,7 @@
 </p:sld>
 </file>
 
-<file path=ppt/slides/slide36.xml><?xml version="1.0" encoding="utf-8"?>
+<file path=ppt/slides/slide38.xml><?xml version="1.0" encoding="utf-8"?>
 <p:sld xmlns:a="http://schemas.openxmlformats.org/drawingml/2006/main" xmlns:r="http://schemas.openxmlformats.org/officeDocument/2006/relationships" xmlns:p="http://schemas.openxmlformats.org/presentationml/2006/main">
   <p:cSld>
     <p:spTree>
@@ -10532,7 +11113,7 @@
           <p:cNvPr id="5" name="Date Placeholder 4">
             <a:extLst>
               <a:ext uri="{FF2B5EF4-FFF2-40B4-BE49-F238E27FC236}">
-                <a16:creationId xmlns:a16="http://schemas.microsoft.com/office/drawing/2014/main" id="{718C5282-D443-9C79-3D65-6C43E6463EE3}"/>
+                <a16:creationId xmlns:a16="http://schemas.microsoft.com/office/drawing/2014/main" id="{5A29DB34-A78D-F332-2282-3006A78BB89E}"/>
               </a:ext>
             </a:extLst>
           </p:cNvPr>
@@ -10560,7 +11141,7 @@
           <p:cNvPr id="6" name="Footer Placeholder 5">
             <a:extLst>
               <a:ext uri="{FF2B5EF4-FFF2-40B4-BE49-F238E27FC236}">
-                <a16:creationId xmlns:a16="http://schemas.microsoft.com/office/drawing/2014/main" id="{1D41066A-F6DA-4E8A-89B1-A8B6DB5F01FC}"/>
+                <a16:creationId xmlns:a16="http://schemas.microsoft.com/office/drawing/2014/main" id="{F2C4C489-483E-25E4-2F45-54B03FE3A773}"/>
               </a:ext>
             </a:extLst>
           </p:cNvPr>
@@ -10577,10 +11158,9 @@
           <a:lstStyle/>
           <a:p>
             <a:r>
-              <a:rPr lang="en-US"/>
-              <a:t>Production 2 - Data Engineering Fundamentals</a:t>
-            </a:r>
-            <a:endParaRPr lang="en-CA"/>
+              <a:rPr lang="en-CA"/>
+              <a:t>Production 2 - Data Engineering</a:t>
+            </a:r>
           </a:p>
         </p:txBody>
       </p:sp>
@@ -10589,7 +11169,7 @@
           <p:cNvPr id="7" name="Slide Number Placeholder 6">
             <a:extLst>
               <a:ext uri="{FF2B5EF4-FFF2-40B4-BE49-F238E27FC236}">
-                <a16:creationId xmlns:a16="http://schemas.microsoft.com/office/drawing/2014/main" id="{B033FE1C-49FB-5B7A-8B9D-8346FDD984BA}"/>
+                <a16:creationId xmlns:a16="http://schemas.microsoft.com/office/drawing/2014/main" id="{FA21E468-3AD2-EEBB-D974-E600205BC38D}"/>
               </a:ext>
             </a:extLst>
           </p:cNvPr>
@@ -10607,7 +11187,7 @@
           <a:p>
             <a:fld id="{4F4BDF5D-830C-4829-B676-EE421164B1C8}" type="slidenum">
               <a:rPr lang="en-CA" smtClean="0"/>
-              <a:t>36</a:t>
+              <a:t>38</a:t>
             </a:fld>
             <a:endParaRPr lang="en-CA"/>
           </a:p>
@@ -10621,7 +11201,7 @@
 </p:sld>
 </file>
 
-<file path=ppt/slides/slide37.xml><?xml version="1.0" encoding="utf-8"?>
+<file path=ppt/slides/slide39.xml><?xml version="1.0" encoding="utf-8"?>
 <p:sld xmlns:a="http://schemas.openxmlformats.org/drawingml/2006/main" xmlns:r="http://schemas.openxmlformats.org/officeDocument/2006/relationships" xmlns:p="http://schemas.openxmlformats.org/presentationml/2006/main">
   <p:cSld>
     <p:spTree>
@@ -10657,7 +11237,7 @@
               <a:buNone/>
             </a:pPr>
             <a:r>
-              <a:t>Data FLows 2: Data Passing Through Services (cont)</a:t>
+              <a:t>Data FLows 2: Data Passing Through Services (cont.)</a:t>
             </a:r>
           </a:p>
         </p:txBody>
@@ -10745,7 +11325,7 @@
           <p:cNvPr id="5" name="Date Placeholder 4">
             <a:extLst>
               <a:ext uri="{FF2B5EF4-FFF2-40B4-BE49-F238E27FC236}">
-                <a16:creationId xmlns:a16="http://schemas.microsoft.com/office/drawing/2014/main" id="{20BF2DBB-2D4E-D8E6-E8A9-E3912CDCE576}"/>
+                <a16:creationId xmlns:a16="http://schemas.microsoft.com/office/drawing/2014/main" id="{7BA24420-6216-8DC2-B5EA-344CAE6EDC95}"/>
               </a:ext>
             </a:extLst>
           </p:cNvPr>
@@ -10773,7 +11353,7 @@
           <p:cNvPr id="6" name="Footer Placeholder 5">
             <a:extLst>
               <a:ext uri="{FF2B5EF4-FFF2-40B4-BE49-F238E27FC236}">
-                <a16:creationId xmlns:a16="http://schemas.microsoft.com/office/drawing/2014/main" id="{E36B2DB4-A999-C612-408E-1ACDD8C1849E}"/>
+                <a16:creationId xmlns:a16="http://schemas.microsoft.com/office/drawing/2014/main" id="{914FCC36-BD8B-60EF-4619-7E827ACE543F}"/>
               </a:ext>
             </a:extLst>
           </p:cNvPr>
@@ -10790,10 +11370,9 @@
           <a:lstStyle/>
           <a:p>
             <a:r>
-              <a:rPr lang="en-US"/>
-              <a:t>Production 2 - Data Engineering Fundamentals</a:t>
-            </a:r>
-            <a:endParaRPr lang="en-CA"/>
+              <a:rPr lang="en-CA"/>
+              <a:t>Production 2 - Data Engineering</a:t>
+            </a:r>
           </a:p>
         </p:txBody>
       </p:sp>
@@ -10802,7 +11381,7 @@
           <p:cNvPr id="7" name="Slide Number Placeholder 6">
             <a:extLst>
               <a:ext uri="{FF2B5EF4-FFF2-40B4-BE49-F238E27FC236}">
-                <a16:creationId xmlns:a16="http://schemas.microsoft.com/office/drawing/2014/main" id="{745708DC-9403-4537-0801-8A538860F202}"/>
+                <a16:creationId xmlns:a16="http://schemas.microsoft.com/office/drawing/2014/main" id="{17754840-B512-93B4-E9B7-EB7ABA765977}"/>
               </a:ext>
             </a:extLst>
           </p:cNvPr>
@@ -10820,7 +11399,7 @@
           <a:p>
             <a:fld id="{4F4BDF5D-830C-4829-B676-EE421164B1C8}" type="slidenum">
               <a:rPr lang="en-CA" smtClean="0"/>
-              <a:t>37</a:t>
+              <a:t>39</a:t>
             </a:fld>
             <a:endParaRPr lang="en-CA"/>
           </a:p>
@@ -10834,7 +11413,255 @@
 </p:sld>
 </file>
 
-<file path=ppt/slides/slide38.xml><?xml version="1.0" encoding="utf-8"?>
+<file path=ppt/slides/slide4.xml><?xml version="1.0" encoding="utf-8"?>
+<p:sld xmlns:a="http://schemas.openxmlformats.org/drawingml/2006/main" xmlns:r="http://schemas.openxmlformats.org/officeDocument/2006/relationships" xmlns:p="http://schemas.openxmlformats.org/presentationml/2006/main">
+  <p:cSld>
+    <p:spTree>
+      <p:nvGrpSpPr>
+        <p:cNvPr id="1" name=""/>
+        <p:cNvGrpSpPr/>
+        <p:nvPr/>
+      </p:nvGrpSpPr>
+      <p:grpSpPr>
+        <a:xfrm>
+          <a:off x="0" y="0"/>
+          <a:ext cx="0" cy="0"/>
+          <a:chOff x="0" y="0"/>
+          <a:chExt cx="0" cy="0"/>
+        </a:xfrm>
+      </p:grpSpPr>
+      <p:sp>
+        <p:nvSpPr>
+          <p:cNvPr id="2" name="Title 1"/>
+          <p:cNvSpPr>
+            <a:spLocks noGrp="1"/>
+          </p:cNvSpPr>
+          <p:nvPr>
+            <p:ph type="title"/>
+          </p:nvPr>
+        </p:nvSpPr>
+        <p:spPr/>
+        <p:txBody>
+          <a:bodyPr/>
+          <a:lstStyle/>
+          <a:p>
+            <a:pPr marL="0" lvl="0" indent="0">
+              <a:buNone/>
+            </a:pPr>
+            <a:r>
+              <a:t>Slides, Notebooks, and Code</a:t>
+            </a:r>
+          </a:p>
+        </p:txBody>
+      </p:sp>
+      <p:sp>
+        <p:nvSpPr>
+          <p:cNvPr id="3" name="Content Placeholder 2"/>
+          <p:cNvSpPr>
+            <a:spLocks noGrp="1"/>
+          </p:cNvSpPr>
+          <p:nvPr>
+            <p:ph sz="half" idx="1"/>
+          </p:nvPr>
+        </p:nvSpPr>
+        <p:spPr/>
+        <p:txBody>
+          <a:bodyPr>
+            <a:normAutofit/>
+          </a:bodyPr>
+          <a:lstStyle/>
+          <a:p>
+            <a:pPr lvl="0"/>
+            <a:r>
+              <a:rPr sz="1600" dirty="0"/>
+              <a:t>These notes are based on Chapter 3 of </a:t>
+            </a:r>
+            <a:r>
+              <a:rPr sz="1600" i="1" dirty="0">
+                <a:hlinkClick r:id="rId2"/>
+              </a:rPr>
+              <a:t>Designing Machine Learning Systems</a:t>
+            </a:r>
+            <a:r>
+              <a:rPr sz="1600" dirty="0"/>
+              <a:t>, by </a:t>
+            </a:r>
+            <a:r>
+              <a:rPr sz="1600" dirty="0">
+                <a:hlinkClick r:id="rId3"/>
+              </a:rPr>
+              <a:t>Chip </a:t>
+            </a:r>
+            <a:r>
+              <a:rPr sz="1600" dirty="0" err="1">
+                <a:hlinkClick r:id="rId3"/>
+              </a:rPr>
+              <a:t>Huyen</a:t>
+            </a:r>
+            <a:r>
+              <a:rPr sz="1600" dirty="0"/>
+              <a:t>.</a:t>
+            </a:r>
+          </a:p>
+        </p:txBody>
+      </p:sp>
+      <p:sp>
+        <p:nvSpPr>
+          <p:cNvPr id="4" name="Content Placeholder 3"/>
+          <p:cNvSpPr>
+            <a:spLocks noGrp="1"/>
+          </p:cNvSpPr>
+          <p:nvPr>
+            <p:ph sz="half" idx="2"/>
+          </p:nvPr>
+        </p:nvSpPr>
+        <p:spPr/>
+        <p:txBody>
+          <a:bodyPr>
+            <a:normAutofit/>
+          </a:bodyPr>
+          <a:lstStyle/>
+          <a:p>
+            <a:pPr marL="0" lvl="0" indent="0">
+              <a:buNone/>
+            </a:pPr>
+            <a:r>
+              <a:rPr sz="1600" b="1"/>
+              <a:t>Notebooks</a:t>
+            </a:r>
+          </a:p>
+          <a:p>
+            <a:pPr lvl="0"/>
+            <a:r>
+              <a:rPr sz="1600">
+                <a:latin typeface="Courier"/>
+              </a:rPr>
+              <a:t>./notebooks/production_2_data_engineering.ipynb</a:t>
+            </a:r>
+          </a:p>
+          <a:p>
+            <a:pPr marL="0" lvl="0" indent="0">
+              <a:buNone/>
+            </a:pPr>
+            <a:r>
+              <a:rPr sz="1600" b="1"/>
+              <a:t>Code</a:t>
+            </a:r>
+          </a:p>
+          <a:p>
+            <a:pPr lvl="0"/>
+            <a:r>
+              <a:rPr sz="1600">
+                <a:latin typeface="Courier"/>
+              </a:rPr>
+              <a:t>./src/data_manager.py</a:t>
+            </a:r>
+          </a:p>
+          <a:p>
+            <a:pPr lvl="0"/>
+            <a:r>
+              <a:rPr sz="1600">
+                <a:latin typeface="Courier"/>
+              </a:rPr>
+              <a:t>./src/.env</a:t>
+            </a:r>
+          </a:p>
+        </p:txBody>
+      </p:sp>
+      <p:sp>
+        <p:nvSpPr>
+          <p:cNvPr id="5" name="Date Placeholder 4">
+            <a:extLst>
+              <a:ext uri="{FF2B5EF4-FFF2-40B4-BE49-F238E27FC236}">
+                <a16:creationId xmlns:a16="http://schemas.microsoft.com/office/drawing/2014/main" id="{A95D1CC2-DC81-7293-9CCF-542B7D0E2A42}"/>
+              </a:ext>
+            </a:extLst>
+          </p:cNvPr>
+          <p:cNvSpPr>
+            <a:spLocks noGrp="1"/>
+          </p:cNvSpPr>
+          <p:nvPr>
+            <p:ph type="dt" sz="half" idx="10"/>
+          </p:nvPr>
+        </p:nvSpPr>
+        <p:spPr/>
+        <p:txBody>
+          <a:bodyPr/>
+          <a:lstStyle/>
+          <a:p>
+            <a:r>
+              <a:rPr lang="en-CA"/>
+              <a:t>February 2024</a:t>
+            </a:r>
+          </a:p>
+        </p:txBody>
+      </p:sp>
+      <p:sp>
+        <p:nvSpPr>
+          <p:cNvPr id="6" name="Footer Placeholder 5">
+            <a:extLst>
+              <a:ext uri="{FF2B5EF4-FFF2-40B4-BE49-F238E27FC236}">
+                <a16:creationId xmlns:a16="http://schemas.microsoft.com/office/drawing/2014/main" id="{A3906217-2BE9-ABDB-8B70-95EBF3209C10}"/>
+              </a:ext>
+            </a:extLst>
+          </p:cNvPr>
+          <p:cNvSpPr>
+            <a:spLocks noGrp="1"/>
+          </p:cNvSpPr>
+          <p:nvPr>
+            <p:ph type="ftr" sz="quarter" idx="11"/>
+          </p:nvPr>
+        </p:nvSpPr>
+        <p:spPr/>
+        <p:txBody>
+          <a:bodyPr/>
+          <a:lstStyle/>
+          <a:p>
+            <a:r>
+              <a:rPr lang="en-CA"/>
+              <a:t>Production 2 - Data Engineering</a:t>
+            </a:r>
+          </a:p>
+        </p:txBody>
+      </p:sp>
+      <p:sp>
+        <p:nvSpPr>
+          <p:cNvPr id="7" name="Slide Number Placeholder 6">
+            <a:extLst>
+              <a:ext uri="{FF2B5EF4-FFF2-40B4-BE49-F238E27FC236}">
+                <a16:creationId xmlns:a16="http://schemas.microsoft.com/office/drawing/2014/main" id="{717422BC-322B-1879-1AAB-60046B506989}"/>
+              </a:ext>
+            </a:extLst>
+          </p:cNvPr>
+          <p:cNvSpPr>
+            <a:spLocks noGrp="1"/>
+          </p:cNvSpPr>
+          <p:nvPr>
+            <p:ph type="sldNum" sz="quarter" idx="12"/>
+          </p:nvPr>
+        </p:nvSpPr>
+        <p:spPr/>
+        <p:txBody>
+          <a:bodyPr/>
+          <a:lstStyle/>
+          <a:p>
+            <a:fld id="{4F4BDF5D-830C-4829-B676-EE421164B1C8}" type="slidenum">
+              <a:rPr lang="en-CA" smtClean="0"/>
+              <a:t>4</a:t>
+            </a:fld>
+            <a:endParaRPr lang="en-CA"/>
+          </a:p>
+        </p:txBody>
+      </p:sp>
+    </p:spTree>
+  </p:cSld>
+  <p:clrMapOvr>
+    <a:masterClrMapping/>
+  </p:clrMapOvr>
+</p:sld>
+</file>
+
+<file path=ppt/slides/slide40.xml><?xml version="1.0" encoding="utf-8"?>
 <p:sld xmlns:a="http://schemas.openxmlformats.org/drawingml/2006/main" xmlns:r="http://schemas.openxmlformats.org/officeDocument/2006/relationships" xmlns:p="http://schemas.openxmlformats.org/presentationml/2006/main">
   <p:cSld>
     <p:spTree>
@@ -10952,7 +11779,7 @@
           <p:cNvPr id="5" name="Date Placeholder 4">
             <a:extLst>
               <a:ext uri="{FF2B5EF4-FFF2-40B4-BE49-F238E27FC236}">
-                <a16:creationId xmlns:a16="http://schemas.microsoft.com/office/drawing/2014/main" id="{A838EBAF-5956-ECCD-BC46-E4CBBF1035D7}"/>
+                <a16:creationId xmlns:a16="http://schemas.microsoft.com/office/drawing/2014/main" id="{E20A0CEA-E64C-81D3-9940-F9F64C1BBD70}"/>
               </a:ext>
             </a:extLst>
           </p:cNvPr>
@@ -10980,7 +11807,7 @@
           <p:cNvPr id="6" name="Footer Placeholder 5">
             <a:extLst>
               <a:ext uri="{FF2B5EF4-FFF2-40B4-BE49-F238E27FC236}">
-                <a16:creationId xmlns:a16="http://schemas.microsoft.com/office/drawing/2014/main" id="{30953A0A-F4D4-B3DD-C0D2-5FB238C0330F}"/>
+                <a16:creationId xmlns:a16="http://schemas.microsoft.com/office/drawing/2014/main" id="{60E6CF47-6A19-7F19-6701-76E1C446029D}"/>
               </a:ext>
             </a:extLst>
           </p:cNvPr>
@@ -10997,10 +11824,9 @@
           <a:lstStyle/>
           <a:p>
             <a:r>
-              <a:rPr lang="en-US"/>
-              <a:t>Production 2 - Data Engineering Fundamentals</a:t>
-            </a:r>
-            <a:endParaRPr lang="en-CA"/>
+              <a:rPr lang="en-CA"/>
+              <a:t>Production 2 - Data Engineering</a:t>
+            </a:r>
           </a:p>
         </p:txBody>
       </p:sp>
@@ -11009,7 +11835,7 @@
           <p:cNvPr id="7" name="Slide Number Placeholder 6">
             <a:extLst>
               <a:ext uri="{FF2B5EF4-FFF2-40B4-BE49-F238E27FC236}">
-                <a16:creationId xmlns:a16="http://schemas.microsoft.com/office/drawing/2014/main" id="{5F733FCF-4038-29D8-C3F9-5BC96C521721}"/>
+                <a16:creationId xmlns:a16="http://schemas.microsoft.com/office/drawing/2014/main" id="{EC17DABA-49DB-2208-ACA1-AD51CCAEBDA9}"/>
               </a:ext>
             </a:extLst>
           </p:cNvPr>
@@ -11027,7 +11853,7 @@
           <a:p>
             <a:fld id="{4F4BDF5D-830C-4829-B676-EE421164B1C8}" type="slidenum">
               <a:rPr lang="en-CA" smtClean="0"/>
-              <a:t>38</a:t>
+              <a:t>40</a:t>
             </a:fld>
             <a:endParaRPr lang="en-CA"/>
           </a:p>
@@ -11041,7 +11867,7 @@
 </p:sld>
 </file>
 
-<file path=ppt/slides/slide39.xml><?xml version="1.0" encoding="utf-8"?>
+<file path=ppt/slides/slide41.xml><?xml version="1.0" encoding="utf-8"?>
 <p:sld xmlns:a="http://schemas.openxmlformats.org/drawingml/2006/main" xmlns:r="http://schemas.openxmlformats.org/officeDocument/2006/relationships" xmlns:p="http://schemas.openxmlformats.org/presentationml/2006/main">
   <p:cSld>
     <p:spTree>
@@ -11092,41 +11918,53 @@
             <p:ph sz="half" idx="1"/>
           </p:nvPr>
         </p:nvSpPr>
-        <p:spPr/>
+        <p:spPr>
+          <a:xfrm>
+            <a:off x="676656" y="1998133"/>
+            <a:ext cx="4663440" cy="4360333"/>
+          </a:xfrm>
+        </p:spPr>
         <p:txBody>
           <a:bodyPr>
-            <a:normAutofit fontScale="55000" lnSpcReduction="20000"/>
+            <a:normAutofit lnSpcReduction="10000"/>
           </a:bodyPr>
           <a:lstStyle/>
           <a:p>
             <a:pPr lvl="0"/>
             <a:r>
+              <a:rPr sz="1400" dirty="0"/>
               <a:t>A piece of data broadcast to a real-time transport is called an event.</a:t>
             </a:r>
-            <a:br/>
-            <a:endParaRPr/>
-          </a:p>
-          <a:p>
-            <a:pPr lvl="0"/>
-            <a:r>
+            <a:br>
+              <a:rPr sz="1400" dirty="0"/>
+            </a:br>
+            <a:endParaRPr sz="1400" dirty="0"/>
+          </a:p>
+          <a:p>
+            <a:pPr lvl="0"/>
+            <a:r>
+              <a:rPr sz="1400" dirty="0"/>
               <a:t>This architecture is called event-driven.</a:t>
             </a:r>
           </a:p>
           <a:p>
             <a:pPr lvl="0"/>
             <a:r>
+              <a:rPr sz="1400" dirty="0"/>
               <a:t>The real-time transport is sometimes called event bus.</a:t>
             </a:r>
           </a:p>
           <a:p>
             <a:pPr lvl="0"/>
             <a:r>
+              <a:rPr sz="1400" dirty="0"/>
               <a:t>Request-driven architecture works well for systems that rely more on app logic than data.</a:t>
             </a:r>
           </a:p>
           <a:p>
             <a:pPr lvl="0"/>
             <a:r>
+              <a:rPr sz="1400" dirty="0"/>
               <a:t>Event-driven architecture works better for data-intensive systems.</a:t>
             </a:r>
           </a:p>
@@ -11142,70 +11980,109 @@
             <p:ph sz="half" idx="2"/>
           </p:nvPr>
         </p:nvSpPr>
-        <p:spPr/>
+        <p:spPr>
+          <a:xfrm>
+            <a:off x="6011330" y="1998133"/>
+            <a:ext cx="4663440" cy="4360333"/>
+          </a:xfrm>
+        </p:spPr>
         <p:txBody>
           <a:bodyPr>
-            <a:normAutofit fontScale="55000" lnSpcReduction="20000"/>
+            <a:normAutofit lnSpcReduction="10000"/>
           </a:bodyPr>
           <a:lstStyle/>
           <a:p>
             <a:pPr lvl="0"/>
             <a:r>
-              <a:t>Two of the most common Real-Time Transports are pubsub (publish-subscribe) and message queue.</a:t>
-            </a:r>
-          </a:p>
-          <a:p>
-            <a:pPr lvl="0"/>
-            <a:r>
-              <a:t>In the pubsub model:</a:t>
+              <a:rPr sz="1400" dirty="0"/>
+              <a:t>Two of the most common Real-Time Transports are </a:t>
+            </a:r>
+            <a:r>
+              <a:rPr sz="1400" dirty="0" err="1"/>
+              <a:t>pubsub</a:t>
+            </a:r>
+            <a:r>
+              <a:rPr sz="1400" dirty="0"/>
+              <a:t> (publish-subscribe) and message queue.</a:t>
+            </a:r>
+          </a:p>
+          <a:p>
+            <a:pPr lvl="0"/>
+            <a:r>
+              <a:rPr sz="1400" dirty="0"/>
+              <a:t>In the </a:t>
+            </a:r>
+            <a:r>
+              <a:rPr sz="1400" dirty="0" err="1"/>
+              <a:t>pubsub</a:t>
+            </a:r>
+            <a:r>
+              <a:rPr sz="1400" dirty="0"/>
+              <a:t> model:</a:t>
             </a:r>
           </a:p>
           <a:p>
             <a:pPr lvl="1"/>
             <a:r>
+              <a:rPr sz="1200" dirty="0"/>
               <a:t>Any service can publish to different topics in the real-time transport.</a:t>
             </a:r>
           </a:p>
           <a:p>
             <a:pPr lvl="1"/>
             <a:r>
+              <a:rPr sz="1200" dirty="0"/>
               <a:t>Any service that subscribes to a topic can read all the events in that topic.</a:t>
             </a:r>
           </a:p>
           <a:p>
             <a:pPr lvl="1"/>
             <a:r>
+              <a:rPr sz="1200" dirty="0"/>
               <a:t>There is a retention policy; for example, data will be retained for X days before being deleted or moved to permanent storage.</a:t>
             </a:r>
           </a:p>
           <a:p>
             <a:pPr lvl="1"/>
             <a:r>
+              <a:rPr sz="1200" dirty="0"/>
               <a:t>Examples: Apache Kafka and Amazon Kinesis.</a:t>
             </a:r>
           </a:p>
           <a:p>
             <a:pPr lvl="0"/>
             <a:r>
+              <a:rPr sz="1400" dirty="0"/>
               <a:t>In the message queue model:</a:t>
             </a:r>
           </a:p>
           <a:p>
             <a:pPr lvl="1"/>
             <a:r>
+              <a:rPr sz="1200" dirty="0"/>
               <a:t>An event has intended consumers. An event with intended consumers is a message.</a:t>
             </a:r>
           </a:p>
           <a:p>
             <a:pPr lvl="1"/>
             <a:r>
+              <a:rPr sz="1200" dirty="0"/>
               <a:t>The message queue is responsible for getting the message to the right consumers.</a:t>
             </a:r>
           </a:p>
           <a:p>
             <a:pPr lvl="1"/>
             <a:r>
-              <a:t>Examples: Apache RocketMQ and RabbitMQ.</a:t>
+              <a:rPr sz="1200" dirty="0"/>
+              <a:t>Examples: Apache </a:t>
+            </a:r>
+            <a:r>
+              <a:rPr sz="1200" dirty="0" err="1"/>
+              <a:t>RocketMQ</a:t>
+            </a:r>
+            <a:r>
+              <a:rPr sz="1200" dirty="0"/>
+              <a:t> and RabbitMQ.</a:t>
             </a:r>
           </a:p>
         </p:txBody>
@@ -11215,7 +12092,7 @@
           <p:cNvPr id="5" name="Date Placeholder 4">
             <a:extLst>
               <a:ext uri="{FF2B5EF4-FFF2-40B4-BE49-F238E27FC236}">
-                <a16:creationId xmlns:a16="http://schemas.microsoft.com/office/drawing/2014/main" id="{BE22AC07-8968-0C10-F955-B109D17105BA}"/>
+                <a16:creationId xmlns:a16="http://schemas.microsoft.com/office/drawing/2014/main" id="{2CB92B8C-5D21-25FF-0380-0C1BF4792252}"/>
               </a:ext>
             </a:extLst>
           </p:cNvPr>
@@ -11243,7 +12120,7 @@
           <p:cNvPr id="6" name="Footer Placeholder 5">
             <a:extLst>
               <a:ext uri="{FF2B5EF4-FFF2-40B4-BE49-F238E27FC236}">
-                <a16:creationId xmlns:a16="http://schemas.microsoft.com/office/drawing/2014/main" id="{72278877-E606-1562-DF1E-BBE49536DD35}"/>
+                <a16:creationId xmlns:a16="http://schemas.microsoft.com/office/drawing/2014/main" id="{5407CD78-8171-C0F4-43AF-A808CDB77906}"/>
               </a:ext>
             </a:extLst>
           </p:cNvPr>
@@ -11260,10 +12137,9 @@
           <a:lstStyle/>
           <a:p>
             <a:r>
-              <a:rPr lang="en-US"/>
-              <a:t>Production 2 - Data Engineering Fundamentals</a:t>
-            </a:r>
-            <a:endParaRPr lang="en-CA"/>
+              <a:rPr lang="en-CA"/>
+              <a:t>Production 2 - Data Engineering</a:t>
+            </a:r>
           </a:p>
         </p:txBody>
       </p:sp>
@@ -11272,7 +12148,7 @@
           <p:cNvPr id="7" name="Slide Number Placeholder 6">
             <a:extLst>
               <a:ext uri="{FF2B5EF4-FFF2-40B4-BE49-F238E27FC236}">
-                <a16:creationId xmlns:a16="http://schemas.microsoft.com/office/drawing/2014/main" id="{55520A10-3B2D-FBC7-FA7B-03BCD585BCD6}"/>
+                <a16:creationId xmlns:a16="http://schemas.microsoft.com/office/drawing/2014/main" id="{5AD95048-5B8E-EE44-A6ED-562024B3FE74}"/>
               </a:ext>
             </a:extLst>
           </p:cNvPr>
@@ -11290,7 +12166,7 @@
           <a:p>
             <a:fld id="{4F4BDF5D-830C-4829-B676-EE421164B1C8}" type="slidenum">
               <a:rPr lang="en-CA" smtClean="0"/>
-              <a:t>39</a:t>
+              <a:t>41</a:t>
             </a:fld>
             <a:endParaRPr lang="en-CA"/>
           </a:p>
@@ -11304,7 +12180,7 @@
 </p:sld>
 </file>
 
-<file path=ppt/slides/slide4.xml><?xml version="1.0" encoding="utf-8"?>
+<file path=ppt/slides/slide42.xml><?xml version="1.0" encoding="utf-8"?>
 <p:sld xmlns:a="http://schemas.openxmlformats.org/drawingml/2006/main" xmlns:r="http://schemas.openxmlformats.org/officeDocument/2006/relationships" xmlns:p="http://schemas.openxmlformats.org/presentationml/2006/main">
   <p:cSld>
     <p:spTree>
@@ -11340,7 +12216,7 @@
               <a:buNone/>
             </a:pPr>
             <a:r>
-              <a:t>About These Notes</a:t>
+              <a:t>Batch Processing vs Stream Processing</a:t>
             </a:r>
           </a:p>
         </p:txBody>
@@ -11357,72 +12233,84 @@
         </p:nvSpPr>
         <p:spPr/>
         <p:txBody>
-          <a:bodyPr/>
-          <a:lstStyle/>
-          <a:p>
-            <a:pPr marL="0" lvl="0" indent="0">
-              <a:buNone/>
-            </a:pPr>
-            <a:r>
-              <a:t>These notes are based on Chapters 3 of </a:t>
-            </a:r>
-            <a:r>
-              <a:rPr i="1">
-                <a:hlinkClick r:id="rId2"/>
-              </a:rPr>
-              <a:t>Designing Machine Learning Systems</a:t>
-            </a:r>
-            <a:r>
-              <a:t>, by </a:t>
-            </a:r>
-            <a:r>
-              <a:rPr>
-                <a:hlinkClick r:id="rId3"/>
-              </a:rPr>
-              <a:t>Chip Huyen</a:t>
-            </a:r>
-            <a:r>
-              <a:t>.</a:t>
-            </a:r>
-          </a:p>
-        </p:txBody>
-      </p:sp>
-      <p:pic>
-        <p:nvPicPr>
-          <p:cNvPr id="4" name="Picture 1" descr="../img/book_cover.png"/>
-          <p:cNvPicPr>
-            <a:picLocks noGrp="1" noChangeAspect="1"/>
-          </p:cNvPicPr>
-          <p:nvPr/>
-        </p:nvPicPr>
-        <p:blipFill>
-          <a:blip r:embed="rId4"/>
-          <a:stretch>
-            <a:fillRect/>
-          </a:stretch>
-        </p:blipFill>
-        <p:spPr bwMode="auto">
-          <a:xfrm>
-            <a:off x="6007100" y="657225"/>
-            <a:ext cx="4660900" cy="5581650"/>
-          </a:xfrm>
-          <a:prstGeom prst="rect">
-            <a:avLst/>
-          </a:prstGeom>
-          <a:noFill/>
-          <a:ln w="9525">
-            <a:noFill/>
-            <a:headEnd/>
-            <a:tailEnd/>
-          </a:ln>
-        </p:spPr>
-      </p:pic>
+          <a:bodyPr>
+            <a:normAutofit fontScale="70000" lnSpcReduction="20000"/>
+          </a:bodyPr>
+          <a:lstStyle/>
+          <a:p>
+            <a:pPr lvl="0"/>
+            <a:r>
+              <a:t>Once data arrives in a data storage engine (database, data lake, or data warehouse, for example), it is historical data.</a:t>
+            </a:r>
+          </a:p>
+          <a:p>
+            <a:pPr lvl="0"/>
+            <a:r>
+              <a:t>Historical data is processed in batch jobs that are run periodically.</a:t>
+            </a:r>
+          </a:p>
+          <a:p>
+            <a:pPr lvl="0"/>
+            <a:r>
+              <a:t>Batch processing is a practice with mature solutions such as MapReduce and Spark.</a:t>
+            </a:r>
+          </a:p>
+          <a:p>
+            <a:pPr lvl="0"/>
+            <a:r>
+              <a:t>Stream processing is performing computation on streaming data coming from real-time transports.</a:t>
+            </a:r>
+          </a:p>
+        </p:txBody>
+      </p:sp>
+      <p:sp>
+        <p:nvSpPr>
+          <p:cNvPr id="4" name="Content Placeholder 3"/>
+          <p:cNvSpPr>
+            <a:spLocks noGrp="1"/>
+          </p:cNvSpPr>
+          <p:nvPr>
+            <p:ph sz="half" idx="2"/>
+          </p:nvPr>
+        </p:nvSpPr>
+        <p:spPr/>
+        <p:txBody>
+          <a:bodyPr>
+            <a:normAutofit fontScale="70000" lnSpcReduction="20000"/>
+          </a:bodyPr>
+          <a:lstStyle/>
+          <a:p>
+            <a:pPr lvl="0"/>
+            <a:r>
+              <a:t>Computation can also be started periodically, but the periods are generally shorter. Computation could also be started when the need arises.</a:t>
+            </a:r>
+          </a:p>
+          <a:p>
+            <a:pPr lvl="0"/>
+            <a:r>
+              <a:t>Batch processing is usually performed on slow-changing variables known as static features (for example, daily metrics).</a:t>
+            </a:r>
+          </a:p>
+          <a:p>
+            <a:pPr lvl="0"/>
+            <a:r>
+              <a:t>Streaming processing is performed on rapid-changing variables known as dynamic features (for example, average metric in past 5 minutes).</a:t>
+            </a:r>
+          </a:p>
+          <a:p>
+            <a:pPr lvl="0"/>
+            <a:r>
+              <a:t>Example products: Apache Flink, KSQL, and Spark Streaming.</a:t>
+            </a:r>
+          </a:p>
+        </p:txBody>
+      </p:sp>
       <p:sp>
         <p:nvSpPr>
           <p:cNvPr id="5" name="Date Placeholder 4">
             <a:extLst>
               <a:ext uri="{FF2B5EF4-FFF2-40B4-BE49-F238E27FC236}">
-                <a16:creationId xmlns:a16="http://schemas.microsoft.com/office/drawing/2014/main" id="{40F642D2-1FAE-B921-5D2D-751728E1BB57}"/>
+                <a16:creationId xmlns:a16="http://schemas.microsoft.com/office/drawing/2014/main" id="{DF449B8C-A4B9-2DF3-A3EE-308B47C15019}"/>
               </a:ext>
             </a:extLst>
           </p:cNvPr>
@@ -11450,7 +12338,7 @@
           <p:cNvPr id="6" name="Footer Placeholder 5">
             <a:extLst>
               <a:ext uri="{FF2B5EF4-FFF2-40B4-BE49-F238E27FC236}">
-                <a16:creationId xmlns:a16="http://schemas.microsoft.com/office/drawing/2014/main" id="{BCCA9F5F-5722-9C85-7E0A-8D5A065F63BD}"/>
+                <a16:creationId xmlns:a16="http://schemas.microsoft.com/office/drawing/2014/main" id="{973A3637-A7FB-3551-E9D8-200C4DD430B7}"/>
               </a:ext>
             </a:extLst>
           </p:cNvPr>
@@ -11467,10 +12355,9 @@
           <a:lstStyle/>
           <a:p>
             <a:r>
-              <a:rPr lang="en-US"/>
-              <a:t>Production 2 - Data Engineering Fundamentals</a:t>
-            </a:r>
-            <a:endParaRPr lang="en-CA"/>
+              <a:rPr lang="en-CA"/>
+              <a:t>Production 2 - Data Engineering</a:t>
+            </a:r>
           </a:p>
         </p:txBody>
       </p:sp>
@@ -11479,7 +12366,7 @@
           <p:cNvPr id="7" name="Slide Number Placeholder 6">
             <a:extLst>
               <a:ext uri="{FF2B5EF4-FFF2-40B4-BE49-F238E27FC236}">
-                <a16:creationId xmlns:a16="http://schemas.microsoft.com/office/drawing/2014/main" id="{B734B5AB-1867-0AEC-79ED-7E9268F5891F}"/>
+                <a16:creationId xmlns:a16="http://schemas.microsoft.com/office/drawing/2014/main" id="{68BEACF3-7F2B-4E9B-9B2A-823B0541A53E}"/>
               </a:ext>
             </a:extLst>
           </p:cNvPr>
@@ -11497,7 +12384,7 @@
           <a:p>
             <a:fld id="{4F4BDF5D-830C-4829-B676-EE421164B1C8}" type="slidenum">
               <a:rPr lang="en-CA" smtClean="0"/>
-              <a:t>4</a:t>
+              <a:t>42</a:t>
             </a:fld>
             <a:endParaRPr lang="en-CA"/>
           </a:p>
@@ -11511,7 +12398,7 @@
 </p:sld>
 </file>
 
-<file path=ppt/slides/slide40.xml><?xml version="1.0" encoding="utf-8"?>
+<file path=ppt/slides/slide43.xml><?xml version="1.0" encoding="utf-8"?>
 <p:sld xmlns:a="http://schemas.openxmlformats.org/drawingml/2006/main" xmlns:r="http://schemas.openxmlformats.org/officeDocument/2006/relationships" xmlns:p="http://schemas.openxmlformats.org/presentationml/2006/main">
   <p:cSld>
     <p:spTree>
@@ -11538,7 +12425,12 @@
             <p:ph type="title"/>
           </p:nvPr>
         </p:nvSpPr>
-        <p:spPr/>
+        <p:spPr>
+          <a:xfrm>
+            <a:off x="603504" y="767419"/>
+            <a:ext cx="10780776" cy="3355848"/>
+          </a:xfrm>
+        </p:spPr>
         <p:txBody>
           <a:bodyPr/>
           <a:lstStyle/>
@@ -11547,101 +12439,17 @@
               <a:buNone/>
             </a:pPr>
             <a:r>
-              <a:t>Batch Processing vs Stream Processing</a:t>
-            </a:r>
-          </a:p>
-        </p:txBody>
-      </p:sp>
-      <p:sp>
-        <p:nvSpPr>
-          <p:cNvPr id="3" name="Content Placeholder 2"/>
-          <p:cNvSpPr>
-            <a:spLocks noGrp="1"/>
-          </p:cNvSpPr>
-          <p:nvPr>
-            <p:ph sz="half" idx="1"/>
-          </p:nvPr>
-        </p:nvSpPr>
-        <p:spPr/>
-        <p:txBody>
-          <a:bodyPr>
-            <a:normAutofit fontScale="70000" lnSpcReduction="20000"/>
-          </a:bodyPr>
-          <a:lstStyle/>
-          <a:p>
-            <a:pPr lvl="0"/>
-            <a:r>
-              <a:t>Once data arrives in a data storage engine (database, data lake, or data warehouse, for example), it is historical data.</a:t>
-            </a:r>
-          </a:p>
-          <a:p>
-            <a:pPr lvl="0"/>
-            <a:r>
-              <a:t>Historical data is processed in batch jobs that are run periodically.</a:t>
-            </a:r>
-          </a:p>
-          <a:p>
-            <a:pPr lvl="0"/>
-            <a:r>
-              <a:t>Batch processing is a practice with mature solutions such as MapReduce and Spark.</a:t>
-            </a:r>
-          </a:p>
-          <a:p>
-            <a:pPr lvl="0"/>
-            <a:r>
-              <a:t>Stream processing is performing computation on streaming data coming from real-time transports.</a:t>
-            </a:r>
-          </a:p>
-        </p:txBody>
-      </p:sp>
-      <p:sp>
-        <p:nvSpPr>
-          <p:cNvPr id="4" name="Content Placeholder 3"/>
-          <p:cNvSpPr>
-            <a:spLocks noGrp="1"/>
-          </p:cNvSpPr>
-          <p:nvPr>
-            <p:ph sz="half" idx="2"/>
-          </p:nvPr>
-        </p:nvSpPr>
-        <p:spPr/>
-        <p:txBody>
-          <a:bodyPr>
-            <a:normAutofit fontScale="70000" lnSpcReduction="20000"/>
-          </a:bodyPr>
-          <a:lstStyle/>
-          <a:p>
-            <a:pPr lvl="0"/>
-            <a:r>
-              <a:t>Computation can also be started periodically, but the periods are generally shorter. Computation could also be started when the need arises.</a:t>
-            </a:r>
-          </a:p>
-          <a:p>
-            <a:pPr lvl="0"/>
-            <a:r>
-              <a:t>Batch processing is usually performed on slow-changing variables known as static features (for example, daily metrics).</a:t>
-            </a:r>
-          </a:p>
-          <a:p>
-            <a:pPr lvl="0"/>
-            <a:r>
-              <a:t>Streaming processing is performed on rapid-changing variables known as dynamic features (for example, average metric in past 5 minutes).</a:t>
-            </a:r>
-          </a:p>
-          <a:p>
-            <a:pPr lvl="0"/>
-            <a:r>
-              <a:t>Example products: Apache Flink, KSQL, and Spark Streaming.</a:t>
-            </a:r>
-          </a:p>
-        </p:txBody>
-      </p:sp>
-      <p:sp>
-        <p:nvSpPr>
-          <p:cNvPr id="5" name="Date Placeholder 4">
+              <a:t>References</a:t>
+            </a:r>
+          </a:p>
+        </p:txBody>
+      </p:sp>
+      <p:sp>
+        <p:nvSpPr>
+          <p:cNvPr id="3" name="Date Placeholder 2">
             <a:extLst>
               <a:ext uri="{FF2B5EF4-FFF2-40B4-BE49-F238E27FC236}">
-                <a16:creationId xmlns:a16="http://schemas.microsoft.com/office/drawing/2014/main" id="{D91BC0BD-A8CE-3D7B-2FC7-4E0D5BE13942}"/>
+                <a16:creationId xmlns:a16="http://schemas.microsoft.com/office/drawing/2014/main" id="{A24FB785-A932-F9BC-3918-702D83946A81}"/>
               </a:ext>
             </a:extLst>
           </p:cNvPr>
@@ -11666,10 +12474,10 @@
       </p:sp>
       <p:sp>
         <p:nvSpPr>
-          <p:cNvPr id="6" name="Footer Placeholder 5">
+          <p:cNvPr id="4" name="Footer Placeholder 3">
             <a:extLst>
               <a:ext uri="{FF2B5EF4-FFF2-40B4-BE49-F238E27FC236}">
-                <a16:creationId xmlns:a16="http://schemas.microsoft.com/office/drawing/2014/main" id="{8E7729F2-F52B-5D5B-ABC6-47C8ED34D487}"/>
+                <a16:creationId xmlns:a16="http://schemas.microsoft.com/office/drawing/2014/main" id="{24907588-C421-F6C0-DA7E-D45A8E350E0A}"/>
               </a:ext>
             </a:extLst>
           </p:cNvPr>
@@ -11686,19 +12494,18 @@
           <a:lstStyle/>
           <a:p>
             <a:r>
-              <a:rPr lang="en-US"/>
-              <a:t>Production 2 - Data Engineering Fundamentals</a:t>
-            </a:r>
-            <a:endParaRPr lang="en-CA"/>
-          </a:p>
-        </p:txBody>
-      </p:sp>
-      <p:sp>
-        <p:nvSpPr>
-          <p:cNvPr id="7" name="Slide Number Placeholder 6">
+              <a:rPr lang="en-CA"/>
+              <a:t>Production 2 - Data Engineering</a:t>
+            </a:r>
+          </a:p>
+        </p:txBody>
+      </p:sp>
+      <p:sp>
+        <p:nvSpPr>
+          <p:cNvPr id="5" name="Slide Number Placeholder 4">
             <a:extLst>
               <a:ext uri="{FF2B5EF4-FFF2-40B4-BE49-F238E27FC236}">
-                <a16:creationId xmlns:a16="http://schemas.microsoft.com/office/drawing/2014/main" id="{6B54B73D-F689-31AB-39D5-DAA673F787D6}"/>
+                <a16:creationId xmlns:a16="http://schemas.microsoft.com/office/drawing/2014/main" id="{316900BD-0946-1871-D0BC-65840974F0B9}"/>
               </a:ext>
             </a:extLst>
           </p:cNvPr>
@@ -11716,7 +12523,187 @@
           <a:p>
             <a:fld id="{4F4BDF5D-830C-4829-B676-EE421164B1C8}" type="slidenum">
               <a:rPr lang="en-CA" smtClean="0"/>
-              <a:t>40</a:t>
+              <a:t>43</a:t>
+            </a:fld>
+            <a:endParaRPr lang="en-CA"/>
+          </a:p>
+        </p:txBody>
+      </p:sp>
+    </p:spTree>
+  </p:cSld>
+  <p:clrMapOvr>
+    <a:masterClrMapping/>
+  </p:clrMapOvr>
+</p:sld>
+</file>
+
+<file path=ppt/slides/slide44.xml><?xml version="1.0" encoding="utf-8"?>
+<p:sld xmlns:a="http://schemas.openxmlformats.org/drawingml/2006/main" xmlns:r="http://schemas.openxmlformats.org/officeDocument/2006/relationships" xmlns:p="http://schemas.openxmlformats.org/presentationml/2006/main">
+  <p:cSld>
+    <p:spTree>
+      <p:nvGrpSpPr>
+        <p:cNvPr id="1" name=""/>
+        <p:cNvGrpSpPr/>
+        <p:nvPr/>
+      </p:nvGrpSpPr>
+      <p:grpSpPr>
+        <a:xfrm>
+          <a:off x="0" y="0"/>
+          <a:ext cx="0" cy="0"/>
+          <a:chOff x="0" y="0"/>
+          <a:chExt cx="0" cy="0"/>
+        </a:xfrm>
+      </p:grpSpPr>
+      <p:sp>
+        <p:nvSpPr>
+          <p:cNvPr id="2" name="Title 1"/>
+          <p:cNvSpPr>
+            <a:spLocks noGrp="1"/>
+          </p:cNvSpPr>
+          <p:nvPr>
+            <p:ph type="title"/>
+          </p:nvPr>
+        </p:nvSpPr>
+        <p:spPr/>
+        <p:txBody>
+          <a:bodyPr/>
+          <a:lstStyle/>
+          <a:p>
+            <a:pPr marL="0" lvl="0" indent="0">
+              <a:buNone/>
+            </a:pPr>
+            <a:r>
+              <a:t>References</a:t>
+            </a:r>
+          </a:p>
+        </p:txBody>
+      </p:sp>
+      <p:sp>
+        <p:nvSpPr>
+          <p:cNvPr id="3" name="Content Placeholder 2"/>
+          <p:cNvSpPr>
+            <a:spLocks noGrp="1"/>
+          </p:cNvSpPr>
+          <p:nvPr>
+            <p:ph idx="1"/>
+          </p:nvPr>
+        </p:nvSpPr>
+        <p:spPr/>
+        <p:txBody>
+          <a:bodyPr/>
+          <a:lstStyle/>
+          <a:p>
+            <a:pPr lvl="0"/>
+            <a:r>
+              <a:t>Agrawal, A. et al. “Cloudy with high chance of DBMS: A 10-year prediction for Enterprise-Grade ML.” arXiv preprint arXiv:1909.00084 (2019).</a:t>
+            </a:r>
+          </a:p>
+          <a:p>
+            <a:pPr lvl="0"/>
+            <a:r>
+              <a:t>Huyen, Chip. “Designing machine learning systems.” O’Reilly Media, Inc.(2022).</a:t>
+            </a:r>
+          </a:p>
+          <a:p>
+            <a:pPr lvl="0"/>
+            <a:r>
+              <a:t>Financial Stability Board (FSB). “Artificial intelligence and machine learning in financial services” (2017). </a:t>
+            </a:r>
+            <a:r>
+              <a:rPr>
+                <a:hlinkClick r:id="rId2"/>
+              </a:rPr>
+              <a:t>URL</a:t>
+            </a:r>
+          </a:p>
+          <a:p>
+            <a:pPr lvl="0"/>
+            <a:r>
+              <a:t>Kleppmann, M. “Designing data-intensive applications: The big ideas behind reliable, scalable, and maintainable systems.” O’Reilly Media, Inc. (2017).</a:t>
+            </a:r>
+          </a:p>
+        </p:txBody>
+      </p:sp>
+      <p:sp>
+        <p:nvSpPr>
+          <p:cNvPr id="4" name="Date Placeholder 3">
+            <a:extLst>
+              <a:ext uri="{FF2B5EF4-FFF2-40B4-BE49-F238E27FC236}">
+                <a16:creationId xmlns:a16="http://schemas.microsoft.com/office/drawing/2014/main" id="{70D00C59-C80E-D9E0-D0A7-E9356093B6CE}"/>
+              </a:ext>
+            </a:extLst>
+          </p:cNvPr>
+          <p:cNvSpPr>
+            <a:spLocks noGrp="1"/>
+          </p:cNvSpPr>
+          <p:nvPr>
+            <p:ph type="dt" sz="half" idx="10"/>
+          </p:nvPr>
+        </p:nvSpPr>
+        <p:spPr/>
+        <p:txBody>
+          <a:bodyPr/>
+          <a:lstStyle/>
+          <a:p>
+            <a:r>
+              <a:rPr lang="en-CA"/>
+              <a:t>February 2024</a:t>
+            </a:r>
+          </a:p>
+        </p:txBody>
+      </p:sp>
+      <p:sp>
+        <p:nvSpPr>
+          <p:cNvPr id="5" name="Footer Placeholder 4">
+            <a:extLst>
+              <a:ext uri="{FF2B5EF4-FFF2-40B4-BE49-F238E27FC236}">
+                <a16:creationId xmlns:a16="http://schemas.microsoft.com/office/drawing/2014/main" id="{F117E45B-5CFA-E4B9-D723-6EE3BCCB9430}"/>
+              </a:ext>
+            </a:extLst>
+          </p:cNvPr>
+          <p:cNvSpPr>
+            <a:spLocks noGrp="1"/>
+          </p:cNvSpPr>
+          <p:nvPr>
+            <p:ph type="ftr" sz="quarter" idx="11"/>
+          </p:nvPr>
+        </p:nvSpPr>
+        <p:spPr/>
+        <p:txBody>
+          <a:bodyPr/>
+          <a:lstStyle/>
+          <a:p>
+            <a:r>
+              <a:rPr lang="en-CA"/>
+              <a:t>Production 2 - Data Engineering</a:t>
+            </a:r>
+          </a:p>
+        </p:txBody>
+      </p:sp>
+      <p:sp>
+        <p:nvSpPr>
+          <p:cNvPr id="6" name="Slide Number Placeholder 5">
+            <a:extLst>
+              <a:ext uri="{FF2B5EF4-FFF2-40B4-BE49-F238E27FC236}">
+                <a16:creationId xmlns:a16="http://schemas.microsoft.com/office/drawing/2014/main" id="{9EB77B3F-0B63-1FF3-4187-E799163676D0}"/>
+              </a:ext>
+            </a:extLst>
+          </p:cNvPr>
+          <p:cNvSpPr>
+            <a:spLocks noGrp="1"/>
+          </p:cNvSpPr>
+          <p:nvPr>
+            <p:ph type="sldNum" sz="quarter" idx="12"/>
+          </p:nvPr>
+        </p:nvSpPr>
+        <p:spPr/>
+        <p:txBody>
+          <a:bodyPr/>
+          <a:lstStyle/>
+          <a:p>
+            <a:fld id="{4F4BDF5D-830C-4829-B676-EE421164B1C8}" type="slidenum">
+              <a:rPr lang="en-CA" smtClean="0"/>
+              <a:t>44</a:t>
             </a:fld>
             <a:endParaRPr lang="en-CA"/>
           </a:p>
@@ -11771,7 +12758,7 @@
               <a:buNone/>
             </a:pPr>
             <a:r>
-              <a:t>Data Sources</a:t>
+              <a:t>Our Reference Architecture</a:t>
             </a:r>
           </a:p>
         </p:txBody>
@@ -11781,7 +12768,7 @@
           <p:cNvPr id="3" name="Date Placeholder 2">
             <a:extLst>
               <a:ext uri="{FF2B5EF4-FFF2-40B4-BE49-F238E27FC236}">
-                <a16:creationId xmlns:a16="http://schemas.microsoft.com/office/drawing/2014/main" id="{4FF4380B-24B0-CE87-61AD-B363D39834FD}"/>
+                <a16:creationId xmlns:a16="http://schemas.microsoft.com/office/drawing/2014/main" id="{631F7416-CA4E-4A62-56C1-CD15F59FDBD3}"/>
               </a:ext>
             </a:extLst>
           </p:cNvPr>
@@ -11809,7 +12796,7 @@
           <p:cNvPr id="4" name="Footer Placeholder 3">
             <a:extLst>
               <a:ext uri="{FF2B5EF4-FFF2-40B4-BE49-F238E27FC236}">
-                <a16:creationId xmlns:a16="http://schemas.microsoft.com/office/drawing/2014/main" id="{2756B514-AB5A-9475-FE4E-24889C908426}"/>
+                <a16:creationId xmlns:a16="http://schemas.microsoft.com/office/drawing/2014/main" id="{3ED54687-5447-2092-286C-707B5FF50840}"/>
               </a:ext>
             </a:extLst>
           </p:cNvPr>
@@ -11826,10 +12813,9 @@
           <a:lstStyle/>
           <a:p>
             <a:r>
-              <a:rPr lang="en-US"/>
-              <a:t>Production 2 - Data Engineering Fundamentals</a:t>
-            </a:r>
-            <a:endParaRPr lang="en-CA"/>
+              <a:rPr lang="en-CA"/>
+              <a:t>Production 2 - Data Engineering</a:t>
+            </a:r>
           </a:p>
         </p:txBody>
       </p:sp>
@@ -11838,7 +12824,7 @@
           <p:cNvPr id="5" name="Slide Number Placeholder 4">
             <a:extLst>
               <a:ext uri="{FF2B5EF4-FFF2-40B4-BE49-F238E27FC236}">
-                <a16:creationId xmlns:a16="http://schemas.microsoft.com/office/drawing/2014/main" id="{E4D8F424-6B93-AA70-5354-CC16699DFF91}"/>
+                <a16:creationId xmlns:a16="http://schemas.microsoft.com/office/drawing/2014/main" id="{29EE9D11-475D-E12F-DCDE-3EA4E00239D4}"/>
               </a:ext>
             </a:extLst>
           </p:cNvPr>
@@ -11871,6 +12857,395 @@
 </file>
 
 <file path=ppt/slides/slide6.xml><?xml version="1.0" encoding="utf-8"?>
+<p:sld xmlns:a="http://schemas.openxmlformats.org/drawingml/2006/main" xmlns:r="http://schemas.openxmlformats.org/officeDocument/2006/relationships" xmlns:p="http://schemas.openxmlformats.org/presentationml/2006/main">
+  <p:cSld>
+    <p:spTree>
+      <p:nvGrpSpPr>
+        <p:cNvPr id="1" name=""/>
+        <p:cNvGrpSpPr/>
+        <p:nvPr/>
+      </p:nvGrpSpPr>
+      <p:grpSpPr>
+        <a:xfrm>
+          <a:off x="0" y="0"/>
+          <a:ext cx="0" cy="0"/>
+          <a:chOff x="0" y="0"/>
+          <a:chExt cx="0" cy="0"/>
+        </a:xfrm>
+      </p:grpSpPr>
+      <p:pic>
+        <p:nvPicPr>
+          <p:cNvPr id="3" name="Picture 1" descr="../img/flock_ref_arhitecture.png"/>
+          <p:cNvPicPr>
+            <a:picLocks noGrp="1" noChangeAspect="1"/>
+          </p:cNvPicPr>
+          <p:nvPr/>
+        </p:nvPicPr>
+        <p:blipFill>
+          <a:blip r:embed="rId2"/>
+          <a:stretch>
+            <a:fillRect/>
+          </a:stretch>
+        </p:blipFill>
+        <p:spPr bwMode="auto">
+          <a:xfrm>
+            <a:off x="1335314" y="1357236"/>
+            <a:ext cx="9419772" cy="4549928"/>
+          </a:xfrm>
+          <a:prstGeom prst="rect">
+            <a:avLst/>
+          </a:prstGeom>
+          <a:noFill/>
+          <a:ln w="9525">
+            <a:noFill/>
+            <a:headEnd/>
+            <a:tailEnd/>
+          </a:ln>
+        </p:spPr>
+      </p:pic>
+      <p:sp>
+        <p:nvSpPr>
+          <p:cNvPr id="2" name="Title 1"/>
+          <p:cNvSpPr>
+            <a:spLocks noGrp="1"/>
+          </p:cNvSpPr>
+          <p:nvPr>
+            <p:ph type="title"/>
+          </p:nvPr>
+        </p:nvSpPr>
+        <p:spPr/>
+        <p:txBody>
+          <a:bodyPr/>
+          <a:lstStyle/>
+          <a:p>
+            <a:pPr marL="0" lvl="0" indent="0">
+              <a:buNone/>
+            </a:pPr>
+            <a:r>
+              <a:t>The Flock Reference Architecture</a:t>
+            </a:r>
+          </a:p>
+        </p:txBody>
+      </p:sp>
+      <p:sp>
+        <p:nvSpPr>
+          <p:cNvPr id="4" name="TextBox 3"/>
+          <p:cNvSpPr txBox="1"/>
+          <p:nvPr/>
+        </p:nvSpPr>
+        <p:spPr>
+          <a:xfrm>
+            <a:off x="673100" y="5829301"/>
+            <a:ext cx="10744200" cy="508000"/>
+          </a:xfrm>
+          <a:prstGeom prst="rect">
+            <a:avLst/>
+          </a:prstGeom>
+          <a:noFill/>
+        </p:spPr>
+        <p:txBody>
+          <a:bodyPr/>
+          <a:lstStyle/>
+          <a:p>
+            <a:pPr marL="0" lvl="0" indent="0" algn="ctr">
+              <a:buNone/>
+            </a:pPr>
+            <a:r>
+              <a:rPr sz="1100" dirty="0"/>
+              <a:t>Agrawal et al (2019)</a:t>
+            </a:r>
+          </a:p>
+        </p:txBody>
+      </p:sp>
+      <p:sp>
+        <p:nvSpPr>
+          <p:cNvPr id="5" name="Date Placeholder 4">
+            <a:extLst>
+              <a:ext uri="{FF2B5EF4-FFF2-40B4-BE49-F238E27FC236}">
+                <a16:creationId xmlns:a16="http://schemas.microsoft.com/office/drawing/2014/main" id="{5AC07C33-EC06-040F-6D7A-0C5D04F8CCE1}"/>
+              </a:ext>
+            </a:extLst>
+          </p:cNvPr>
+          <p:cNvSpPr>
+            <a:spLocks noGrp="1"/>
+          </p:cNvSpPr>
+          <p:nvPr>
+            <p:ph type="dt" sz="half" idx="10"/>
+          </p:nvPr>
+        </p:nvSpPr>
+        <p:spPr/>
+        <p:txBody>
+          <a:bodyPr/>
+          <a:lstStyle/>
+          <a:p>
+            <a:r>
+              <a:rPr lang="en-CA"/>
+              <a:t>February 2024</a:t>
+            </a:r>
+          </a:p>
+        </p:txBody>
+      </p:sp>
+      <p:sp>
+        <p:nvSpPr>
+          <p:cNvPr id="6" name="Footer Placeholder 5">
+            <a:extLst>
+              <a:ext uri="{FF2B5EF4-FFF2-40B4-BE49-F238E27FC236}">
+                <a16:creationId xmlns:a16="http://schemas.microsoft.com/office/drawing/2014/main" id="{090178DD-7965-3DA0-AB04-A20B8A72179D}"/>
+              </a:ext>
+            </a:extLst>
+          </p:cNvPr>
+          <p:cNvSpPr>
+            <a:spLocks noGrp="1"/>
+          </p:cNvSpPr>
+          <p:nvPr>
+            <p:ph type="ftr" sz="quarter" idx="11"/>
+          </p:nvPr>
+        </p:nvSpPr>
+        <p:spPr/>
+        <p:txBody>
+          <a:bodyPr/>
+          <a:lstStyle/>
+          <a:p>
+            <a:r>
+              <a:rPr lang="en-CA"/>
+              <a:t>Production 2 - Data Engineering</a:t>
+            </a:r>
+          </a:p>
+        </p:txBody>
+      </p:sp>
+      <p:sp>
+        <p:nvSpPr>
+          <p:cNvPr id="7" name="Slide Number Placeholder 6">
+            <a:extLst>
+              <a:ext uri="{FF2B5EF4-FFF2-40B4-BE49-F238E27FC236}">
+                <a16:creationId xmlns:a16="http://schemas.microsoft.com/office/drawing/2014/main" id="{A90456D2-2240-041B-5AB6-CDF44DDFC0F1}"/>
+              </a:ext>
+            </a:extLst>
+          </p:cNvPr>
+          <p:cNvSpPr>
+            <a:spLocks noGrp="1"/>
+          </p:cNvSpPr>
+          <p:nvPr>
+            <p:ph type="sldNum" sz="quarter" idx="12"/>
+          </p:nvPr>
+        </p:nvSpPr>
+        <p:spPr/>
+        <p:txBody>
+          <a:bodyPr/>
+          <a:lstStyle/>
+          <a:p>
+            <a:fld id="{4F4BDF5D-830C-4829-B676-EE421164B1C8}" type="slidenum">
+              <a:rPr lang="en-CA" smtClean="0"/>
+              <a:t>6</a:t>
+            </a:fld>
+            <a:endParaRPr lang="en-CA"/>
+          </a:p>
+        </p:txBody>
+      </p:sp>
+      <p:sp>
+        <p:nvSpPr>
+          <p:cNvPr id="8" name="Rectangle: Rounded Corners 7">
+            <a:extLst>
+              <a:ext uri="{FF2B5EF4-FFF2-40B4-BE49-F238E27FC236}">
+                <a16:creationId xmlns:a16="http://schemas.microsoft.com/office/drawing/2014/main" id="{97245FB0-7447-CC2A-2EA1-2092AB2D942E}"/>
+              </a:ext>
+            </a:extLst>
+          </p:cNvPr>
+          <p:cNvSpPr/>
+          <p:nvPr/>
+        </p:nvSpPr>
+        <p:spPr>
+          <a:xfrm>
+            <a:off x="2536372" y="2153929"/>
+            <a:ext cx="1589314" cy="2652114"/>
+          </a:xfrm>
+          <a:prstGeom prst="roundRect">
+            <a:avLst/>
+          </a:prstGeom>
+          <a:solidFill>
+            <a:srgbClr val="FFC000">
+              <a:alpha val="25098"/>
+            </a:srgbClr>
+          </a:solidFill>
+          <a:ln w="57150">
+            <a:solidFill>
+              <a:srgbClr val="FF0000"/>
+            </a:solidFill>
+          </a:ln>
+        </p:spPr>
+        <p:style>
+          <a:lnRef idx="2">
+            <a:schemeClr val="accent1">
+              <a:shade val="15000"/>
+            </a:schemeClr>
+          </a:lnRef>
+          <a:fillRef idx="1">
+            <a:schemeClr val="accent1"/>
+          </a:fillRef>
+          <a:effectRef idx="0">
+            <a:schemeClr val="accent1"/>
+          </a:effectRef>
+          <a:fontRef idx="minor">
+            <a:schemeClr val="lt1"/>
+          </a:fontRef>
+        </p:style>
+        <p:txBody>
+          <a:bodyPr rtlCol="0" anchor="ctr"/>
+          <a:lstStyle/>
+          <a:p>
+            <a:pPr algn="ctr"/>
+            <a:endParaRPr lang="en-CA"/>
+          </a:p>
+        </p:txBody>
+      </p:sp>
+    </p:spTree>
+  </p:cSld>
+  <p:clrMapOvr>
+    <a:masterClrMapping/>
+  </p:clrMapOvr>
+</p:sld>
+</file>
+
+<file path=ppt/slides/slide7.xml><?xml version="1.0" encoding="utf-8"?>
+<p:sld xmlns:a="http://schemas.openxmlformats.org/drawingml/2006/main" xmlns:r="http://schemas.openxmlformats.org/officeDocument/2006/relationships" xmlns:p="http://schemas.openxmlformats.org/presentationml/2006/main">
+  <p:cSld>
+    <p:spTree>
+      <p:nvGrpSpPr>
+        <p:cNvPr id="1" name=""/>
+        <p:cNvGrpSpPr/>
+        <p:nvPr/>
+      </p:nvGrpSpPr>
+      <p:grpSpPr>
+        <a:xfrm>
+          <a:off x="0" y="0"/>
+          <a:ext cx="0" cy="0"/>
+          <a:chOff x="0" y="0"/>
+          <a:chExt cx="0" cy="0"/>
+        </a:xfrm>
+      </p:grpSpPr>
+      <p:sp>
+        <p:nvSpPr>
+          <p:cNvPr id="2" name="Title 1"/>
+          <p:cNvSpPr>
+            <a:spLocks noGrp="1"/>
+          </p:cNvSpPr>
+          <p:nvPr>
+            <p:ph type="title"/>
+          </p:nvPr>
+        </p:nvSpPr>
+        <p:spPr>
+          <a:xfrm>
+            <a:off x="603504" y="767419"/>
+            <a:ext cx="10780776" cy="3355848"/>
+          </a:xfrm>
+        </p:spPr>
+        <p:txBody>
+          <a:bodyPr/>
+          <a:lstStyle/>
+          <a:p>
+            <a:pPr marL="0" lvl="0" indent="0">
+              <a:buNone/>
+            </a:pPr>
+            <a:r>
+              <a:t>Data Sources</a:t>
+            </a:r>
+          </a:p>
+        </p:txBody>
+      </p:sp>
+      <p:sp>
+        <p:nvSpPr>
+          <p:cNvPr id="3" name="Date Placeholder 2">
+            <a:extLst>
+              <a:ext uri="{FF2B5EF4-FFF2-40B4-BE49-F238E27FC236}">
+                <a16:creationId xmlns:a16="http://schemas.microsoft.com/office/drawing/2014/main" id="{D2D1934D-6AAB-CA43-C683-2F7D8AE7A770}"/>
+              </a:ext>
+            </a:extLst>
+          </p:cNvPr>
+          <p:cNvSpPr>
+            <a:spLocks noGrp="1"/>
+          </p:cNvSpPr>
+          <p:nvPr>
+            <p:ph type="dt" sz="half" idx="10"/>
+          </p:nvPr>
+        </p:nvSpPr>
+        <p:spPr/>
+        <p:txBody>
+          <a:bodyPr/>
+          <a:lstStyle/>
+          <a:p>
+            <a:r>
+              <a:rPr lang="en-CA"/>
+              <a:t>February 2024</a:t>
+            </a:r>
+          </a:p>
+        </p:txBody>
+      </p:sp>
+      <p:sp>
+        <p:nvSpPr>
+          <p:cNvPr id="4" name="Footer Placeholder 3">
+            <a:extLst>
+              <a:ext uri="{FF2B5EF4-FFF2-40B4-BE49-F238E27FC236}">
+                <a16:creationId xmlns:a16="http://schemas.microsoft.com/office/drawing/2014/main" id="{120E2DE1-1494-D228-BE9C-D797CCA2FE38}"/>
+              </a:ext>
+            </a:extLst>
+          </p:cNvPr>
+          <p:cNvSpPr>
+            <a:spLocks noGrp="1"/>
+          </p:cNvSpPr>
+          <p:nvPr>
+            <p:ph type="ftr" sz="quarter" idx="11"/>
+          </p:nvPr>
+        </p:nvSpPr>
+        <p:spPr/>
+        <p:txBody>
+          <a:bodyPr/>
+          <a:lstStyle/>
+          <a:p>
+            <a:r>
+              <a:rPr lang="en-CA"/>
+              <a:t>Production 2 - Data Engineering</a:t>
+            </a:r>
+          </a:p>
+        </p:txBody>
+      </p:sp>
+      <p:sp>
+        <p:nvSpPr>
+          <p:cNvPr id="5" name="Slide Number Placeholder 4">
+            <a:extLst>
+              <a:ext uri="{FF2B5EF4-FFF2-40B4-BE49-F238E27FC236}">
+                <a16:creationId xmlns:a16="http://schemas.microsoft.com/office/drawing/2014/main" id="{30A63725-ECE4-013A-C9F7-7DBFD286BA8F}"/>
+              </a:ext>
+            </a:extLst>
+          </p:cNvPr>
+          <p:cNvSpPr>
+            <a:spLocks noGrp="1"/>
+          </p:cNvSpPr>
+          <p:nvPr>
+            <p:ph type="sldNum" sz="quarter" idx="12"/>
+          </p:nvPr>
+        </p:nvSpPr>
+        <p:spPr/>
+        <p:txBody>
+          <a:bodyPr/>
+          <a:lstStyle/>
+          <a:p>
+            <a:fld id="{4F4BDF5D-830C-4829-B676-EE421164B1C8}" type="slidenum">
+              <a:rPr lang="en-CA" smtClean="0"/>
+              <a:t>7</a:t>
+            </a:fld>
+            <a:endParaRPr lang="en-CA"/>
+          </a:p>
+        </p:txBody>
+      </p:sp>
+    </p:spTree>
+  </p:cSld>
+  <p:clrMapOvr>
+    <a:masterClrMapping/>
+  </p:clrMapOvr>
+</p:sld>
+</file>
+
+<file path=ppt/slides/slide8.xml><?xml version="1.0" encoding="utf-8"?>
 <p:sld xmlns:a="http://schemas.openxmlformats.org/drawingml/2006/main" xmlns:r="http://schemas.openxmlformats.org/officeDocument/2006/relationships" xmlns:p="http://schemas.openxmlformats.org/presentationml/2006/main">
   <p:cSld>
     <p:spTree>
@@ -11965,7 +13340,8 @@
               <a:buNone/>
             </a:pPr>
             <a:r>
-              <a:t>(FSB, 2019)</a:t>
+              <a:rPr sz="1200" dirty="0"/>
+              <a:t>(FSB, 2017)</a:t>
             </a:r>
           </a:p>
         </p:txBody>
@@ -12024,6 +13400,7 @@
               <a:buNone/>
             </a:pPr>
             <a:r>
+              <a:rPr sz="1200"/>
               <a:t>(World In Data, 2024)</a:t>
             </a:r>
           </a:p>
@@ -12034,7 +13411,7 @@
           <p:cNvPr id="7" name="Date Placeholder 6">
             <a:extLst>
               <a:ext uri="{FF2B5EF4-FFF2-40B4-BE49-F238E27FC236}">
-                <a16:creationId xmlns:a16="http://schemas.microsoft.com/office/drawing/2014/main" id="{B2512214-C90F-E131-6B61-9883923DD692}"/>
+                <a16:creationId xmlns:a16="http://schemas.microsoft.com/office/drawing/2014/main" id="{E4D47AF1-0F40-79BE-E0E9-5B47F96AFD75}"/>
               </a:ext>
             </a:extLst>
           </p:cNvPr>
@@ -12062,7 +13439,7 @@
           <p:cNvPr id="8" name="Footer Placeholder 7">
             <a:extLst>
               <a:ext uri="{FF2B5EF4-FFF2-40B4-BE49-F238E27FC236}">
-                <a16:creationId xmlns:a16="http://schemas.microsoft.com/office/drawing/2014/main" id="{3F721157-A4EB-7D9A-9611-6AD84CCDC2E4}"/>
+                <a16:creationId xmlns:a16="http://schemas.microsoft.com/office/drawing/2014/main" id="{A091AC48-8328-D26F-F65F-A71CBC297C08}"/>
               </a:ext>
             </a:extLst>
           </p:cNvPr>
@@ -12079,10 +13456,9 @@
           <a:lstStyle/>
           <a:p>
             <a:r>
-              <a:rPr lang="en-US"/>
-              <a:t>Production 2 - Data Engineering Fundamentals</a:t>
-            </a:r>
-            <a:endParaRPr lang="en-CA"/>
+              <a:rPr lang="en-CA"/>
+              <a:t>Production 2 - Data Engineering</a:t>
+            </a:r>
           </a:p>
         </p:txBody>
       </p:sp>
@@ -12091,408 +13467,7 @@
           <p:cNvPr id="9" name="Slide Number Placeholder 8">
             <a:extLst>
               <a:ext uri="{FF2B5EF4-FFF2-40B4-BE49-F238E27FC236}">
-                <a16:creationId xmlns:a16="http://schemas.microsoft.com/office/drawing/2014/main" id="{D78326DC-7E26-390E-5A2D-91F50D2A32D8}"/>
-              </a:ext>
-            </a:extLst>
-          </p:cNvPr>
-          <p:cNvSpPr>
-            <a:spLocks noGrp="1"/>
-          </p:cNvSpPr>
-          <p:nvPr>
-            <p:ph type="sldNum" sz="quarter" idx="12"/>
-          </p:nvPr>
-        </p:nvSpPr>
-        <p:spPr/>
-        <p:txBody>
-          <a:bodyPr/>
-          <a:lstStyle/>
-          <a:p>
-            <a:fld id="{4F4BDF5D-830C-4829-B676-EE421164B1C8}" type="slidenum">
-              <a:rPr lang="en-CA" smtClean="0"/>
-              <a:t>6</a:t>
-            </a:fld>
-            <a:endParaRPr lang="en-CA"/>
-          </a:p>
-        </p:txBody>
-      </p:sp>
-    </p:spTree>
-  </p:cSld>
-  <p:clrMapOvr>
-    <a:masterClrMapping/>
-  </p:clrMapOvr>
-</p:sld>
-</file>
-
-<file path=ppt/slides/slide7.xml><?xml version="1.0" encoding="utf-8"?>
-<p:sld xmlns:a="http://schemas.openxmlformats.org/drawingml/2006/main" xmlns:r="http://schemas.openxmlformats.org/officeDocument/2006/relationships" xmlns:p="http://schemas.openxmlformats.org/presentationml/2006/main">
-  <p:cSld>
-    <p:spTree>
-      <p:nvGrpSpPr>
-        <p:cNvPr id="1" name=""/>
-        <p:cNvGrpSpPr/>
-        <p:nvPr/>
-      </p:nvGrpSpPr>
-      <p:grpSpPr>
-        <a:xfrm>
-          <a:off x="0" y="0"/>
-          <a:ext cx="0" cy="0"/>
-          <a:chOff x="0" y="0"/>
-          <a:chExt cx="0" cy="0"/>
-        </a:xfrm>
-      </p:grpSpPr>
-      <p:sp>
-        <p:nvSpPr>
-          <p:cNvPr id="2" name="Title 1"/>
-          <p:cNvSpPr>
-            <a:spLocks noGrp="1"/>
-          </p:cNvSpPr>
-          <p:nvPr>
-            <p:ph type="title"/>
-          </p:nvPr>
-        </p:nvSpPr>
-        <p:spPr/>
-        <p:txBody>
-          <a:bodyPr/>
-          <a:lstStyle/>
-          <a:p>
-            <a:pPr marL="0" lvl="0" indent="0">
-              <a:buNone/>
-            </a:pPr>
-            <a:r>
-              <a:t>Data Sources</a:t>
-            </a:r>
-          </a:p>
-        </p:txBody>
-      </p:sp>
-      <p:sp>
-        <p:nvSpPr>
-          <p:cNvPr id="3" name="Content Placeholder 2"/>
-          <p:cNvSpPr>
-            <a:spLocks noGrp="1"/>
-          </p:cNvSpPr>
-          <p:nvPr>
-            <p:ph sz="half" idx="1"/>
-          </p:nvPr>
-        </p:nvSpPr>
-        <p:spPr/>
-        <p:txBody>
-          <a:bodyPr>
-            <a:normAutofit fontScale="70000" lnSpcReduction="20000"/>
-          </a:bodyPr>
-          <a:lstStyle/>
-          <a:p>
-            <a:pPr lvl="0"/>
-            <a:r>
-              <a:t>Different data sources have different characteristics.</a:t>
-            </a:r>
-          </a:p>
-          <a:p>
-            <a:pPr lvl="0"/>
-            <a:r>
-              <a:t>User input data:</a:t>
-            </a:r>
-          </a:p>
-          <a:p>
-            <a:pPr lvl="1"/>
-            <a:r>
-              <a:t>Data that is explicitly input by users.</a:t>
-            </a:r>
-          </a:p>
-          <a:p>
-            <a:pPr lvl="1"/>
-            <a:r>
-              <a:t>Text, images, videos, files, etc.</a:t>
-            </a:r>
-          </a:p>
-          <a:p>
-            <a:pPr lvl="1"/>
-            <a:r>
-              <a:t>Prone to error: text too long, too short, incomplete, unexpected data types, etc.</a:t>
-            </a:r>
-          </a:p>
-          <a:p>
-            <a:pPr lvl="0"/>
-            <a:r>
-              <a:t>System-generated data:</a:t>
-            </a:r>
-          </a:p>
-          <a:p>
-            <a:pPr lvl="1"/>
-            <a:r>
-              <a:t>Logs, performance metrics, and other system outputs.</a:t>
-            </a:r>
-          </a:p>
-          <a:p>
-            <a:pPr lvl="1"/>
-            <a:r>
-              <a:t>Generally, well-formatted.</a:t>
-            </a:r>
-          </a:p>
-          <a:p>
-            <a:pPr lvl="1"/>
-            <a:r>
-              <a:t>Can grow rapidly.</a:t>
-            </a:r>
-          </a:p>
-        </p:txBody>
-      </p:sp>
-      <p:sp>
-        <p:nvSpPr>
-          <p:cNvPr id="4" name="Content Placeholder 3"/>
-          <p:cNvSpPr>
-            <a:spLocks noGrp="1"/>
-          </p:cNvSpPr>
-          <p:nvPr>
-            <p:ph sz="half" idx="2"/>
-          </p:nvPr>
-        </p:nvSpPr>
-        <p:spPr/>
-        <p:txBody>
-          <a:bodyPr>
-            <a:normAutofit fontScale="70000" lnSpcReduction="20000"/>
-          </a:bodyPr>
-          <a:lstStyle/>
-          <a:p>
-            <a:pPr lvl="0"/>
-            <a:r>
-              <a:t>Databases generated by (internal) services and enterprise applications:</a:t>
-            </a:r>
-          </a:p>
-          <a:p>
-            <a:pPr lvl="1"/>
-            <a:r>
-              <a:t>Many times, structured data.</a:t>
-            </a:r>
-          </a:p>
-          <a:p>
-            <a:pPr lvl="1"/>
-            <a:r>
-              <a:t>Varying degrees of data quality.</a:t>
-            </a:r>
-          </a:p>
-          <a:p>
-            <a:pPr lvl="0"/>
-            <a:r>
-              <a:t>Third-party data:</a:t>
-            </a:r>
-          </a:p>
-          <a:p>
-            <a:pPr lvl="1"/>
-            <a:r>
-              <a:t>Data collected from the public when the public is not a customer of the collecting organization.</a:t>
-            </a:r>
-          </a:p>
-          <a:p>
-            <a:pPr lvl="1"/>
-            <a:r>
-              <a:t>Price databases, news aggregators, etc.</a:t>
-            </a:r>
-          </a:p>
-        </p:txBody>
-      </p:sp>
-      <p:sp>
-        <p:nvSpPr>
-          <p:cNvPr id="5" name="Date Placeholder 4">
-            <a:extLst>
-              <a:ext uri="{FF2B5EF4-FFF2-40B4-BE49-F238E27FC236}">
-                <a16:creationId xmlns:a16="http://schemas.microsoft.com/office/drawing/2014/main" id="{1D32F4C0-86E1-97A2-9A47-9C4BAFE2D869}"/>
-              </a:ext>
-            </a:extLst>
-          </p:cNvPr>
-          <p:cNvSpPr>
-            <a:spLocks noGrp="1"/>
-          </p:cNvSpPr>
-          <p:nvPr>
-            <p:ph type="dt" sz="half" idx="10"/>
-          </p:nvPr>
-        </p:nvSpPr>
-        <p:spPr/>
-        <p:txBody>
-          <a:bodyPr/>
-          <a:lstStyle/>
-          <a:p>
-            <a:r>
-              <a:rPr lang="en-CA"/>
-              <a:t>February 2024</a:t>
-            </a:r>
-          </a:p>
-        </p:txBody>
-      </p:sp>
-      <p:sp>
-        <p:nvSpPr>
-          <p:cNvPr id="6" name="Footer Placeholder 5">
-            <a:extLst>
-              <a:ext uri="{FF2B5EF4-FFF2-40B4-BE49-F238E27FC236}">
-                <a16:creationId xmlns:a16="http://schemas.microsoft.com/office/drawing/2014/main" id="{D5ACCF5A-DEAF-E84A-7846-EB5CE6DFB653}"/>
-              </a:ext>
-            </a:extLst>
-          </p:cNvPr>
-          <p:cNvSpPr>
-            <a:spLocks noGrp="1"/>
-          </p:cNvSpPr>
-          <p:nvPr>
-            <p:ph type="ftr" sz="quarter" idx="11"/>
-          </p:nvPr>
-        </p:nvSpPr>
-        <p:spPr/>
-        <p:txBody>
-          <a:bodyPr/>
-          <a:lstStyle/>
-          <a:p>
-            <a:r>
-              <a:rPr lang="en-US"/>
-              <a:t>Production 2 - Data Engineering Fundamentals</a:t>
-            </a:r>
-            <a:endParaRPr lang="en-CA"/>
-          </a:p>
-        </p:txBody>
-      </p:sp>
-      <p:sp>
-        <p:nvSpPr>
-          <p:cNvPr id="7" name="Slide Number Placeholder 6">
-            <a:extLst>
-              <a:ext uri="{FF2B5EF4-FFF2-40B4-BE49-F238E27FC236}">
-                <a16:creationId xmlns:a16="http://schemas.microsoft.com/office/drawing/2014/main" id="{26D05D8B-AF2F-29C3-138C-92D42E802058}"/>
-              </a:ext>
-            </a:extLst>
-          </p:cNvPr>
-          <p:cNvSpPr>
-            <a:spLocks noGrp="1"/>
-          </p:cNvSpPr>
-          <p:nvPr>
-            <p:ph type="sldNum" sz="quarter" idx="12"/>
-          </p:nvPr>
-        </p:nvSpPr>
-        <p:spPr/>
-        <p:txBody>
-          <a:bodyPr/>
-          <a:lstStyle/>
-          <a:p>
-            <a:fld id="{4F4BDF5D-830C-4829-B676-EE421164B1C8}" type="slidenum">
-              <a:rPr lang="en-CA" smtClean="0"/>
-              <a:t>7</a:t>
-            </a:fld>
-            <a:endParaRPr lang="en-CA"/>
-          </a:p>
-        </p:txBody>
-      </p:sp>
-    </p:spTree>
-  </p:cSld>
-  <p:clrMapOvr>
-    <a:masterClrMapping/>
-  </p:clrMapOvr>
-</p:sld>
-</file>
-
-<file path=ppt/slides/slide8.xml><?xml version="1.0" encoding="utf-8"?>
-<p:sld xmlns:a="http://schemas.openxmlformats.org/drawingml/2006/main" xmlns:r="http://schemas.openxmlformats.org/officeDocument/2006/relationships" xmlns:p="http://schemas.openxmlformats.org/presentationml/2006/main">
-  <p:cSld>
-    <p:spTree>
-      <p:nvGrpSpPr>
-        <p:cNvPr id="1" name=""/>
-        <p:cNvGrpSpPr/>
-        <p:nvPr/>
-      </p:nvGrpSpPr>
-      <p:grpSpPr>
-        <a:xfrm>
-          <a:off x="0" y="0"/>
-          <a:ext cx="0" cy="0"/>
-          <a:chOff x="0" y="0"/>
-          <a:chExt cx="0" cy="0"/>
-        </a:xfrm>
-      </p:grpSpPr>
-      <p:sp>
-        <p:nvSpPr>
-          <p:cNvPr id="2" name="Title 1"/>
-          <p:cNvSpPr>
-            <a:spLocks noGrp="1"/>
-          </p:cNvSpPr>
-          <p:nvPr>
-            <p:ph type="title"/>
-          </p:nvPr>
-        </p:nvSpPr>
-        <p:spPr>
-          <a:xfrm>
-            <a:off x="603504" y="767419"/>
-            <a:ext cx="10780776" cy="3355848"/>
-          </a:xfrm>
-        </p:spPr>
-        <p:txBody>
-          <a:bodyPr/>
-          <a:lstStyle/>
-          <a:p>
-            <a:pPr marL="0" lvl="0" indent="0">
-              <a:buNone/>
-            </a:pPr>
-            <a:r>
-              <a:t>Data Formats</a:t>
-            </a:r>
-          </a:p>
-        </p:txBody>
-      </p:sp>
-      <p:sp>
-        <p:nvSpPr>
-          <p:cNvPr id="3" name="Date Placeholder 2">
-            <a:extLst>
-              <a:ext uri="{FF2B5EF4-FFF2-40B4-BE49-F238E27FC236}">
-                <a16:creationId xmlns:a16="http://schemas.microsoft.com/office/drawing/2014/main" id="{9CD95F2A-BD31-FB79-938E-2004738701BC}"/>
-              </a:ext>
-            </a:extLst>
-          </p:cNvPr>
-          <p:cNvSpPr>
-            <a:spLocks noGrp="1"/>
-          </p:cNvSpPr>
-          <p:nvPr>
-            <p:ph type="dt" sz="half" idx="10"/>
-          </p:nvPr>
-        </p:nvSpPr>
-        <p:spPr/>
-        <p:txBody>
-          <a:bodyPr/>
-          <a:lstStyle/>
-          <a:p>
-            <a:r>
-              <a:rPr lang="en-CA"/>
-              <a:t>February 2024</a:t>
-            </a:r>
-          </a:p>
-        </p:txBody>
-      </p:sp>
-      <p:sp>
-        <p:nvSpPr>
-          <p:cNvPr id="4" name="Footer Placeholder 3">
-            <a:extLst>
-              <a:ext uri="{FF2B5EF4-FFF2-40B4-BE49-F238E27FC236}">
-                <a16:creationId xmlns:a16="http://schemas.microsoft.com/office/drawing/2014/main" id="{4D76D8C8-5C2F-D54D-6295-8F912762EBA0}"/>
-              </a:ext>
-            </a:extLst>
-          </p:cNvPr>
-          <p:cNvSpPr>
-            <a:spLocks noGrp="1"/>
-          </p:cNvSpPr>
-          <p:nvPr>
-            <p:ph type="ftr" sz="quarter" idx="11"/>
-          </p:nvPr>
-        </p:nvSpPr>
-        <p:spPr/>
-        <p:txBody>
-          <a:bodyPr/>
-          <a:lstStyle/>
-          <a:p>
-            <a:r>
-              <a:rPr lang="en-US"/>
-              <a:t>Production 2 - Data Engineering Fundamentals</a:t>
-            </a:r>
-            <a:endParaRPr lang="en-CA"/>
-          </a:p>
-        </p:txBody>
-      </p:sp>
-      <p:sp>
-        <p:nvSpPr>
-          <p:cNvPr id="5" name="Slide Number Placeholder 4">
-            <a:extLst>
-              <a:ext uri="{FF2B5EF4-FFF2-40B4-BE49-F238E27FC236}">
-                <a16:creationId xmlns:a16="http://schemas.microsoft.com/office/drawing/2014/main" id="{BFFA2C48-C4CF-F6FA-5BE2-3DCEAB3EFB1D}"/>
+                <a16:creationId xmlns:a16="http://schemas.microsoft.com/office/drawing/2014/main" id="{B3CFA819-0988-C293-8C9B-919ECEAA5015}"/>
               </a:ext>
             </a:extLst>
           </p:cNvPr>
@@ -12560,7 +13535,7 @@
               <a:buNone/>
             </a:pPr>
             <a:r>
-              <a:t>Data Formats</a:t>
+              <a:t>Data Sources</a:t>
             </a:r>
           </a:p>
         </p:txBody>
@@ -12578,50 +13553,61 @@
         <p:spPr/>
         <p:txBody>
           <a:bodyPr>
-            <a:normAutofit fontScale="85000" lnSpcReduction="20000"/>
+            <a:normAutofit fontScale="70000" lnSpcReduction="20000"/>
           </a:bodyPr>
           <a:lstStyle/>
           <a:p>
             <a:pPr lvl="0"/>
             <a:r>
-              <a:t>Data storage is a fundamental component in any ML system:</a:t>
+              <a:t>Different data sources have different characteristics.</a:t>
+            </a:r>
+          </a:p>
+          <a:p>
+            <a:pPr lvl="0"/>
+            <a:r>
+              <a:t>User input data:</a:t>
             </a:r>
           </a:p>
           <a:p>
             <a:pPr lvl="1"/>
             <a:r>
-              <a:t>Store raw input data.</a:t>
+              <a:t>Data that is explicitly input by users.</a:t>
             </a:r>
           </a:p>
           <a:p>
             <a:pPr lvl="1"/>
             <a:r>
-              <a:t>Store pre-computed features.</a:t>
+              <a:t>Text, images, videos, files, etc.</a:t>
             </a:r>
           </a:p>
           <a:p>
             <a:pPr lvl="1"/>
             <a:r>
-              <a:t>Store model performance metrics and other model-related information.</a:t>
+              <a:t>Prone to error: text too long, too short, incomplete, unexpected data types, etc.</a:t>
+            </a:r>
+          </a:p>
+          <a:p>
+            <a:pPr lvl="0"/>
+            <a:r>
+              <a:t>System-generated data:</a:t>
             </a:r>
           </a:p>
           <a:p>
             <a:pPr lvl="1"/>
             <a:r>
-              <a:t>Store logs for monitoring and debugging.</a:t>
-            </a:r>
-          </a:p>
-          <a:p>
-            <a:pPr lvl="0"/>
-            <a:r>
-              <a:t>Multiple storage types can be combined with data transformation procedures to create </a:t>
-            </a:r>
-            <a:r>
-              <a:rPr i="1"/>
-              <a:t>pipelines</a:t>
-            </a:r>
-            <a:r>
-              <a:t>.</a:t>
+              <a:t>Logs, performance metrics, and other system outputs.</a:t>
+            </a:r>
+          </a:p>
+          <a:p>
+            <a:pPr lvl="1"/>
+            <a:r>
+              <a:t>Generally, well-formatted.</a:t>
+            </a:r>
+          </a:p>
+          <a:p>
+            <a:pPr lvl="1"/>
+            <a:r>
+              <a:t>Can grow rapidly.</a:t>
             </a:r>
           </a:p>
         </p:txBody>
@@ -12639,47 +13625,43 @@
         <p:spPr/>
         <p:txBody>
           <a:bodyPr>
-            <a:normAutofit fontScale="85000" lnSpcReduction="20000"/>
+            <a:normAutofit fontScale="70000" lnSpcReduction="20000"/>
           </a:bodyPr>
           <a:lstStyle/>
           <a:p>
             <a:pPr lvl="0"/>
             <a:r>
-              <a:t>Selecting the right data format for storing can be beneficial in terms of performance and costs.</a:t>
-            </a:r>
-          </a:p>
-          <a:p>
-            <a:pPr lvl="0"/>
-            <a:r>
-              <a:rPr i="1"/>
-              <a:t>Data serialization</a:t>
-            </a:r>
-            <a:r>
-              <a:t> is converting a data structure or object state into a format that can be stored, transmitted, and reconstructed later.</a:t>
-            </a:r>
-          </a:p>
-          <a:p>
-            <a:pPr lvl="0"/>
-            <a:r>
-              <a:t>Data formats can be:</a:t>
+              <a:t>Databases generated by (internal) services and enterprise applications:</a:t>
             </a:r>
           </a:p>
           <a:p>
             <a:pPr lvl="1"/>
             <a:r>
-              <a:t>Text or binary-based.</a:t>
+              <a:t>Many times, structured data.</a:t>
             </a:r>
           </a:p>
           <a:p>
             <a:pPr lvl="1"/>
             <a:r>
-              <a:t>Human readable.</a:t>
+              <a:t>Varying degrees of data quality.</a:t>
+            </a:r>
+          </a:p>
+          <a:p>
+            <a:pPr lvl="0"/>
+            <a:r>
+              <a:t>Third-party data:</a:t>
             </a:r>
           </a:p>
           <a:p>
             <a:pPr lvl="1"/>
             <a:r>
-              <a:t>Row-major or column-major.</a:t>
+              <a:t>Data collected from the public when the public is not a customer of the collecting organization.</a:t>
+            </a:r>
+          </a:p>
+          <a:p>
+            <a:pPr lvl="1"/>
+            <a:r>
+              <a:t>Price databases, news aggregators, etc.</a:t>
             </a:r>
           </a:p>
         </p:txBody>
@@ -12689,7 +13671,7 @@
           <p:cNvPr id="5" name="Date Placeholder 4">
             <a:extLst>
               <a:ext uri="{FF2B5EF4-FFF2-40B4-BE49-F238E27FC236}">
-                <a16:creationId xmlns:a16="http://schemas.microsoft.com/office/drawing/2014/main" id="{49613363-AFC0-1286-AF22-103D9DDC9C9A}"/>
+                <a16:creationId xmlns:a16="http://schemas.microsoft.com/office/drawing/2014/main" id="{7B3CB8E9-3A4E-6348-A8F6-3A15CE4DB0D4}"/>
               </a:ext>
             </a:extLst>
           </p:cNvPr>
@@ -12717,7 +13699,7 @@
           <p:cNvPr id="6" name="Footer Placeholder 5">
             <a:extLst>
               <a:ext uri="{FF2B5EF4-FFF2-40B4-BE49-F238E27FC236}">
-                <a16:creationId xmlns:a16="http://schemas.microsoft.com/office/drawing/2014/main" id="{C7458F41-E8B4-AB49-C3B6-D261813BBFAF}"/>
+                <a16:creationId xmlns:a16="http://schemas.microsoft.com/office/drawing/2014/main" id="{F62639F9-42DC-F8D0-8C74-7A3F3CDC3B37}"/>
               </a:ext>
             </a:extLst>
           </p:cNvPr>
@@ -12734,10 +13716,9 @@
           <a:lstStyle/>
           <a:p>
             <a:r>
-              <a:rPr lang="en-US"/>
-              <a:t>Production 2 - Data Engineering Fundamentals</a:t>
-            </a:r>
-            <a:endParaRPr lang="en-CA"/>
+              <a:rPr lang="en-CA"/>
+              <a:t>Production 2 - Data Engineering</a:t>
+            </a:r>
           </a:p>
         </p:txBody>
       </p:sp>
@@ -12746,7 +13727,7 @@
           <p:cNvPr id="7" name="Slide Number Placeholder 6">
             <a:extLst>
               <a:ext uri="{FF2B5EF4-FFF2-40B4-BE49-F238E27FC236}">
-                <a16:creationId xmlns:a16="http://schemas.microsoft.com/office/drawing/2014/main" id="{7FBB8E77-023A-B07D-2795-7F3AF87ED348}"/>
+                <a16:creationId xmlns:a16="http://schemas.microsoft.com/office/drawing/2014/main" id="{8F56F89B-D364-39E2-2945-3C9575536BB3}"/>
               </a:ext>
             </a:extLst>
           </p:cNvPr>
